--- a/wireframing/Zombie-Apocalypse final presentation.pptx
+++ b/wireframing/Zombie-Apocalypse final presentation.pptx
@@ -2,17 +2,19 @@
 <file path=ppt/presentation.xml><?xml version="1.0" encoding="utf-8"?>
 <p:presentation xmlns:a="http://schemas.openxmlformats.org/drawingml/2006/main" xmlns:r="http://schemas.openxmlformats.org/officeDocument/2006/relationships" xmlns:p="http://schemas.openxmlformats.org/presentationml/2006/main" saveSubsetFonts="1">
   <p:sldMasterIdLst>
-    <p:sldMasterId id="2147483648" r:id="rId1"/>
+    <p:sldMasterId id="2147483851" r:id="rId1"/>
   </p:sldMasterIdLst>
   <p:sldIdLst>
-    <p:sldId id="256" r:id="rId2"/>
-    <p:sldId id="257" r:id="rId3"/>
-    <p:sldId id="258" r:id="rId4"/>
-    <p:sldId id="259" r:id="rId5"/>
-    <p:sldId id="260" r:id="rId6"/>
-    <p:sldId id="261" r:id="rId7"/>
-    <p:sldId id="262" r:id="rId8"/>
-    <p:sldId id="263" r:id="rId9"/>
+    <p:sldId id="267" r:id="rId2"/>
+    <p:sldId id="256" r:id="rId3"/>
+    <p:sldId id="257" r:id="rId4"/>
+    <p:sldId id="260" r:id="rId5"/>
+    <p:sldId id="259" r:id="rId6"/>
+    <p:sldId id="263" r:id="rId7"/>
+    <p:sldId id="264" r:id="rId8"/>
+    <p:sldId id="266" r:id="rId9"/>
+    <p:sldId id="261" r:id="rId10"/>
+    <p:sldId id="265" r:id="rId11"/>
   </p:sldIdLst>
   <p:sldSz cx="12192000" cy="6858000"/>
   <p:notesSz cx="6858000" cy="9144000"/>
@@ -120,7 +122,7 @@
 </file>
 
 <file path=ppt/slideLayouts/slideLayout1.xml><?xml version="1.0" encoding="utf-8"?>
-<p:sldLayout xmlns:a="http://schemas.openxmlformats.org/drawingml/2006/main" xmlns:r="http://schemas.openxmlformats.org/officeDocument/2006/relationships" xmlns:p="http://schemas.openxmlformats.org/presentationml/2006/main" type="title" preserve="1">
+<p:sldLayout xmlns:a="http://schemas.openxmlformats.org/drawingml/2006/main" xmlns:r="http://schemas.openxmlformats.org/officeDocument/2006/relationships" xmlns:p="http://schemas.openxmlformats.org/presentationml/2006/main" showMasterSp="0" type="title" preserve="1">
   <p:cSld name="Title Slide">
     <p:spTree>
       <p:nvGrpSpPr>
@@ -138,6 +140,82 @@
       </p:grpSpPr>
       <p:sp>
         <p:nvSpPr>
+          <p:cNvPr id="7" name="Rectangle 6"/>
+          <p:cNvSpPr/>
+          <p:nvPr/>
+        </p:nvSpPr>
+        <p:spPr>
+          <a:xfrm>
+            <a:off x="3175" y="6400800"/>
+            <a:ext cx="12188825" cy="457200"/>
+          </a:xfrm>
+          <a:prstGeom prst="rect">
+            <a:avLst/>
+          </a:prstGeom>
+          <a:solidFill>
+            <a:schemeClr val="accent2"/>
+          </a:solidFill>
+          <a:ln>
+            <a:noFill/>
+          </a:ln>
+        </p:spPr>
+        <p:style>
+          <a:lnRef idx="2">
+            <a:schemeClr val="accent1">
+              <a:shade val="50000"/>
+            </a:schemeClr>
+          </a:lnRef>
+          <a:fillRef idx="1">
+            <a:schemeClr val="accent1"/>
+          </a:fillRef>
+          <a:effectRef idx="0">
+            <a:schemeClr val="accent1"/>
+          </a:effectRef>
+          <a:fontRef idx="minor">
+            <a:schemeClr val="lt1"/>
+          </a:fontRef>
+        </p:style>
+      </p:sp>
+      <p:sp>
+        <p:nvSpPr>
+          <p:cNvPr id="8" name="Rectangle 7"/>
+          <p:cNvSpPr/>
+          <p:nvPr/>
+        </p:nvSpPr>
+        <p:spPr>
+          <a:xfrm>
+            <a:off x="15" y="6334316"/>
+            <a:ext cx="12188825" cy="64008"/>
+          </a:xfrm>
+          <a:prstGeom prst="rect">
+            <a:avLst/>
+          </a:prstGeom>
+          <a:solidFill>
+            <a:schemeClr val="accent1"/>
+          </a:solidFill>
+          <a:ln>
+            <a:noFill/>
+          </a:ln>
+        </p:spPr>
+        <p:style>
+          <a:lnRef idx="2">
+            <a:schemeClr val="accent1">
+              <a:shade val="50000"/>
+            </a:schemeClr>
+          </a:lnRef>
+          <a:fillRef idx="1">
+            <a:schemeClr val="accent1"/>
+          </a:fillRef>
+          <a:effectRef idx="0">
+            <a:schemeClr val="accent1"/>
+          </a:effectRef>
+          <a:fontRef idx="minor">
+            <a:schemeClr val="lt1"/>
+          </a:fontRef>
+        </p:style>
+      </p:sp>
+      <p:sp>
+        <p:nvSpPr>
           <p:cNvPr id="2" name="Title 1"/>
           <p:cNvSpPr>
             <a:spLocks noGrp="1"/>
@@ -148,15 +226,27 @@
         </p:nvSpPr>
         <p:spPr>
           <a:xfrm>
-            <a:off x="1524000" y="1122363"/>
-            <a:ext cx="9144000" cy="2387600"/>
-          </a:xfrm>
-        </p:spPr>
-        <p:txBody>
-          <a:bodyPr anchor="b"/>
+            <a:off x="1097280" y="758952"/>
+            <a:ext cx="10058400" cy="3566160"/>
+          </a:xfrm>
+        </p:spPr>
+        <p:txBody>
+          <a:bodyPr anchor="b">
+            <a:normAutofit/>
+          </a:bodyPr>
           <a:lstStyle>
-            <a:lvl1pPr algn="ctr">
-              <a:defRPr sz="6000"/>
+            <a:lvl1pPr algn="l">
+              <a:lnSpc>
+                <a:spcPct val="85000"/>
+              </a:lnSpc>
+              <a:defRPr sz="8000" spc="-50" baseline="0">
+                <a:solidFill>
+                  <a:schemeClr val="tx1">
+                    <a:lumMod val="85000"/>
+                    <a:lumOff val="15000"/>
+                  </a:schemeClr>
+                </a:solidFill>
+              </a:defRPr>
             </a:lvl1pPr>
           </a:lstStyle>
           <a:p>
@@ -164,7 +254,7 @@
               <a:rPr lang="en-US" smtClean="0"/>
               <a:t>Click to edit Master title style</a:t>
             </a:r>
-            <a:endParaRPr lang="en-US"/>
+            <a:endParaRPr lang="en-US" dirty="0"/>
           </a:p>
         </p:txBody>
       </p:sp>
@@ -180,48 +270,55 @@
         </p:nvSpPr>
         <p:spPr>
           <a:xfrm>
-            <a:off x="1524000" y="3602038"/>
-            <a:ext cx="9144000" cy="1655762"/>
-          </a:xfrm>
-        </p:spPr>
-        <p:txBody>
-          <a:bodyPr/>
+            <a:off x="1100051" y="4455620"/>
+            <a:ext cx="10058400" cy="1143000"/>
+          </a:xfrm>
+        </p:spPr>
+        <p:txBody>
+          <a:bodyPr lIns="91440" rIns="91440">
+            <a:normAutofit/>
+          </a:bodyPr>
           <a:lstStyle>
-            <a:lvl1pPr marL="0" indent="0" algn="ctr">
-              <a:buNone/>
-              <a:defRPr sz="2400"/>
+            <a:lvl1pPr marL="0" indent="0" algn="l">
+              <a:buNone/>
+              <a:defRPr sz="2400" cap="all" spc="200" baseline="0">
+                <a:solidFill>
+                  <a:schemeClr val="tx2"/>
+                </a:solidFill>
+                <a:latin typeface="+mj-lt"/>
+              </a:defRPr>
             </a:lvl1pPr>
             <a:lvl2pPr marL="457200" indent="0" algn="ctr">
               <a:buNone/>
-              <a:defRPr sz="2000"/>
+              <a:defRPr sz="2400"/>
             </a:lvl2pPr>
             <a:lvl3pPr marL="914400" indent="0" algn="ctr">
               <a:buNone/>
-              <a:defRPr sz="1800"/>
+              <a:defRPr sz="2400"/>
             </a:lvl3pPr>
             <a:lvl4pPr marL="1371600" indent="0" algn="ctr">
               <a:buNone/>
-              <a:defRPr sz="1600"/>
+              <a:defRPr sz="2000"/>
             </a:lvl4pPr>
             <a:lvl5pPr marL="1828800" indent="0" algn="ctr">
               <a:buNone/>
-              <a:defRPr sz="1600"/>
+              <a:defRPr sz="2000"/>
             </a:lvl5pPr>
             <a:lvl6pPr marL="2286000" indent="0" algn="ctr">
               <a:buNone/>
-              <a:defRPr sz="1600"/>
+              <a:defRPr sz="2000"/>
             </a:lvl6pPr>
             <a:lvl7pPr marL="2743200" indent="0" algn="ctr">
               <a:buNone/>
-              <a:defRPr sz="1600"/>
+              <a:defRPr sz="2000"/>
             </a:lvl7pPr>
             <a:lvl8pPr marL="3200400" indent="0" algn="ctr">
               <a:buNone/>
-              <a:defRPr sz="1600"/>
+              <a:defRPr sz="2000"/>
             </a:lvl8pPr>
             <a:lvl9pPr marL="3657600" indent="0" algn="ctr">
               <a:buNone/>
-              <a:defRPr sz="1600"/>
+              <a:defRPr sz="2000"/>
             </a:lvl9pPr>
           </a:lstStyle>
           <a:p>
@@ -229,7 +326,7 @@
               <a:rPr lang="en-US" smtClean="0"/>
               <a:t>Click to edit Master subtitle style</a:t>
             </a:r>
-            <a:endParaRPr lang="en-US"/>
+            <a:endParaRPr lang="en-US" dirty="0"/>
           </a:p>
         </p:txBody>
       </p:sp>
@@ -298,10 +395,48 @@
           </a:p>
         </p:txBody>
       </p:sp>
+      <p:cxnSp>
+        <p:nvCxnSpPr>
+          <p:cNvPr id="9" name="Straight Connector 8"/>
+          <p:cNvCxnSpPr/>
+          <p:nvPr/>
+        </p:nvCxnSpPr>
+        <p:spPr>
+          <a:xfrm>
+            <a:off x="1207658" y="4343400"/>
+            <a:ext cx="9875520" cy="0"/>
+          </a:xfrm>
+          <a:prstGeom prst="line">
+            <a:avLst/>
+          </a:prstGeom>
+          <a:ln w="6350">
+            <a:solidFill>
+              <a:schemeClr val="tx1">
+                <a:lumMod val="50000"/>
+                <a:lumOff val="50000"/>
+              </a:schemeClr>
+            </a:solidFill>
+          </a:ln>
+        </p:spPr>
+        <p:style>
+          <a:lnRef idx="1">
+            <a:schemeClr val="accent1"/>
+          </a:lnRef>
+          <a:fillRef idx="0">
+            <a:schemeClr val="accent1"/>
+          </a:fillRef>
+          <a:effectRef idx="0">
+            <a:schemeClr val="accent1"/>
+          </a:effectRef>
+          <a:fontRef idx="minor">
+            <a:schemeClr val="tx1"/>
+          </a:fontRef>
+        </p:style>
+      </p:cxnSp>
     </p:spTree>
     <p:extLst>
       <p:ext uri="{BB962C8B-B14F-4D97-AF65-F5344CB8AC3E}">
-        <p14:creationId xmlns:p14="http://schemas.microsoft.com/office/powerpoint/2010/main" val="1574579379"/>
+        <p14:creationId xmlns:p14="http://schemas.microsoft.com/office/powerpoint/2010/main" val="1405105890"/>
       </p:ext>
     </p:extLst>
   </p:cSld>
@@ -347,7 +482,7 @@
               <a:rPr lang="en-US" smtClean="0"/>
               <a:t>Click to edit Master title style</a:t>
             </a:r>
-            <a:endParaRPr lang="en-US"/>
+            <a:endParaRPr lang="en-US" dirty="0"/>
           </a:p>
         </p:txBody>
       </p:sp>
@@ -363,7 +498,7 @@
         </p:nvSpPr>
         <p:spPr/>
         <p:txBody>
-          <a:bodyPr vert="eaVert"/>
+          <a:bodyPr vert="eaVert" lIns="45720" tIns="0" rIns="45720" bIns="0"/>
           <a:lstStyle/>
           <a:p>
             <a:pPr lvl="0"/>
@@ -399,7 +534,7 @@
               <a:rPr lang="en-US" smtClean="0"/>
               <a:t>Fifth level</a:t>
             </a:r>
-            <a:endParaRPr lang="en-US"/>
+            <a:endParaRPr lang="en-US" dirty="0"/>
           </a:p>
         </p:txBody>
       </p:sp>
@@ -471,7 +606,7 @@
     </p:spTree>
     <p:extLst>
       <p:ext uri="{BB962C8B-B14F-4D97-AF65-F5344CB8AC3E}">
-        <p14:creationId xmlns:p14="http://schemas.microsoft.com/office/powerpoint/2010/main" val="1791778196"/>
+        <p14:creationId xmlns:p14="http://schemas.microsoft.com/office/powerpoint/2010/main" val="630843073"/>
       </p:ext>
     </p:extLst>
   </p:cSld>
@@ -482,7 +617,7 @@
 </file>
 
 <file path=ppt/slideLayouts/slideLayout11.xml><?xml version="1.0" encoding="utf-8"?>
-<p:sldLayout xmlns:a="http://schemas.openxmlformats.org/drawingml/2006/main" xmlns:r="http://schemas.openxmlformats.org/officeDocument/2006/relationships" xmlns:p="http://schemas.openxmlformats.org/presentationml/2006/main" type="vertTitleAndTx" preserve="1">
+<p:sldLayout xmlns:a="http://schemas.openxmlformats.org/drawingml/2006/main" xmlns:r="http://schemas.openxmlformats.org/officeDocument/2006/relationships" xmlns:p="http://schemas.openxmlformats.org/presentationml/2006/main" showMasterSp="0" type="vertTitleAndTx" preserve="1">
   <p:cSld name="Vertical Title and Text">
     <p:spTree>
       <p:nvGrpSpPr>
@@ -500,6 +635,82 @@
       </p:grpSpPr>
       <p:sp>
         <p:nvSpPr>
+          <p:cNvPr id="7" name="Rectangle 6"/>
+          <p:cNvSpPr/>
+          <p:nvPr/>
+        </p:nvSpPr>
+        <p:spPr>
+          <a:xfrm>
+            <a:off x="3175" y="6400800"/>
+            <a:ext cx="12188825" cy="457200"/>
+          </a:xfrm>
+          <a:prstGeom prst="rect">
+            <a:avLst/>
+          </a:prstGeom>
+          <a:solidFill>
+            <a:schemeClr val="accent2"/>
+          </a:solidFill>
+          <a:ln>
+            <a:noFill/>
+          </a:ln>
+        </p:spPr>
+        <p:style>
+          <a:lnRef idx="2">
+            <a:schemeClr val="accent1">
+              <a:shade val="50000"/>
+            </a:schemeClr>
+          </a:lnRef>
+          <a:fillRef idx="1">
+            <a:schemeClr val="accent1"/>
+          </a:fillRef>
+          <a:effectRef idx="0">
+            <a:schemeClr val="accent1"/>
+          </a:effectRef>
+          <a:fontRef idx="minor">
+            <a:schemeClr val="lt1"/>
+          </a:fontRef>
+        </p:style>
+      </p:sp>
+      <p:sp>
+        <p:nvSpPr>
+          <p:cNvPr id="8" name="Rectangle 7"/>
+          <p:cNvSpPr/>
+          <p:nvPr/>
+        </p:nvSpPr>
+        <p:spPr>
+          <a:xfrm>
+            <a:off x="15" y="6334316"/>
+            <a:ext cx="12188825" cy="64008"/>
+          </a:xfrm>
+          <a:prstGeom prst="rect">
+            <a:avLst/>
+          </a:prstGeom>
+          <a:solidFill>
+            <a:schemeClr val="accent1"/>
+          </a:solidFill>
+          <a:ln>
+            <a:noFill/>
+          </a:ln>
+        </p:spPr>
+        <p:style>
+          <a:lnRef idx="2">
+            <a:schemeClr val="accent1">
+              <a:shade val="50000"/>
+            </a:schemeClr>
+          </a:lnRef>
+          <a:fillRef idx="1">
+            <a:schemeClr val="accent1"/>
+          </a:fillRef>
+          <a:effectRef idx="0">
+            <a:schemeClr val="accent1"/>
+          </a:effectRef>
+          <a:fontRef idx="minor">
+            <a:schemeClr val="lt1"/>
+          </a:fontRef>
+        </p:style>
+      </p:sp>
+      <p:sp>
+        <p:nvSpPr>
           <p:cNvPr id="2" name="Vertical Title 1"/>
           <p:cNvSpPr>
             <a:spLocks noGrp="1"/>
@@ -510,8 +721,8 @@
         </p:nvSpPr>
         <p:spPr>
           <a:xfrm>
-            <a:off x="8724900" y="365125"/>
-            <a:ext cx="2628900" cy="5811838"/>
+            <a:off x="8724900" y="414778"/>
+            <a:ext cx="2628900" cy="5757421"/>
           </a:xfrm>
         </p:spPr>
         <p:txBody>
@@ -522,7 +733,7 @@
               <a:rPr lang="en-US" smtClean="0"/>
               <a:t>Click to edit Master title style</a:t>
             </a:r>
-            <a:endParaRPr lang="en-US"/>
+            <a:endParaRPr lang="en-US" dirty="0"/>
           </a:p>
         </p:txBody>
       </p:sp>
@@ -538,12 +749,12 @@
         </p:nvSpPr>
         <p:spPr>
           <a:xfrm>
-            <a:off x="838200" y="365125"/>
-            <a:ext cx="7734300" cy="5811838"/>
-          </a:xfrm>
-        </p:spPr>
-        <p:txBody>
-          <a:bodyPr vert="eaVert"/>
+            <a:off x="838200" y="414778"/>
+            <a:ext cx="7734300" cy="5757422"/>
+          </a:xfrm>
+        </p:spPr>
+        <p:txBody>
+          <a:bodyPr vert="eaVert" lIns="45720" tIns="0" rIns="45720" bIns="0"/>
           <a:lstStyle/>
           <a:p>
             <a:pPr lvl="0"/>
@@ -579,7 +790,7 @@
               <a:rPr lang="en-US" smtClean="0"/>
               <a:t>Fifth level</a:t>
             </a:r>
-            <a:endParaRPr lang="en-US"/>
+            <a:endParaRPr lang="en-US" dirty="0"/>
           </a:p>
         </p:txBody>
       </p:sp>
@@ -651,7 +862,7 @@
     </p:spTree>
     <p:extLst>
       <p:ext uri="{BB962C8B-B14F-4D97-AF65-F5344CB8AC3E}">
-        <p14:creationId xmlns:p14="http://schemas.microsoft.com/office/powerpoint/2010/main" val="3450585758"/>
+        <p14:creationId xmlns:p14="http://schemas.microsoft.com/office/powerpoint/2010/main" val="1028308715"/>
       </p:ext>
     </p:extLst>
   </p:cSld>
@@ -691,13 +902,17 @@
         <p:spPr/>
         <p:txBody>
           <a:bodyPr/>
-          <a:lstStyle/>
+          <a:lstStyle>
+            <a:lvl1pPr marL="0">
+              <a:defRPr/>
+            </a:lvl1pPr>
+          </a:lstStyle>
           <a:p>
             <a:r>
               <a:rPr lang="en-US" smtClean="0"/>
               <a:t>Click to edit Master title style</a:t>
             </a:r>
-            <a:endParaRPr lang="en-US"/>
+            <a:endParaRPr lang="en-US" dirty="0"/>
           </a:p>
         </p:txBody>
       </p:sp>
@@ -749,7 +964,7 @@
               <a:rPr lang="en-US" smtClean="0"/>
               <a:t>Fifth level</a:t>
             </a:r>
-            <a:endParaRPr lang="en-US"/>
+            <a:endParaRPr lang="en-US" dirty="0"/>
           </a:p>
         </p:txBody>
       </p:sp>
@@ -821,7 +1036,7 @@
     </p:spTree>
     <p:extLst>
       <p:ext uri="{BB962C8B-B14F-4D97-AF65-F5344CB8AC3E}">
-        <p14:creationId xmlns:p14="http://schemas.microsoft.com/office/powerpoint/2010/main" val="3608167354"/>
+        <p14:creationId xmlns:p14="http://schemas.microsoft.com/office/powerpoint/2010/main" val="4059462898"/>
       </p:ext>
     </p:extLst>
   </p:cSld>
@@ -832,8 +1047,16 @@
 </file>
 
 <file path=ppt/slideLayouts/slideLayout3.xml><?xml version="1.0" encoding="utf-8"?>
-<p:sldLayout xmlns:a="http://schemas.openxmlformats.org/drawingml/2006/main" xmlns:r="http://schemas.openxmlformats.org/officeDocument/2006/relationships" xmlns:p="http://schemas.openxmlformats.org/presentationml/2006/main" type="secHead" preserve="1">
+<p:sldLayout xmlns:a="http://schemas.openxmlformats.org/drawingml/2006/main" xmlns:r="http://schemas.openxmlformats.org/officeDocument/2006/relationships" xmlns:p="http://schemas.openxmlformats.org/presentationml/2006/main" showMasterSp="0" type="secHead" preserve="1">
   <p:cSld name="Section Header">
+    <p:bg>
+      <p:bgPr>
+        <a:solidFill>
+          <a:schemeClr val="bg1"/>
+        </a:solidFill>
+        <a:effectLst/>
+      </p:bgPr>
+    </p:bg>
     <p:spTree>
       <p:nvGrpSpPr>
         <p:cNvPr id="1" name=""/>
@@ -850,6 +1073,82 @@
       </p:grpSpPr>
       <p:sp>
         <p:nvSpPr>
+          <p:cNvPr id="7" name="Rectangle 6"/>
+          <p:cNvSpPr/>
+          <p:nvPr/>
+        </p:nvSpPr>
+        <p:spPr>
+          <a:xfrm>
+            <a:off x="3175" y="6400800"/>
+            <a:ext cx="12188825" cy="457200"/>
+          </a:xfrm>
+          <a:prstGeom prst="rect">
+            <a:avLst/>
+          </a:prstGeom>
+          <a:solidFill>
+            <a:schemeClr val="accent2"/>
+          </a:solidFill>
+          <a:ln>
+            <a:noFill/>
+          </a:ln>
+        </p:spPr>
+        <p:style>
+          <a:lnRef idx="2">
+            <a:schemeClr val="accent1">
+              <a:shade val="50000"/>
+            </a:schemeClr>
+          </a:lnRef>
+          <a:fillRef idx="1">
+            <a:schemeClr val="accent1"/>
+          </a:fillRef>
+          <a:effectRef idx="0">
+            <a:schemeClr val="accent1"/>
+          </a:effectRef>
+          <a:fontRef idx="minor">
+            <a:schemeClr val="lt1"/>
+          </a:fontRef>
+        </p:style>
+      </p:sp>
+      <p:sp>
+        <p:nvSpPr>
+          <p:cNvPr id="8" name="Rectangle 7"/>
+          <p:cNvSpPr/>
+          <p:nvPr/>
+        </p:nvSpPr>
+        <p:spPr>
+          <a:xfrm>
+            <a:off x="15" y="6334316"/>
+            <a:ext cx="12188825" cy="64008"/>
+          </a:xfrm>
+          <a:prstGeom prst="rect">
+            <a:avLst/>
+          </a:prstGeom>
+          <a:solidFill>
+            <a:schemeClr val="accent1"/>
+          </a:solidFill>
+          <a:ln>
+            <a:noFill/>
+          </a:ln>
+        </p:spPr>
+        <p:style>
+          <a:lnRef idx="2">
+            <a:schemeClr val="accent1">
+              <a:shade val="50000"/>
+            </a:schemeClr>
+          </a:lnRef>
+          <a:fillRef idx="1">
+            <a:schemeClr val="accent1"/>
+          </a:fillRef>
+          <a:effectRef idx="0">
+            <a:schemeClr val="accent1"/>
+          </a:effectRef>
+          <a:fontRef idx="minor">
+            <a:schemeClr val="lt1"/>
+          </a:fontRef>
+        </p:style>
+      </p:sp>
+      <p:sp>
+        <p:nvSpPr>
           <p:cNvPr id="2" name="Title 1"/>
           <p:cNvSpPr>
             <a:spLocks noGrp="1"/>
@@ -860,58 +1159,71 @@
         </p:nvSpPr>
         <p:spPr>
           <a:xfrm>
-            <a:off x="831850" y="1709738"/>
-            <a:ext cx="10515600" cy="2852737"/>
-          </a:xfrm>
-        </p:spPr>
-        <p:txBody>
-          <a:bodyPr anchor="b"/>
+            <a:off x="1097280" y="758952"/>
+            <a:ext cx="10058400" cy="3566160"/>
+          </a:xfrm>
+        </p:spPr>
+        <p:txBody>
+          <a:bodyPr anchor="b" anchorCtr="0">
+            <a:normAutofit/>
+          </a:bodyPr>
           <a:lstStyle>
             <a:lvl1pPr>
-              <a:defRPr sz="6000"/>
-            </a:lvl1pPr>
-          </a:lstStyle>
-          <a:p>
-            <a:r>
-              <a:rPr lang="en-US" smtClean="0"/>
-              <a:t>Click to edit Master title style</a:t>
-            </a:r>
-            <a:endParaRPr lang="en-US"/>
-          </a:p>
-        </p:txBody>
-      </p:sp>
-      <p:sp>
-        <p:nvSpPr>
-          <p:cNvPr id="3" name="Text Placeholder 2"/>
-          <p:cNvSpPr>
-            <a:spLocks noGrp="1"/>
-          </p:cNvSpPr>
-          <p:nvPr>
-            <p:ph type="body" idx="1"/>
-          </p:nvPr>
-        </p:nvSpPr>
-        <p:spPr>
-          <a:xfrm>
-            <a:off x="831850" y="4589463"/>
-            <a:ext cx="10515600" cy="1500187"/>
-          </a:xfrm>
-        </p:spPr>
-        <p:txBody>
-          <a:bodyPr/>
-          <a:lstStyle>
-            <a:lvl1pPr marL="0" indent="0">
-              <a:buNone/>
-              <a:defRPr sz="2400">
+              <a:lnSpc>
+                <a:spcPct val="85000"/>
+              </a:lnSpc>
+              <a:defRPr sz="8000" b="0">
                 <a:solidFill>
                   <a:schemeClr val="tx1">
-                    <a:tint val="75000"/>
+                    <a:lumMod val="85000"/>
+                    <a:lumOff val="15000"/>
                   </a:schemeClr>
                 </a:solidFill>
               </a:defRPr>
             </a:lvl1pPr>
+          </a:lstStyle>
+          <a:p>
+            <a:r>
+              <a:rPr lang="en-US" smtClean="0"/>
+              <a:t>Click to edit Master title style</a:t>
+            </a:r>
+            <a:endParaRPr lang="en-US" dirty="0"/>
+          </a:p>
+        </p:txBody>
+      </p:sp>
+      <p:sp>
+        <p:nvSpPr>
+          <p:cNvPr id="3" name="Text Placeholder 2"/>
+          <p:cNvSpPr>
+            <a:spLocks noGrp="1"/>
+          </p:cNvSpPr>
+          <p:nvPr>
+            <p:ph type="body" idx="1"/>
+          </p:nvPr>
+        </p:nvSpPr>
+        <p:spPr>
+          <a:xfrm>
+            <a:off x="1097280" y="4453128"/>
+            <a:ext cx="10058400" cy="1143000"/>
+          </a:xfrm>
+        </p:spPr>
+        <p:txBody>
+          <a:bodyPr lIns="91440" rIns="91440" anchor="t" anchorCtr="0">
+            <a:normAutofit/>
+          </a:bodyPr>
+          <a:lstStyle>
+            <a:lvl1pPr marL="0" indent="0">
+              <a:buNone/>
+              <a:defRPr sz="2400" cap="all" spc="200" baseline="0">
+                <a:solidFill>
+                  <a:schemeClr val="tx2"/>
+                </a:solidFill>
+                <a:latin typeface="+mj-lt"/>
+              </a:defRPr>
+            </a:lvl1pPr>
             <a:lvl2pPr marL="457200" indent="0">
               <a:buNone/>
-              <a:defRPr sz="2000">
+              <a:defRPr sz="1800">
                 <a:solidFill>
                   <a:schemeClr val="tx1">
                     <a:tint val="75000"/>
@@ -921,7 +1233,7 @@
             </a:lvl2pPr>
             <a:lvl3pPr marL="914400" indent="0">
               <a:buNone/>
-              <a:defRPr sz="1800">
+              <a:defRPr sz="1600">
                 <a:solidFill>
                   <a:schemeClr val="tx1">
                     <a:tint val="75000"/>
@@ -931,7 +1243,7 @@
             </a:lvl3pPr>
             <a:lvl4pPr marL="1371600" indent="0">
               <a:buNone/>
-              <a:defRPr sz="1600">
+              <a:defRPr sz="1400">
                 <a:solidFill>
                   <a:schemeClr val="tx1">
                     <a:tint val="75000"/>
@@ -941,7 +1253,7 @@
             </a:lvl4pPr>
             <a:lvl5pPr marL="1828800" indent="0">
               <a:buNone/>
-              <a:defRPr sz="1600">
+              <a:defRPr sz="1400">
                 <a:solidFill>
                   <a:schemeClr val="tx1">
                     <a:tint val="75000"/>
@@ -951,7 +1263,7 @@
             </a:lvl5pPr>
             <a:lvl6pPr marL="2286000" indent="0">
               <a:buNone/>
-              <a:defRPr sz="1600">
+              <a:defRPr sz="1400">
                 <a:solidFill>
                   <a:schemeClr val="tx1">
                     <a:tint val="75000"/>
@@ -961,7 +1273,7 @@
             </a:lvl6pPr>
             <a:lvl7pPr marL="2743200" indent="0">
               <a:buNone/>
-              <a:defRPr sz="1600">
+              <a:defRPr sz="1400">
                 <a:solidFill>
                   <a:schemeClr val="tx1">
                     <a:tint val="75000"/>
@@ -971,7 +1283,7 @@
             </a:lvl7pPr>
             <a:lvl8pPr marL="3200400" indent="0">
               <a:buNone/>
-              <a:defRPr sz="1600">
+              <a:defRPr sz="1400">
                 <a:solidFill>
                   <a:schemeClr val="tx1">
                     <a:tint val="75000"/>
@@ -981,7 +1293,7 @@
             </a:lvl8pPr>
             <a:lvl9pPr marL="3657600" indent="0">
               <a:buNone/>
-              <a:defRPr sz="1600">
+              <a:defRPr sz="1400">
                 <a:solidFill>
                   <a:schemeClr val="tx1">
                     <a:tint val="75000"/>
@@ -1064,10 +1376,48 @@
           </a:p>
         </p:txBody>
       </p:sp>
+      <p:cxnSp>
+        <p:nvCxnSpPr>
+          <p:cNvPr id="9" name="Straight Connector 8"/>
+          <p:cNvCxnSpPr/>
+          <p:nvPr/>
+        </p:nvCxnSpPr>
+        <p:spPr>
+          <a:xfrm>
+            <a:off x="1207658" y="4343400"/>
+            <a:ext cx="9875520" cy="0"/>
+          </a:xfrm>
+          <a:prstGeom prst="line">
+            <a:avLst/>
+          </a:prstGeom>
+          <a:ln w="6350">
+            <a:solidFill>
+              <a:schemeClr val="tx1">
+                <a:lumMod val="50000"/>
+                <a:lumOff val="50000"/>
+              </a:schemeClr>
+            </a:solidFill>
+          </a:ln>
+        </p:spPr>
+        <p:style>
+          <a:lnRef idx="1">
+            <a:schemeClr val="accent1"/>
+          </a:lnRef>
+          <a:fillRef idx="0">
+            <a:schemeClr val="accent1"/>
+          </a:fillRef>
+          <a:effectRef idx="0">
+            <a:schemeClr val="accent1"/>
+          </a:effectRef>
+          <a:fontRef idx="minor">
+            <a:schemeClr val="tx1"/>
+          </a:fontRef>
+        </p:style>
+      </p:cxnSp>
     </p:spTree>
     <p:extLst>
       <p:ext uri="{BB962C8B-B14F-4D97-AF65-F5344CB8AC3E}">
-        <p14:creationId xmlns:p14="http://schemas.microsoft.com/office/powerpoint/2010/main" val="3711890077"/>
+        <p14:creationId xmlns:p14="http://schemas.microsoft.com/office/powerpoint/2010/main" val="244024969"/>
       </p:ext>
     </p:extLst>
   </p:cSld>
@@ -1096,7 +1446,7 @@
       </p:grpSpPr>
       <p:sp>
         <p:nvSpPr>
-          <p:cNvPr id="2" name="Title 1"/>
+          <p:cNvPr id="8" name="Title 7"/>
           <p:cNvSpPr>
             <a:spLocks noGrp="1"/>
           </p:cNvSpPr>
@@ -1104,7 +1454,12 @@
             <p:ph type="title"/>
           </p:nvPr>
         </p:nvSpPr>
-        <p:spPr/>
+        <p:spPr>
+          <a:xfrm>
+            <a:off x="1097280" y="286603"/>
+            <a:ext cx="10058400" cy="1450757"/>
+          </a:xfrm>
+        </p:spPr>
         <p:txBody>
           <a:bodyPr/>
           <a:lstStyle/>
@@ -1113,7 +1468,7 @@
               <a:rPr lang="en-US" smtClean="0"/>
               <a:t>Click to edit Master title style</a:t>
             </a:r>
-            <a:endParaRPr lang="en-US"/>
+            <a:endParaRPr lang="en-US" dirty="0"/>
           </a:p>
         </p:txBody>
       </p:sp>
@@ -1129,8 +1484,8 @@
         </p:nvSpPr>
         <p:spPr>
           <a:xfrm>
-            <a:off x="838200" y="1825625"/>
-            <a:ext cx="5181600" cy="4351338"/>
+            <a:off x="1097279" y="1845734"/>
+            <a:ext cx="4937760" cy="4023360"/>
           </a:xfrm>
         </p:spPr>
         <p:txBody>
@@ -1170,7 +1525,7 @@
               <a:rPr lang="en-US" smtClean="0"/>
               <a:t>Fifth level</a:t>
             </a:r>
-            <a:endParaRPr lang="en-US"/>
+            <a:endParaRPr lang="en-US" dirty="0"/>
           </a:p>
         </p:txBody>
       </p:sp>
@@ -1186,8 +1541,8 @@
         </p:nvSpPr>
         <p:spPr>
           <a:xfrm>
-            <a:off x="6172200" y="1825625"/>
-            <a:ext cx="5181600" cy="4351338"/>
+            <a:off x="6217920" y="1845735"/>
+            <a:ext cx="4937760" cy="4023360"/>
           </a:xfrm>
         </p:spPr>
         <p:txBody>
@@ -1227,7 +1582,7 @@
               <a:rPr lang="en-US" smtClean="0"/>
               <a:t>Fifth level</a:t>
             </a:r>
-            <a:endParaRPr lang="en-US"/>
+            <a:endParaRPr lang="en-US" dirty="0"/>
           </a:p>
         </p:txBody>
       </p:sp>
@@ -1299,7 +1654,7 @@
     </p:spTree>
     <p:extLst>
       <p:ext uri="{BB962C8B-B14F-4D97-AF65-F5344CB8AC3E}">
-        <p14:creationId xmlns:p14="http://schemas.microsoft.com/office/powerpoint/2010/main" val="345831017"/>
+        <p14:creationId xmlns:p14="http://schemas.microsoft.com/office/powerpoint/2010/main" val="1016238000"/>
       </p:ext>
     </p:extLst>
   </p:cSld>
@@ -1328,7 +1683,7 @@
       </p:grpSpPr>
       <p:sp>
         <p:nvSpPr>
-          <p:cNvPr id="2" name="Title 1"/>
+          <p:cNvPr id="10" name="Title 9"/>
           <p:cNvSpPr>
             <a:spLocks noGrp="1"/>
           </p:cNvSpPr>
@@ -1338,8 +1693,8 @@
         </p:nvSpPr>
         <p:spPr>
           <a:xfrm>
-            <a:off x="839788" y="365125"/>
-            <a:ext cx="10515600" cy="1325563"/>
+            <a:off x="1097280" y="286603"/>
+            <a:ext cx="10058400" cy="1450757"/>
           </a:xfrm>
         </p:spPr>
         <p:txBody>
@@ -1350,7 +1705,7 @@
               <a:rPr lang="en-US" smtClean="0"/>
               <a:t>Click to edit Master title style</a:t>
             </a:r>
-            <a:endParaRPr lang="en-US"/>
+            <a:endParaRPr lang="en-US" dirty="0"/>
           </a:p>
         </p:txBody>
       </p:sp>
@@ -1366,16 +1721,22 @@
         </p:nvSpPr>
         <p:spPr>
           <a:xfrm>
-            <a:off x="839788" y="1681163"/>
-            <a:ext cx="5157787" cy="823912"/>
-          </a:xfrm>
-        </p:spPr>
-        <p:txBody>
-          <a:bodyPr anchor="b"/>
+            <a:off x="1097280" y="1846052"/>
+            <a:ext cx="4937760" cy="736282"/>
+          </a:xfrm>
+        </p:spPr>
+        <p:txBody>
+          <a:bodyPr lIns="91440" rIns="91440" anchor="ctr">
+            <a:normAutofit/>
+          </a:bodyPr>
           <a:lstStyle>
             <a:lvl1pPr marL="0" indent="0">
               <a:buNone/>
-              <a:defRPr sz="2400" b="1"/>
+              <a:defRPr sz="2000" b="0" cap="all" baseline="0">
+                <a:solidFill>
+                  <a:schemeClr val="tx2"/>
+                </a:solidFill>
+              </a:defRPr>
             </a:lvl1pPr>
             <a:lvl2pPr marL="457200" indent="0">
               <a:buNone/>
@@ -1431,8 +1792,8 @@
         </p:nvSpPr>
         <p:spPr>
           <a:xfrm>
-            <a:off x="839788" y="2505075"/>
-            <a:ext cx="5157787" cy="3684588"/>
+            <a:off x="1097280" y="2582334"/>
+            <a:ext cx="4937760" cy="3378200"/>
           </a:xfrm>
         </p:spPr>
         <p:txBody>
@@ -1472,7 +1833,7 @@
               <a:rPr lang="en-US" smtClean="0"/>
               <a:t>Fifth level</a:t>
             </a:r>
-            <a:endParaRPr lang="en-US"/>
+            <a:endParaRPr lang="en-US" dirty="0"/>
           </a:p>
         </p:txBody>
       </p:sp>
@@ -1488,16 +1849,22 @@
         </p:nvSpPr>
         <p:spPr>
           <a:xfrm>
-            <a:off x="6172200" y="1681163"/>
-            <a:ext cx="5183188" cy="823912"/>
-          </a:xfrm>
-        </p:spPr>
-        <p:txBody>
-          <a:bodyPr anchor="b"/>
+            <a:off x="6217920" y="1846052"/>
+            <a:ext cx="4937760" cy="736282"/>
+          </a:xfrm>
+        </p:spPr>
+        <p:txBody>
+          <a:bodyPr lIns="91440" rIns="91440" anchor="ctr">
+            <a:normAutofit/>
+          </a:bodyPr>
           <a:lstStyle>
             <a:lvl1pPr marL="0" indent="0">
               <a:buNone/>
-              <a:defRPr sz="2400" b="1"/>
+              <a:defRPr sz="2000" b="0" cap="all" baseline="0">
+                <a:solidFill>
+                  <a:schemeClr val="tx2"/>
+                </a:solidFill>
+              </a:defRPr>
             </a:lvl1pPr>
             <a:lvl2pPr marL="457200" indent="0">
               <a:buNone/>
@@ -1553,8 +1920,8 @@
         </p:nvSpPr>
         <p:spPr>
           <a:xfrm>
-            <a:off x="6172200" y="2505075"/>
-            <a:ext cx="5183188" cy="3684588"/>
+            <a:off x="6217920" y="2582334"/>
+            <a:ext cx="4937760" cy="3378200"/>
           </a:xfrm>
         </p:spPr>
         <p:txBody>
@@ -1594,7 +1961,7 @@
               <a:rPr lang="en-US" smtClean="0"/>
               <a:t>Fifth level</a:t>
             </a:r>
-            <a:endParaRPr lang="en-US"/>
+            <a:endParaRPr lang="en-US" dirty="0"/>
           </a:p>
         </p:txBody>
       </p:sp>
@@ -1666,7 +2033,7 @@
     </p:spTree>
     <p:extLst>
       <p:ext uri="{BB962C8B-B14F-4D97-AF65-F5344CB8AC3E}">
-        <p14:creationId xmlns:p14="http://schemas.microsoft.com/office/powerpoint/2010/main" val="360516562"/>
+        <p14:creationId xmlns:p14="http://schemas.microsoft.com/office/powerpoint/2010/main" val="21760054"/>
       </p:ext>
     </p:extLst>
   </p:cSld>
@@ -1712,7 +2079,7 @@
               <a:rPr lang="en-US" smtClean="0"/>
               <a:t>Click to edit Master title style</a:t>
             </a:r>
-            <a:endParaRPr lang="en-US"/>
+            <a:endParaRPr lang="en-US" dirty="0"/>
           </a:p>
         </p:txBody>
       </p:sp>
@@ -1784,7 +2151,7 @@
     </p:spTree>
     <p:extLst>
       <p:ext uri="{BB962C8B-B14F-4D97-AF65-F5344CB8AC3E}">
-        <p14:creationId xmlns:p14="http://schemas.microsoft.com/office/powerpoint/2010/main" val="1764264907"/>
+        <p14:creationId xmlns:p14="http://schemas.microsoft.com/office/powerpoint/2010/main" val="1992719750"/>
       </p:ext>
     </p:extLst>
   </p:cSld>
@@ -1795,7 +2162,7 @@
 </file>
 
 <file path=ppt/slideLayouts/slideLayout7.xml><?xml version="1.0" encoding="utf-8"?>
-<p:sldLayout xmlns:a="http://schemas.openxmlformats.org/drawingml/2006/main" xmlns:r="http://schemas.openxmlformats.org/officeDocument/2006/relationships" xmlns:p="http://schemas.openxmlformats.org/presentationml/2006/main" type="blank" preserve="1">
+<p:sldLayout xmlns:a="http://schemas.openxmlformats.org/drawingml/2006/main" xmlns:r="http://schemas.openxmlformats.org/officeDocument/2006/relationships" xmlns:p="http://schemas.openxmlformats.org/presentationml/2006/main" showMasterSp="0" type="blank" preserve="1">
   <p:cSld name="Blank">
     <p:spTree>
       <p:nvGrpSpPr>
@@ -1813,7 +2180,83 @@
       </p:grpSpPr>
       <p:sp>
         <p:nvSpPr>
-          <p:cNvPr id="2" name="Date Placeholder 1"/>
+          <p:cNvPr id="5" name="Rectangle 4"/>
+          <p:cNvSpPr/>
+          <p:nvPr/>
+        </p:nvSpPr>
+        <p:spPr>
+          <a:xfrm>
+            <a:off x="3175" y="6400800"/>
+            <a:ext cx="12188825" cy="457200"/>
+          </a:xfrm>
+          <a:prstGeom prst="rect">
+            <a:avLst/>
+          </a:prstGeom>
+          <a:solidFill>
+            <a:schemeClr val="accent2"/>
+          </a:solidFill>
+          <a:ln>
+            <a:noFill/>
+          </a:ln>
+        </p:spPr>
+        <p:style>
+          <a:lnRef idx="2">
+            <a:schemeClr val="accent1">
+              <a:shade val="50000"/>
+            </a:schemeClr>
+          </a:lnRef>
+          <a:fillRef idx="1">
+            <a:schemeClr val="accent1"/>
+          </a:fillRef>
+          <a:effectRef idx="0">
+            <a:schemeClr val="accent1"/>
+          </a:effectRef>
+          <a:fontRef idx="minor">
+            <a:schemeClr val="lt1"/>
+          </a:fontRef>
+        </p:style>
+      </p:sp>
+      <p:sp>
+        <p:nvSpPr>
+          <p:cNvPr id="6" name="Rectangle 5"/>
+          <p:cNvSpPr/>
+          <p:nvPr/>
+        </p:nvSpPr>
+        <p:spPr>
+          <a:xfrm>
+            <a:off x="15" y="6334316"/>
+            <a:ext cx="12188825" cy="64008"/>
+          </a:xfrm>
+          <a:prstGeom prst="rect">
+            <a:avLst/>
+          </a:prstGeom>
+          <a:solidFill>
+            <a:schemeClr val="accent1"/>
+          </a:solidFill>
+          <a:ln>
+            <a:noFill/>
+          </a:ln>
+        </p:spPr>
+        <p:style>
+          <a:lnRef idx="2">
+            <a:schemeClr val="accent1">
+              <a:shade val="50000"/>
+            </a:schemeClr>
+          </a:lnRef>
+          <a:fillRef idx="1">
+            <a:schemeClr val="accent1"/>
+          </a:fillRef>
+          <a:effectRef idx="0">
+            <a:schemeClr val="accent1"/>
+          </a:effectRef>
+          <a:fontRef idx="minor">
+            <a:schemeClr val="lt1"/>
+          </a:fontRef>
+        </p:style>
+      </p:sp>
+      <p:sp>
+        <p:nvSpPr>
+          <p:cNvPr id="7" name="Date Placeholder 6"/>
           <p:cNvSpPr>
             <a:spLocks noGrp="1"/>
           </p:cNvSpPr>
@@ -1836,7 +2279,7 @@
       </p:sp>
       <p:sp>
         <p:nvSpPr>
-          <p:cNvPr id="3" name="Footer Placeholder 2"/>
+          <p:cNvPr id="8" name="Footer Placeholder 7"/>
           <p:cNvSpPr>
             <a:spLocks noGrp="1"/>
           </p:cNvSpPr>
@@ -1847,7 +2290,15 @@
         <p:spPr/>
         <p:txBody>
           <a:bodyPr/>
-          <a:lstStyle/>
+          <a:lstStyle>
+            <a:lvl1pPr>
+              <a:defRPr>
+                <a:solidFill>
+                  <a:srgbClr val="FFFFFF"/>
+                </a:solidFill>
+              </a:defRPr>
+            </a:lvl1pPr>
+          </a:lstStyle>
           <a:p>
             <a:endParaRPr lang="en-US"/>
           </a:p>
@@ -1855,7 +2306,7 @@
       </p:sp>
       <p:sp>
         <p:nvSpPr>
-          <p:cNvPr id="4" name="Slide Number Placeholder 3"/>
+          <p:cNvPr id="9" name="Slide Number Placeholder 8"/>
           <p:cNvSpPr>
             <a:spLocks noGrp="1"/>
           </p:cNvSpPr>
@@ -1879,7 +2330,7 @@
     </p:spTree>
     <p:extLst>
       <p:ext uri="{BB962C8B-B14F-4D97-AF65-F5344CB8AC3E}">
-        <p14:creationId xmlns:p14="http://schemas.microsoft.com/office/powerpoint/2010/main" val="1048775964"/>
+        <p14:creationId xmlns:p14="http://schemas.microsoft.com/office/powerpoint/2010/main" val="1157395569"/>
       </p:ext>
     </p:extLst>
   </p:cSld>
@@ -1890,7 +2341,7 @@
 </file>
 
 <file path=ppt/slideLayouts/slideLayout8.xml><?xml version="1.0" encoding="utf-8"?>
-<p:sldLayout xmlns:a="http://schemas.openxmlformats.org/drawingml/2006/main" xmlns:r="http://schemas.openxmlformats.org/officeDocument/2006/relationships" xmlns:p="http://schemas.openxmlformats.org/presentationml/2006/main" type="objTx" preserve="1">
+<p:sldLayout xmlns:a="http://schemas.openxmlformats.org/drawingml/2006/main" xmlns:r="http://schemas.openxmlformats.org/officeDocument/2006/relationships" xmlns:p="http://schemas.openxmlformats.org/presentationml/2006/main" showMasterSp="0" type="objTx" preserve="1">
   <p:cSld name="Content with Caption">
     <p:spTree>
       <p:nvGrpSpPr>
@@ -1908,6 +2359,82 @@
       </p:grpSpPr>
       <p:sp>
         <p:nvSpPr>
+          <p:cNvPr id="8" name="Rectangle 7"/>
+          <p:cNvSpPr/>
+          <p:nvPr/>
+        </p:nvSpPr>
+        <p:spPr>
+          <a:xfrm>
+            <a:off x="16" y="0"/>
+            <a:ext cx="4050791" cy="6858000"/>
+          </a:xfrm>
+          <a:prstGeom prst="rect">
+            <a:avLst/>
+          </a:prstGeom>
+          <a:solidFill>
+            <a:schemeClr val="accent2"/>
+          </a:solidFill>
+          <a:ln>
+            <a:noFill/>
+          </a:ln>
+        </p:spPr>
+        <p:style>
+          <a:lnRef idx="2">
+            <a:schemeClr val="accent1">
+              <a:shade val="50000"/>
+            </a:schemeClr>
+          </a:lnRef>
+          <a:fillRef idx="1">
+            <a:schemeClr val="accent1"/>
+          </a:fillRef>
+          <a:effectRef idx="0">
+            <a:schemeClr val="accent1"/>
+          </a:effectRef>
+          <a:fontRef idx="minor">
+            <a:schemeClr val="lt1"/>
+          </a:fontRef>
+        </p:style>
+      </p:sp>
+      <p:sp>
+        <p:nvSpPr>
+          <p:cNvPr id="9" name="Rectangle 8"/>
+          <p:cNvSpPr/>
+          <p:nvPr/>
+        </p:nvSpPr>
+        <p:spPr>
+          <a:xfrm>
+            <a:off x="4040071" y="0"/>
+            <a:ext cx="64008" cy="6858000"/>
+          </a:xfrm>
+          <a:prstGeom prst="rect">
+            <a:avLst/>
+          </a:prstGeom>
+          <a:solidFill>
+            <a:schemeClr val="accent1"/>
+          </a:solidFill>
+          <a:ln>
+            <a:noFill/>
+          </a:ln>
+        </p:spPr>
+        <p:style>
+          <a:lnRef idx="2">
+            <a:schemeClr val="accent1">
+              <a:shade val="50000"/>
+            </a:schemeClr>
+          </a:lnRef>
+          <a:fillRef idx="1">
+            <a:schemeClr val="accent1"/>
+          </a:fillRef>
+          <a:effectRef idx="0">
+            <a:schemeClr val="accent1"/>
+          </a:effectRef>
+          <a:fontRef idx="minor">
+            <a:schemeClr val="lt1"/>
+          </a:fontRef>
+        </p:style>
+      </p:sp>
+      <p:sp>
+        <p:nvSpPr>
           <p:cNvPr id="2" name="Title 1"/>
           <p:cNvSpPr>
             <a:spLocks noGrp="1"/>
@@ -1918,15 +2445,21 @@
         </p:nvSpPr>
         <p:spPr>
           <a:xfrm>
-            <a:off x="839788" y="457200"/>
-            <a:ext cx="3932237" cy="1600200"/>
-          </a:xfrm>
-        </p:spPr>
-        <p:txBody>
-          <a:bodyPr anchor="b"/>
+            <a:off x="457200" y="594359"/>
+            <a:ext cx="3200400" cy="2286000"/>
+          </a:xfrm>
+        </p:spPr>
+        <p:txBody>
+          <a:bodyPr anchor="b">
+            <a:normAutofit/>
+          </a:bodyPr>
           <a:lstStyle>
             <a:lvl1pPr>
-              <a:defRPr sz="3200"/>
+              <a:defRPr sz="3600" b="0">
+                <a:solidFill>
+                  <a:srgbClr val="FFFFFF"/>
+                </a:solidFill>
+              </a:defRPr>
             </a:lvl1pPr>
           </a:lstStyle>
           <a:p>
@@ -1934,7 +2467,7 @@
               <a:rPr lang="en-US" smtClean="0"/>
               <a:t>Click to edit Master title style</a:t>
             </a:r>
-            <a:endParaRPr lang="en-US"/>
+            <a:endParaRPr lang="en-US" dirty="0"/>
           </a:p>
         </p:txBody>
       </p:sp>
@@ -1950,200 +2483,208 @@
         </p:nvSpPr>
         <p:spPr>
           <a:xfrm>
-            <a:off x="5183188" y="987425"/>
-            <a:ext cx="6172200" cy="4873625"/>
-          </a:xfrm>
-        </p:spPr>
+            <a:off x="4800600" y="731520"/>
+            <a:ext cx="6492240" cy="5257800"/>
+          </a:xfrm>
+        </p:spPr>
+        <p:txBody>
+          <a:bodyPr/>
+          <a:lstStyle/>
+          <a:p>
+            <a:pPr lvl="0"/>
+            <a:r>
+              <a:rPr lang="en-US" smtClean="0"/>
+              <a:t>Click to edit Master text styles</a:t>
+            </a:r>
+          </a:p>
+          <a:p>
+            <a:pPr lvl="1"/>
+            <a:r>
+              <a:rPr lang="en-US" smtClean="0"/>
+              <a:t>Second level</a:t>
+            </a:r>
+          </a:p>
+          <a:p>
+            <a:pPr lvl="2"/>
+            <a:r>
+              <a:rPr lang="en-US" smtClean="0"/>
+              <a:t>Third level</a:t>
+            </a:r>
+          </a:p>
+          <a:p>
+            <a:pPr lvl="3"/>
+            <a:r>
+              <a:rPr lang="en-US" smtClean="0"/>
+              <a:t>Fourth level</a:t>
+            </a:r>
+          </a:p>
+          <a:p>
+            <a:pPr lvl="4"/>
+            <a:r>
+              <a:rPr lang="en-US" smtClean="0"/>
+              <a:t>Fifth level</a:t>
+            </a:r>
+            <a:endParaRPr lang="en-US" dirty="0"/>
+          </a:p>
+        </p:txBody>
+      </p:sp>
+      <p:sp>
+        <p:nvSpPr>
+          <p:cNvPr id="4" name="Text Placeholder 3"/>
+          <p:cNvSpPr>
+            <a:spLocks noGrp="1"/>
+          </p:cNvSpPr>
+          <p:nvPr>
+            <p:ph type="body" sz="half" idx="2"/>
+          </p:nvPr>
+        </p:nvSpPr>
+        <p:spPr>
+          <a:xfrm>
+            <a:off x="457200" y="2926080"/>
+            <a:ext cx="3200400" cy="3379124"/>
+          </a:xfrm>
+        </p:spPr>
+        <p:txBody>
+          <a:bodyPr lIns="91440" rIns="91440">
+            <a:normAutofit/>
+          </a:bodyPr>
+          <a:lstStyle>
+            <a:lvl1pPr marL="0" indent="0">
+              <a:buNone/>
+              <a:defRPr sz="1500">
+                <a:solidFill>
+                  <a:srgbClr val="FFFFFF"/>
+                </a:solidFill>
+              </a:defRPr>
+            </a:lvl1pPr>
+            <a:lvl2pPr marL="457200" indent="0">
+              <a:buNone/>
+              <a:defRPr sz="1200"/>
+            </a:lvl2pPr>
+            <a:lvl3pPr marL="914400" indent="0">
+              <a:buNone/>
+              <a:defRPr sz="1000"/>
+            </a:lvl3pPr>
+            <a:lvl4pPr marL="1371600" indent="0">
+              <a:buNone/>
+              <a:defRPr sz="900"/>
+            </a:lvl4pPr>
+            <a:lvl5pPr marL="1828800" indent="0">
+              <a:buNone/>
+              <a:defRPr sz="900"/>
+            </a:lvl5pPr>
+            <a:lvl6pPr marL="2286000" indent="0">
+              <a:buNone/>
+              <a:defRPr sz="900"/>
+            </a:lvl6pPr>
+            <a:lvl7pPr marL="2743200" indent="0">
+              <a:buNone/>
+              <a:defRPr sz="900"/>
+            </a:lvl7pPr>
+            <a:lvl8pPr marL="3200400" indent="0">
+              <a:buNone/>
+              <a:defRPr sz="900"/>
+            </a:lvl8pPr>
+            <a:lvl9pPr marL="3657600" indent="0">
+              <a:buNone/>
+              <a:defRPr sz="900"/>
+            </a:lvl9pPr>
+          </a:lstStyle>
+          <a:p>
+            <a:pPr lvl="0"/>
+            <a:r>
+              <a:rPr lang="en-US" smtClean="0"/>
+              <a:t>Click to edit Master text styles</a:t>
+            </a:r>
+          </a:p>
+        </p:txBody>
+      </p:sp>
+      <p:sp>
+        <p:nvSpPr>
+          <p:cNvPr id="5" name="Date Placeholder 4"/>
+          <p:cNvSpPr>
+            <a:spLocks noGrp="1"/>
+          </p:cNvSpPr>
+          <p:nvPr>
+            <p:ph type="dt" sz="half" idx="10"/>
+          </p:nvPr>
+        </p:nvSpPr>
+        <p:spPr>
+          <a:xfrm>
+            <a:off x="465512" y="6459785"/>
+            <a:ext cx="2618510" cy="365125"/>
+          </a:xfrm>
+        </p:spPr>
+        <p:txBody>
+          <a:bodyPr/>
+          <a:lstStyle>
+            <a:lvl1pPr algn="l">
+              <a:defRPr/>
+            </a:lvl1pPr>
+          </a:lstStyle>
+          <a:p>
+            <a:fld id="{7BB41D70-3492-44FF-B9B6-5DEFA09C277D}" type="datetimeFigureOut">
+              <a:rPr lang="en-US" smtClean="0"/>
+              <a:t>6/2/2017</a:t>
+            </a:fld>
+            <a:endParaRPr lang="en-US"/>
+          </a:p>
+        </p:txBody>
+      </p:sp>
+      <p:sp>
+        <p:nvSpPr>
+          <p:cNvPr id="6" name="Footer Placeholder 5"/>
+          <p:cNvSpPr>
+            <a:spLocks noGrp="1"/>
+          </p:cNvSpPr>
+          <p:nvPr>
+            <p:ph type="ftr" sz="quarter" idx="11"/>
+          </p:nvPr>
+        </p:nvSpPr>
+        <p:spPr>
+          <a:xfrm>
+            <a:off x="4800600" y="6459785"/>
+            <a:ext cx="4648200" cy="365125"/>
+          </a:xfrm>
+        </p:spPr>
+        <p:txBody>
+          <a:bodyPr/>
+          <a:lstStyle>
+            <a:lvl1pPr algn="l">
+              <a:defRPr>
+                <a:solidFill>
+                  <a:schemeClr val="tx2"/>
+                </a:solidFill>
+              </a:defRPr>
+            </a:lvl1pPr>
+          </a:lstStyle>
+          <a:p>
+            <a:endParaRPr lang="en-US"/>
+          </a:p>
+        </p:txBody>
+      </p:sp>
+      <p:sp>
+        <p:nvSpPr>
+          <p:cNvPr id="7" name="Slide Number Placeholder 6"/>
+          <p:cNvSpPr>
+            <a:spLocks noGrp="1"/>
+          </p:cNvSpPr>
+          <p:nvPr>
+            <p:ph type="sldNum" sz="quarter" idx="12"/>
+          </p:nvPr>
+        </p:nvSpPr>
+        <p:spPr/>
         <p:txBody>
           <a:bodyPr/>
           <a:lstStyle>
             <a:lvl1pPr>
-              <a:defRPr sz="3200"/>
+              <a:defRPr>
+                <a:solidFill>
+                  <a:schemeClr val="tx2"/>
+                </a:solidFill>
+              </a:defRPr>
             </a:lvl1pPr>
-            <a:lvl2pPr>
-              <a:defRPr sz="2800"/>
-            </a:lvl2pPr>
-            <a:lvl3pPr>
-              <a:defRPr sz="2400"/>
-            </a:lvl3pPr>
-            <a:lvl4pPr>
-              <a:defRPr sz="2000"/>
-            </a:lvl4pPr>
-            <a:lvl5pPr>
-              <a:defRPr sz="2000"/>
-            </a:lvl5pPr>
-            <a:lvl6pPr>
-              <a:defRPr sz="2000"/>
-            </a:lvl6pPr>
-            <a:lvl7pPr>
-              <a:defRPr sz="2000"/>
-            </a:lvl7pPr>
-            <a:lvl8pPr>
-              <a:defRPr sz="2000"/>
-            </a:lvl8pPr>
-            <a:lvl9pPr>
-              <a:defRPr sz="2000"/>
-            </a:lvl9pPr>
           </a:lstStyle>
-          <a:p>
-            <a:pPr lvl="0"/>
-            <a:r>
-              <a:rPr lang="en-US" smtClean="0"/>
-              <a:t>Click to edit Master text styles</a:t>
-            </a:r>
-          </a:p>
-          <a:p>
-            <a:pPr lvl="1"/>
-            <a:r>
-              <a:rPr lang="en-US" smtClean="0"/>
-              <a:t>Second level</a:t>
-            </a:r>
-          </a:p>
-          <a:p>
-            <a:pPr lvl="2"/>
-            <a:r>
-              <a:rPr lang="en-US" smtClean="0"/>
-              <a:t>Third level</a:t>
-            </a:r>
-          </a:p>
-          <a:p>
-            <a:pPr lvl="3"/>
-            <a:r>
-              <a:rPr lang="en-US" smtClean="0"/>
-              <a:t>Fourth level</a:t>
-            </a:r>
-          </a:p>
-          <a:p>
-            <a:pPr lvl="4"/>
-            <a:r>
-              <a:rPr lang="en-US" smtClean="0"/>
-              <a:t>Fifth level</a:t>
-            </a:r>
-            <a:endParaRPr lang="en-US"/>
-          </a:p>
-        </p:txBody>
-      </p:sp>
-      <p:sp>
-        <p:nvSpPr>
-          <p:cNvPr id="4" name="Text Placeholder 3"/>
-          <p:cNvSpPr>
-            <a:spLocks noGrp="1"/>
-          </p:cNvSpPr>
-          <p:nvPr>
-            <p:ph type="body" sz="half" idx="2"/>
-          </p:nvPr>
-        </p:nvSpPr>
-        <p:spPr>
-          <a:xfrm>
-            <a:off x="839788" y="2057400"/>
-            <a:ext cx="3932237" cy="3811588"/>
-          </a:xfrm>
-        </p:spPr>
-        <p:txBody>
-          <a:bodyPr/>
-          <a:lstStyle>
-            <a:lvl1pPr marL="0" indent="0">
-              <a:buNone/>
-              <a:defRPr sz="1600"/>
-            </a:lvl1pPr>
-            <a:lvl2pPr marL="457200" indent="0">
-              <a:buNone/>
-              <a:defRPr sz="1400"/>
-            </a:lvl2pPr>
-            <a:lvl3pPr marL="914400" indent="0">
-              <a:buNone/>
-              <a:defRPr sz="1200"/>
-            </a:lvl3pPr>
-            <a:lvl4pPr marL="1371600" indent="0">
-              <a:buNone/>
-              <a:defRPr sz="1000"/>
-            </a:lvl4pPr>
-            <a:lvl5pPr marL="1828800" indent="0">
-              <a:buNone/>
-              <a:defRPr sz="1000"/>
-            </a:lvl5pPr>
-            <a:lvl6pPr marL="2286000" indent="0">
-              <a:buNone/>
-              <a:defRPr sz="1000"/>
-            </a:lvl6pPr>
-            <a:lvl7pPr marL="2743200" indent="0">
-              <a:buNone/>
-              <a:defRPr sz="1000"/>
-            </a:lvl7pPr>
-            <a:lvl8pPr marL="3200400" indent="0">
-              <a:buNone/>
-              <a:defRPr sz="1000"/>
-            </a:lvl8pPr>
-            <a:lvl9pPr marL="3657600" indent="0">
-              <a:buNone/>
-              <a:defRPr sz="1000"/>
-            </a:lvl9pPr>
-          </a:lstStyle>
-          <a:p>
-            <a:pPr lvl="0"/>
-            <a:r>
-              <a:rPr lang="en-US" smtClean="0"/>
-              <a:t>Click to edit Master text styles</a:t>
-            </a:r>
-          </a:p>
-        </p:txBody>
-      </p:sp>
-      <p:sp>
-        <p:nvSpPr>
-          <p:cNvPr id="5" name="Date Placeholder 4"/>
-          <p:cNvSpPr>
-            <a:spLocks noGrp="1"/>
-          </p:cNvSpPr>
-          <p:nvPr>
-            <p:ph type="dt" sz="half" idx="10"/>
-          </p:nvPr>
-        </p:nvSpPr>
-        <p:spPr/>
-        <p:txBody>
-          <a:bodyPr/>
-          <a:lstStyle/>
-          <a:p>
-            <a:fld id="{7BB41D70-3492-44FF-B9B6-5DEFA09C277D}" type="datetimeFigureOut">
-              <a:rPr lang="en-US" smtClean="0"/>
-              <a:t>6/2/2017</a:t>
-            </a:fld>
-            <a:endParaRPr lang="en-US"/>
-          </a:p>
-        </p:txBody>
-      </p:sp>
-      <p:sp>
-        <p:nvSpPr>
-          <p:cNvPr id="6" name="Footer Placeholder 5"/>
-          <p:cNvSpPr>
-            <a:spLocks noGrp="1"/>
-          </p:cNvSpPr>
-          <p:nvPr>
-            <p:ph type="ftr" sz="quarter" idx="11"/>
-          </p:nvPr>
-        </p:nvSpPr>
-        <p:spPr/>
-        <p:txBody>
-          <a:bodyPr/>
-          <a:lstStyle/>
-          <a:p>
-            <a:endParaRPr lang="en-US"/>
-          </a:p>
-        </p:txBody>
-      </p:sp>
-      <p:sp>
-        <p:nvSpPr>
-          <p:cNvPr id="7" name="Slide Number Placeholder 6"/>
-          <p:cNvSpPr>
-            <a:spLocks noGrp="1"/>
-          </p:cNvSpPr>
-          <p:nvPr>
-            <p:ph type="sldNum" sz="quarter" idx="12"/>
-          </p:nvPr>
-        </p:nvSpPr>
-        <p:spPr/>
-        <p:txBody>
-          <a:bodyPr/>
-          <a:lstStyle/>
           <a:p>
             <a:fld id="{9F09D36C-A5E5-4522-A2EC-D9F912F97F10}" type="slidenum">
               <a:rPr lang="en-US" smtClean="0"/>
@@ -2156,7 +2697,7 @@
     </p:spTree>
     <p:extLst>
       <p:ext uri="{BB962C8B-B14F-4D97-AF65-F5344CB8AC3E}">
-        <p14:creationId xmlns:p14="http://schemas.microsoft.com/office/powerpoint/2010/main" val="4254440421"/>
+        <p14:creationId xmlns:p14="http://schemas.microsoft.com/office/powerpoint/2010/main" val="3516513025"/>
       </p:ext>
     </p:extLst>
   </p:cSld>
@@ -2167,7 +2708,7 @@
 </file>
 
 <file path=ppt/slideLayouts/slideLayout9.xml><?xml version="1.0" encoding="utf-8"?>
-<p:sldLayout xmlns:a="http://schemas.openxmlformats.org/drawingml/2006/main" xmlns:r="http://schemas.openxmlformats.org/officeDocument/2006/relationships" xmlns:p="http://schemas.openxmlformats.org/presentationml/2006/main" type="picTx" preserve="1">
+<p:sldLayout xmlns:a="http://schemas.openxmlformats.org/drawingml/2006/main" xmlns:r="http://schemas.openxmlformats.org/officeDocument/2006/relationships" xmlns:p="http://schemas.openxmlformats.org/presentationml/2006/main" showMasterSp="0" type="picTx" preserve="1">
   <p:cSld name="Picture with Caption">
     <p:spTree>
       <p:nvGrpSpPr>
@@ -2185,6 +2726,82 @@
       </p:grpSpPr>
       <p:sp>
         <p:nvSpPr>
+          <p:cNvPr id="8" name="Rectangle 7"/>
+          <p:cNvSpPr/>
+          <p:nvPr/>
+        </p:nvSpPr>
+        <p:spPr>
+          <a:xfrm>
+            <a:off x="0" y="4953000"/>
+            <a:ext cx="12188825" cy="1905000"/>
+          </a:xfrm>
+          <a:prstGeom prst="rect">
+            <a:avLst/>
+          </a:prstGeom>
+          <a:solidFill>
+            <a:schemeClr val="accent2"/>
+          </a:solidFill>
+          <a:ln>
+            <a:noFill/>
+          </a:ln>
+        </p:spPr>
+        <p:style>
+          <a:lnRef idx="2">
+            <a:schemeClr val="accent1">
+              <a:shade val="50000"/>
+            </a:schemeClr>
+          </a:lnRef>
+          <a:fillRef idx="1">
+            <a:schemeClr val="accent1"/>
+          </a:fillRef>
+          <a:effectRef idx="0">
+            <a:schemeClr val="accent1"/>
+          </a:effectRef>
+          <a:fontRef idx="minor">
+            <a:schemeClr val="lt1"/>
+          </a:fontRef>
+        </p:style>
+      </p:sp>
+      <p:sp>
+        <p:nvSpPr>
+          <p:cNvPr id="9" name="Rectangle 8"/>
+          <p:cNvSpPr/>
+          <p:nvPr/>
+        </p:nvSpPr>
+        <p:spPr>
+          <a:xfrm>
+            <a:off x="15" y="4915076"/>
+            <a:ext cx="12188825" cy="64008"/>
+          </a:xfrm>
+          <a:prstGeom prst="rect">
+            <a:avLst/>
+          </a:prstGeom>
+          <a:solidFill>
+            <a:schemeClr val="accent1"/>
+          </a:solidFill>
+          <a:ln>
+            <a:noFill/>
+          </a:ln>
+        </p:spPr>
+        <p:style>
+          <a:lnRef idx="2">
+            <a:schemeClr val="accent1">
+              <a:shade val="50000"/>
+            </a:schemeClr>
+          </a:lnRef>
+          <a:fillRef idx="1">
+            <a:schemeClr val="accent1"/>
+          </a:fillRef>
+          <a:effectRef idx="0">
+            <a:schemeClr val="accent1"/>
+          </a:effectRef>
+          <a:fontRef idx="minor">
+            <a:schemeClr val="lt1"/>
+          </a:fontRef>
+        </p:style>
+      </p:sp>
+      <p:sp>
+        <p:nvSpPr>
           <p:cNvPr id="2" name="Title 1"/>
           <p:cNvSpPr>
             <a:spLocks noGrp="1"/>
@@ -2195,15 +2812,21 @@
         </p:nvSpPr>
         <p:spPr>
           <a:xfrm>
-            <a:off x="839788" y="457200"/>
-            <a:ext cx="3932237" cy="1600200"/>
-          </a:xfrm>
-        </p:spPr>
-        <p:txBody>
-          <a:bodyPr anchor="b"/>
+            <a:off x="1097280" y="5074920"/>
+            <a:ext cx="10113264" cy="822960"/>
+          </a:xfrm>
+        </p:spPr>
+        <p:txBody>
+          <a:bodyPr lIns="91440" tIns="0" rIns="91440" bIns="0" anchor="b">
+            <a:noAutofit/>
+          </a:bodyPr>
           <a:lstStyle>
             <a:lvl1pPr>
-              <a:defRPr sz="3200"/>
+              <a:defRPr sz="3600" b="0">
+                <a:solidFill>
+                  <a:srgbClr val="FFFFFF"/>
+                </a:solidFill>
+              </a:defRPr>
             </a:lvl1pPr>
           </a:lstStyle>
           <a:p>
@@ -2211,7 +2834,7 @@
               <a:rPr lang="en-US" smtClean="0"/>
               <a:t>Click to edit Master title style</a:t>
             </a:r>
-            <a:endParaRPr lang="en-US"/>
+            <a:endParaRPr lang="en-US" dirty="0"/>
           </a:p>
         </p:txBody>
       </p:sp>
@@ -2219,7 +2842,7 @@
         <p:nvSpPr>
           <p:cNvPr id="3" name="Picture Placeholder 2"/>
           <p:cNvSpPr>
-            <a:spLocks noGrp="1"/>
+            <a:spLocks noGrp="1" noChangeAspect="1"/>
           </p:cNvSpPr>
           <p:nvPr>
             <p:ph type="pic" idx="1"/>
@@ -2227,16 +2850,26 @@
         </p:nvSpPr>
         <p:spPr>
           <a:xfrm>
-            <a:off x="5183188" y="987425"/>
-            <a:ext cx="6172200" cy="4873625"/>
-          </a:xfrm>
-        </p:spPr>
-        <p:txBody>
-          <a:bodyPr/>
+            <a:off x="15" y="0"/>
+            <a:ext cx="12191985" cy="4915076"/>
+          </a:xfrm>
+          <a:blipFill>
+            <a:blip r:embed="rId2"/>
+            <a:stretch>
+              <a:fillRect/>
+            </a:stretch>
+          </a:blipFill>
+        </p:spPr>
+        <p:txBody>
+          <a:bodyPr lIns="457200" tIns="457200" anchor="t"/>
           <a:lstStyle>
             <a:lvl1pPr marL="0" indent="0">
               <a:buNone/>
-              <a:defRPr sz="3200"/>
+              <a:defRPr sz="3200">
+                <a:solidFill>
+                  <a:schemeClr val="bg1"/>
+                </a:solidFill>
+              </a:defRPr>
             </a:lvl1pPr>
             <a:lvl2pPr marL="457200" indent="0">
               <a:buNone/>
@@ -2272,7 +2905,11 @@
             </a:lvl9pPr>
           </a:lstStyle>
           <a:p>
-            <a:endParaRPr lang="en-US"/>
+            <a:r>
+              <a:rPr lang="en-US" smtClean="0"/>
+              <a:t>Click icon to add picture</a:t>
+            </a:r>
+            <a:endParaRPr lang="en-US" dirty="0"/>
           </a:p>
         </p:txBody>
       </p:sp>
@@ -2288,48 +2925,60 @@
         </p:nvSpPr>
         <p:spPr>
           <a:xfrm>
-            <a:off x="839788" y="2057400"/>
-            <a:ext cx="3932237" cy="3811588"/>
-          </a:xfrm>
-        </p:spPr>
-        <p:txBody>
-          <a:bodyPr/>
+            <a:off x="1097280" y="5907023"/>
+            <a:ext cx="10113264" cy="594360"/>
+          </a:xfrm>
+        </p:spPr>
+        <p:txBody>
+          <a:bodyPr lIns="91440" tIns="0" rIns="91440" bIns="0">
+            <a:normAutofit/>
+          </a:bodyPr>
           <a:lstStyle>
             <a:lvl1pPr marL="0" indent="0">
-              <a:buNone/>
-              <a:defRPr sz="1600"/>
+              <a:spcBef>
+                <a:spcPts val="0"/>
+              </a:spcBef>
+              <a:spcAft>
+                <a:spcPts val="600"/>
+              </a:spcAft>
+              <a:buNone/>
+              <a:defRPr sz="1500">
+                <a:solidFill>
+                  <a:srgbClr val="FFFFFF"/>
+                </a:solidFill>
+              </a:defRPr>
             </a:lvl1pPr>
             <a:lvl2pPr marL="457200" indent="0">
               <a:buNone/>
-              <a:defRPr sz="1400"/>
+              <a:defRPr sz="1200"/>
             </a:lvl2pPr>
             <a:lvl3pPr marL="914400" indent="0">
               <a:buNone/>
-              <a:defRPr sz="1200"/>
+              <a:defRPr sz="1000"/>
             </a:lvl3pPr>
             <a:lvl4pPr marL="1371600" indent="0">
               <a:buNone/>
-              <a:defRPr sz="1000"/>
+              <a:defRPr sz="900"/>
             </a:lvl4pPr>
             <a:lvl5pPr marL="1828800" indent="0">
               <a:buNone/>
-              <a:defRPr sz="1000"/>
+              <a:defRPr sz="900"/>
             </a:lvl5pPr>
             <a:lvl6pPr marL="2286000" indent="0">
               <a:buNone/>
-              <a:defRPr sz="1000"/>
+              <a:defRPr sz="900"/>
             </a:lvl6pPr>
             <a:lvl7pPr marL="2743200" indent="0">
               <a:buNone/>
-              <a:defRPr sz="1000"/>
+              <a:defRPr sz="900"/>
             </a:lvl7pPr>
             <a:lvl8pPr marL="3200400" indent="0">
               <a:buNone/>
-              <a:defRPr sz="1000"/>
+              <a:defRPr sz="900"/>
             </a:lvl8pPr>
             <a:lvl9pPr marL="3657600" indent="0">
               <a:buNone/>
-              <a:defRPr sz="1000"/>
+              <a:defRPr sz="900"/>
             </a:lvl9pPr>
           </a:lstStyle>
           <a:p>
@@ -2379,7 +3028,7 @@
           <a:bodyPr/>
           <a:lstStyle/>
           <a:p>
-            <a:endParaRPr lang="en-US"/>
+            <a:endParaRPr lang="en-US" dirty="0"/>
           </a:p>
         </p:txBody>
       </p:sp>
@@ -2409,7 +3058,7 @@
     </p:spTree>
     <p:extLst>
       <p:ext uri="{BB962C8B-B14F-4D97-AF65-F5344CB8AC3E}">
-        <p14:creationId xmlns:p14="http://schemas.microsoft.com/office/powerpoint/2010/main" val="733857826"/>
+        <p14:creationId xmlns:p14="http://schemas.microsoft.com/office/powerpoint/2010/main" val="2862149479"/>
       </p:ext>
     </p:extLst>
   </p:cSld>
@@ -2443,6 +3092,82 @@
       </p:grpSpPr>
       <p:sp>
         <p:nvSpPr>
+          <p:cNvPr id="7" name="Rectangle 6"/>
+          <p:cNvSpPr/>
+          <p:nvPr/>
+        </p:nvSpPr>
+        <p:spPr>
+          <a:xfrm>
+            <a:off x="1" y="6400800"/>
+            <a:ext cx="12192000" cy="457200"/>
+          </a:xfrm>
+          <a:prstGeom prst="rect">
+            <a:avLst/>
+          </a:prstGeom>
+          <a:solidFill>
+            <a:schemeClr val="accent2"/>
+          </a:solidFill>
+          <a:ln>
+            <a:noFill/>
+          </a:ln>
+        </p:spPr>
+        <p:style>
+          <a:lnRef idx="2">
+            <a:schemeClr val="accent1">
+              <a:shade val="50000"/>
+            </a:schemeClr>
+          </a:lnRef>
+          <a:fillRef idx="1">
+            <a:schemeClr val="accent1"/>
+          </a:fillRef>
+          <a:effectRef idx="0">
+            <a:schemeClr val="accent1"/>
+          </a:effectRef>
+          <a:fontRef idx="minor">
+            <a:schemeClr val="lt1"/>
+          </a:fontRef>
+        </p:style>
+      </p:sp>
+      <p:sp>
+        <p:nvSpPr>
+          <p:cNvPr id="9" name="Rectangle 8"/>
+          <p:cNvSpPr/>
+          <p:nvPr/>
+        </p:nvSpPr>
+        <p:spPr>
+          <a:xfrm>
+            <a:off x="0" y="6334316"/>
+            <a:ext cx="12192001" cy="65998"/>
+          </a:xfrm>
+          <a:prstGeom prst="rect">
+            <a:avLst/>
+          </a:prstGeom>
+          <a:solidFill>
+            <a:schemeClr val="accent1"/>
+          </a:solidFill>
+          <a:ln>
+            <a:noFill/>
+          </a:ln>
+        </p:spPr>
+        <p:style>
+          <a:lnRef idx="2">
+            <a:schemeClr val="accent1">
+              <a:shade val="50000"/>
+            </a:schemeClr>
+          </a:lnRef>
+          <a:fillRef idx="1">
+            <a:schemeClr val="accent1"/>
+          </a:fillRef>
+          <a:effectRef idx="0">
+            <a:schemeClr val="accent1"/>
+          </a:effectRef>
+          <a:fontRef idx="minor">
+            <a:schemeClr val="lt1"/>
+          </a:fontRef>
+        </p:style>
+      </p:sp>
+      <p:sp>
+        <p:nvSpPr>
           <p:cNvPr id="2" name="Title Placeholder 1"/>
           <p:cNvSpPr>
             <a:spLocks noGrp="1"/>
@@ -2453,15 +3178,15 @@
         </p:nvSpPr>
         <p:spPr>
           <a:xfrm>
-            <a:off x="838200" y="365125"/>
-            <a:ext cx="10515600" cy="1325563"/>
+            <a:off x="1097280" y="286603"/>
+            <a:ext cx="10058400" cy="1450757"/>
           </a:xfrm>
           <a:prstGeom prst="rect">
             <a:avLst/>
           </a:prstGeom>
         </p:spPr>
         <p:txBody>
-          <a:bodyPr vert="horz" lIns="91440" tIns="45720" rIns="91440" bIns="45720" rtlCol="0" anchor="ctr">
+          <a:bodyPr vert="horz" lIns="91440" tIns="45720" rIns="91440" bIns="45720" rtlCol="0" anchor="b">
             <a:normAutofit/>
           </a:bodyPr>
           <a:lstStyle/>
@@ -2470,7 +3195,7 @@
               <a:rPr lang="en-US" smtClean="0"/>
               <a:t>Click to edit Master title style</a:t>
             </a:r>
-            <a:endParaRPr lang="en-US"/>
+            <a:endParaRPr lang="en-US" dirty="0"/>
           </a:p>
         </p:txBody>
       </p:sp>
@@ -2486,15 +3211,15 @@
         </p:nvSpPr>
         <p:spPr>
           <a:xfrm>
-            <a:off x="838200" y="1825625"/>
-            <a:ext cx="10515600" cy="4351338"/>
+            <a:off x="1097280" y="1845734"/>
+            <a:ext cx="10058400" cy="4023360"/>
           </a:xfrm>
           <a:prstGeom prst="rect">
             <a:avLst/>
           </a:prstGeom>
         </p:spPr>
         <p:txBody>
-          <a:bodyPr vert="horz" lIns="91440" tIns="45720" rIns="91440" bIns="45720" rtlCol="0">
+          <a:bodyPr vert="horz" lIns="0" tIns="45720" rIns="0" bIns="45720" rtlCol="0">
             <a:normAutofit/>
           </a:bodyPr>
           <a:lstStyle/>
@@ -2532,7 +3257,7 @@
               <a:rPr lang="en-US" smtClean="0"/>
               <a:t>Fifth level</a:t>
             </a:r>
-            <a:endParaRPr lang="en-US"/>
+            <a:endParaRPr lang="en-US" dirty="0"/>
           </a:p>
         </p:txBody>
       </p:sp>
@@ -2548,8 +3273,8 @@
         </p:nvSpPr>
         <p:spPr>
           <a:xfrm>
-            <a:off x="838200" y="6356350"/>
-            <a:ext cx="2743200" cy="365125"/>
+            <a:off x="1097280" y="6459785"/>
+            <a:ext cx="2472271" cy="365125"/>
           </a:xfrm>
           <a:prstGeom prst="rect">
             <a:avLst/>
@@ -2559,11 +3284,9 @@
           <a:bodyPr vert="horz" lIns="91440" tIns="45720" rIns="91440" bIns="45720" rtlCol="0" anchor="ctr"/>
           <a:lstStyle>
             <a:lvl1pPr algn="l">
-              <a:defRPr sz="1200">
+              <a:defRPr sz="900">
                 <a:solidFill>
-                  <a:schemeClr val="tx1">
-                    <a:tint val="75000"/>
-                  </a:schemeClr>
+                  <a:srgbClr val="FFFFFF"/>
                 </a:solidFill>
               </a:defRPr>
             </a:lvl1pPr>
@@ -2589,8 +3312,8 @@
         </p:nvSpPr>
         <p:spPr>
           <a:xfrm>
-            <a:off x="4038600" y="6356350"/>
-            <a:ext cx="4114800" cy="365125"/>
+            <a:off x="3686185" y="6459785"/>
+            <a:ext cx="4822804" cy="365125"/>
           </a:xfrm>
           <a:prstGeom prst="rect">
             <a:avLst/>
@@ -2600,11 +3323,9 @@
           <a:bodyPr vert="horz" lIns="91440" tIns="45720" rIns="91440" bIns="45720" rtlCol="0" anchor="ctr"/>
           <a:lstStyle>
             <a:lvl1pPr algn="ctr">
-              <a:defRPr sz="1200">
+              <a:defRPr sz="900" cap="all" baseline="0">
                 <a:solidFill>
-                  <a:schemeClr val="tx1">
-                    <a:tint val="75000"/>
-                  </a:schemeClr>
+                  <a:srgbClr val="FFFFFF"/>
                 </a:solidFill>
               </a:defRPr>
             </a:lvl1pPr>
@@ -2626,8 +3347,8 @@
         </p:nvSpPr>
         <p:spPr>
           <a:xfrm>
-            <a:off x="8610600" y="6356350"/>
-            <a:ext cx="2743200" cy="365125"/>
+            <a:off x="9900458" y="6459785"/>
+            <a:ext cx="1312025" cy="365125"/>
           </a:xfrm>
           <a:prstGeom prst="rect">
             <a:avLst/>
@@ -2637,11 +3358,9 @@
           <a:bodyPr vert="horz" lIns="91440" tIns="45720" rIns="91440" bIns="45720" rtlCol="0" anchor="ctr"/>
           <a:lstStyle>
             <a:lvl1pPr algn="r">
-              <a:defRPr sz="1200">
+              <a:defRPr sz="1050">
                 <a:solidFill>
-                  <a:schemeClr val="tx1">
-                    <a:tint val="75000"/>
-                  </a:schemeClr>
+                  <a:srgbClr val="FFFFFF"/>
                 </a:solidFill>
               </a:defRPr>
             </a:lvl1pPr>
@@ -2655,40 +3374,81 @@
           </a:p>
         </p:txBody>
       </p:sp>
+      <p:cxnSp>
+        <p:nvCxnSpPr>
+          <p:cNvPr id="10" name="Straight Connector 9"/>
+          <p:cNvCxnSpPr/>
+          <p:nvPr/>
+        </p:nvCxnSpPr>
+        <p:spPr>
+          <a:xfrm>
+            <a:off x="1193532" y="1737845"/>
+            <a:ext cx="9966960" cy="0"/>
+          </a:xfrm>
+          <a:prstGeom prst="line">
+            <a:avLst/>
+          </a:prstGeom>
+          <a:ln w="6350">
+            <a:solidFill>
+              <a:schemeClr val="tx1">
+                <a:lumMod val="50000"/>
+                <a:lumOff val="50000"/>
+              </a:schemeClr>
+            </a:solidFill>
+          </a:ln>
+        </p:spPr>
+        <p:style>
+          <a:lnRef idx="1">
+            <a:schemeClr val="accent1"/>
+          </a:lnRef>
+          <a:fillRef idx="0">
+            <a:schemeClr val="accent1"/>
+          </a:fillRef>
+          <a:effectRef idx="0">
+            <a:schemeClr val="accent1"/>
+          </a:effectRef>
+          <a:fontRef idx="minor">
+            <a:schemeClr val="tx1"/>
+          </a:fontRef>
+        </p:style>
+      </p:cxnSp>
     </p:spTree>
     <p:extLst>
       <p:ext uri="{BB962C8B-B14F-4D97-AF65-F5344CB8AC3E}">
-        <p14:creationId xmlns:p14="http://schemas.microsoft.com/office/powerpoint/2010/main" val="3370664186"/>
+        <p14:creationId xmlns:p14="http://schemas.microsoft.com/office/powerpoint/2010/main" val="2053607777"/>
       </p:ext>
     </p:extLst>
   </p:cSld>
   <p:clrMap bg1="lt1" tx1="dk1" bg2="lt2" tx2="dk2" accent1="accent1" accent2="accent2" accent3="accent3" accent4="accent4" accent5="accent5" accent6="accent6" hlink="hlink" folHlink="folHlink"/>
   <p:sldLayoutIdLst>
-    <p:sldLayoutId id="2147483649" r:id="rId1"/>
-    <p:sldLayoutId id="2147483650" r:id="rId2"/>
-    <p:sldLayoutId id="2147483651" r:id="rId3"/>
-    <p:sldLayoutId id="2147483652" r:id="rId4"/>
-    <p:sldLayoutId id="2147483653" r:id="rId5"/>
-    <p:sldLayoutId id="2147483654" r:id="rId6"/>
-    <p:sldLayoutId id="2147483655" r:id="rId7"/>
-    <p:sldLayoutId id="2147483656" r:id="rId8"/>
-    <p:sldLayoutId id="2147483657" r:id="rId9"/>
-    <p:sldLayoutId id="2147483658" r:id="rId10"/>
-    <p:sldLayoutId id="2147483659" r:id="rId11"/>
+    <p:sldLayoutId id="2147483852" r:id="rId1"/>
+    <p:sldLayoutId id="2147483853" r:id="rId2"/>
+    <p:sldLayoutId id="2147483854" r:id="rId3"/>
+    <p:sldLayoutId id="2147483855" r:id="rId4"/>
+    <p:sldLayoutId id="2147483856" r:id="rId5"/>
+    <p:sldLayoutId id="2147483857" r:id="rId6"/>
+    <p:sldLayoutId id="2147483858" r:id="rId7"/>
+    <p:sldLayoutId id="2147483859" r:id="rId8"/>
+    <p:sldLayoutId id="2147483860" r:id="rId9"/>
+    <p:sldLayoutId id="2147483861" r:id="rId10"/>
+    <p:sldLayoutId id="2147483862" r:id="rId11"/>
   </p:sldLayoutIdLst>
   <p:txStyles>
     <p:titleStyle>
       <a:lvl1pPr algn="l" defTabSz="914400" rtl="0" eaLnBrk="1" latinLnBrk="0" hangingPunct="1">
         <a:lnSpc>
-          <a:spcPct val="90000"/>
+          <a:spcPct val="85000"/>
         </a:lnSpc>
         <a:spcBef>
           <a:spcPct val="0"/>
         </a:spcBef>
         <a:buNone/>
-        <a:defRPr sz="4400" kern="1200">
+        <a:defRPr sz="4800" kern="1200" spc="-50" baseline="0">
           <a:solidFill>
-            <a:schemeClr val="tx1"/>
+            <a:schemeClr val="tx1">
+              <a:lumMod val="75000"/>
+              <a:lumOff val="25000"/>
+            </a:schemeClr>
           </a:solidFill>
           <a:latin typeface="+mj-lt"/>
           <a:ea typeface="+mj-ea"/>
@@ -2697,162 +3457,244 @@
       </a:lvl1pPr>
     </p:titleStyle>
     <p:bodyStyle>
-      <a:lvl1pPr marL="228600" indent="-228600" algn="l" defTabSz="914400" rtl="0" eaLnBrk="1" latinLnBrk="0" hangingPunct="1">
+      <a:lvl1pPr marL="91440" indent="-91440" algn="l" defTabSz="914400" rtl="0" eaLnBrk="1" latinLnBrk="0" hangingPunct="1">
         <a:lnSpc>
           <a:spcPct val="90000"/>
         </a:lnSpc>
         <a:spcBef>
-          <a:spcPts val="1000"/>
+          <a:spcPts val="1200"/>
         </a:spcBef>
-        <a:buFont typeface="Arial" panose="020B0604020202020204" pitchFamily="34" charset="0"/>
-        <a:buChar char="•"/>
-        <a:defRPr sz="2800" kern="1200">
+        <a:spcAft>
+          <a:spcPts val="200"/>
+        </a:spcAft>
+        <a:buClr>
+          <a:schemeClr val="accent1"/>
+        </a:buClr>
+        <a:buSzPct val="100000"/>
+        <a:buFont typeface="Calibri" panose="020F0502020204030204" pitchFamily="34" charset="0"/>
+        <a:buChar char=" "/>
+        <a:defRPr sz="2000" kern="1200">
           <a:solidFill>
-            <a:schemeClr val="tx1"/>
+            <a:schemeClr val="tx1">
+              <a:lumMod val="75000"/>
+              <a:lumOff val="25000"/>
+            </a:schemeClr>
           </a:solidFill>
           <a:latin typeface="+mn-lt"/>
           <a:ea typeface="+mn-ea"/>
           <a:cs typeface="+mn-cs"/>
         </a:defRPr>
       </a:lvl1pPr>
-      <a:lvl2pPr marL="685800" indent="-228600" algn="l" defTabSz="914400" rtl="0" eaLnBrk="1" latinLnBrk="0" hangingPunct="1">
+      <a:lvl2pPr marL="384048" indent="-182880" algn="l" defTabSz="914400" rtl="0" eaLnBrk="1" latinLnBrk="0" hangingPunct="1">
         <a:lnSpc>
           <a:spcPct val="90000"/>
         </a:lnSpc>
         <a:spcBef>
-          <a:spcPts val="500"/>
+          <a:spcPts val="200"/>
         </a:spcBef>
-        <a:buFont typeface="Arial" panose="020B0604020202020204" pitchFamily="34" charset="0"/>
-        <a:buChar char="•"/>
-        <a:defRPr sz="2400" kern="1200">
+        <a:spcAft>
+          <a:spcPts val="400"/>
+        </a:spcAft>
+        <a:buClr>
+          <a:schemeClr val="accent1"/>
+        </a:buClr>
+        <a:buFont typeface="Calibri" pitchFamily="34" charset="0"/>
+        <a:buChar char="◦"/>
+        <a:defRPr sz="1800" kern="1200">
           <a:solidFill>
-            <a:schemeClr val="tx1"/>
+            <a:schemeClr val="tx1">
+              <a:lumMod val="75000"/>
+              <a:lumOff val="25000"/>
+            </a:schemeClr>
           </a:solidFill>
           <a:latin typeface="+mn-lt"/>
           <a:ea typeface="+mn-ea"/>
           <a:cs typeface="+mn-cs"/>
         </a:defRPr>
       </a:lvl2pPr>
-      <a:lvl3pPr marL="1143000" indent="-228600" algn="l" defTabSz="914400" rtl="0" eaLnBrk="1" latinLnBrk="0" hangingPunct="1">
+      <a:lvl3pPr marL="566928" indent="-182880" algn="l" defTabSz="914400" rtl="0" eaLnBrk="1" latinLnBrk="0" hangingPunct="1">
         <a:lnSpc>
           <a:spcPct val="90000"/>
         </a:lnSpc>
         <a:spcBef>
-          <a:spcPts val="500"/>
+          <a:spcPts val="200"/>
         </a:spcBef>
-        <a:buFont typeface="Arial" panose="020B0604020202020204" pitchFamily="34" charset="0"/>
-        <a:buChar char="•"/>
-        <a:defRPr sz="2000" kern="1200">
+        <a:spcAft>
+          <a:spcPts val="400"/>
+        </a:spcAft>
+        <a:buClr>
+          <a:schemeClr val="accent1"/>
+        </a:buClr>
+        <a:buFont typeface="Calibri" pitchFamily="34" charset="0"/>
+        <a:buChar char="◦"/>
+        <a:defRPr sz="1400" kern="1200">
           <a:solidFill>
-            <a:schemeClr val="tx1"/>
+            <a:schemeClr val="tx1">
+              <a:lumMod val="75000"/>
+              <a:lumOff val="25000"/>
+            </a:schemeClr>
           </a:solidFill>
           <a:latin typeface="+mn-lt"/>
           <a:ea typeface="+mn-ea"/>
           <a:cs typeface="+mn-cs"/>
         </a:defRPr>
       </a:lvl3pPr>
-      <a:lvl4pPr marL="1600200" indent="-228600" algn="l" defTabSz="914400" rtl="0" eaLnBrk="1" latinLnBrk="0" hangingPunct="1">
+      <a:lvl4pPr marL="749808" indent="-182880" algn="l" defTabSz="914400" rtl="0" eaLnBrk="1" latinLnBrk="0" hangingPunct="1">
         <a:lnSpc>
           <a:spcPct val="90000"/>
         </a:lnSpc>
         <a:spcBef>
-          <a:spcPts val="500"/>
+          <a:spcPts val="200"/>
         </a:spcBef>
-        <a:buFont typeface="Arial" panose="020B0604020202020204" pitchFamily="34" charset="0"/>
-        <a:buChar char="•"/>
-        <a:defRPr sz="1800" kern="1200">
+        <a:spcAft>
+          <a:spcPts val="400"/>
+        </a:spcAft>
+        <a:buClr>
+          <a:schemeClr val="accent1"/>
+        </a:buClr>
+        <a:buFont typeface="Calibri" pitchFamily="34" charset="0"/>
+        <a:buChar char="◦"/>
+        <a:defRPr sz="1400" kern="1200">
           <a:solidFill>
-            <a:schemeClr val="tx1"/>
+            <a:schemeClr val="tx1">
+              <a:lumMod val="75000"/>
+              <a:lumOff val="25000"/>
+            </a:schemeClr>
           </a:solidFill>
           <a:latin typeface="+mn-lt"/>
           <a:ea typeface="+mn-ea"/>
           <a:cs typeface="+mn-cs"/>
         </a:defRPr>
       </a:lvl4pPr>
-      <a:lvl5pPr marL="2057400" indent="-228600" algn="l" defTabSz="914400" rtl="0" eaLnBrk="1" latinLnBrk="0" hangingPunct="1">
+      <a:lvl5pPr marL="932688" indent="-182880" algn="l" defTabSz="914400" rtl="0" eaLnBrk="1" latinLnBrk="0" hangingPunct="1">
         <a:lnSpc>
           <a:spcPct val="90000"/>
         </a:lnSpc>
         <a:spcBef>
-          <a:spcPts val="500"/>
+          <a:spcPts val="200"/>
         </a:spcBef>
-        <a:buFont typeface="Arial" panose="020B0604020202020204" pitchFamily="34" charset="0"/>
-        <a:buChar char="•"/>
-        <a:defRPr sz="1800" kern="1200">
+        <a:spcAft>
+          <a:spcPts val="400"/>
+        </a:spcAft>
+        <a:buClr>
+          <a:schemeClr val="accent1"/>
+        </a:buClr>
+        <a:buFont typeface="Calibri" pitchFamily="34" charset="0"/>
+        <a:buChar char="◦"/>
+        <a:defRPr sz="1400" kern="1200">
           <a:solidFill>
-            <a:schemeClr val="tx1"/>
+            <a:schemeClr val="tx1">
+              <a:lumMod val="75000"/>
+              <a:lumOff val="25000"/>
+            </a:schemeClr>
           </a:solidFill>
           <a:latin typeface="+mn-lt"/>
           <a:ea typeface="+mn-ea"/>
           <a:cs typeface="+mn-cs"/>
         </a:defRPr>
       </a:lvl5pPr>
-      <a:lvl6pPr marL="2514600" indent="-228600" algn="l" defTabSz="914400" rtl="0" eaLnBrk="1" latinLnBrk="0" hangingPunct="1">
+      <a:lvl6pPr marL="1100000" indent="-228600" algn="l" defTabSz="914400" rtl="0" eaLnBrk="1" latinLnBrk="0" hangingPunct="1">
         <a:lnSpc>
           <a:spcPct val="90000"/>
         </a:lnSpc>
         <a:spcBef>
-          <a:spcPts val="500"/>
+          <a:spcPts val="200"/>
         </a:spcBef>
-        <a:buFont typeface="Arial" panose="020B0604020202020204" pitchFamily="34" charset="0"/>
-        <a:buChar char="•"/>
-        <a:defRPr sz="1800" kern="1200">
+        <a:spcAft>
+          <a:spcPts val="400"/>
+        </a:spcAft>
+        <a:buClr>
+          <a:schemeClr val="accent1"/>
+        </a:buClr>
+        <a:buFont typeface="Calibri" pitchFamily="34" charset="0"/>
+        <a:buChar char="◦"/>
+        <a:defRPr sz="1400" kern="1200">
           <a:solidFill>
-            <a:schemeClr val="tx1"/>
+            <a:schemeClr val="tx1">
+              <a:lumMod val="75000"/>
+              <a:lumOff val="25000"/>
+            </a:schemeClr>
           </a:solidFill>
           <a:latin typeface="+mn-lt"/>
           <a:ea typeface="+mn-ea"/>
           <a:cs typeface="+mn-cs"/>
         </a:defRPr>
       </a:lvl6pPr>
-      <a:lvl7pPr marL="2971800" indent="-228600" algn="l" defTabSz="914400" rtl="0" eaLnBrk="1" latinLnBrk="0" hangingPunct="1">
+      <a:lvl7pPr marL="1300000" indent="-228600" algn="l" defTabSz="914400" rtl="0" eaLnBrk="1" latinLnBrk="0" hangingPunct="1">
         <a:lnSpc>
           <a:spcPct val="90000"/>
         </a:lnSpc>
         <a:spcBef>
-          <a:spcPts val="500"/>
+          <a:spcPts val="200"/>
         </a:spcBef>
-        <a:buFont typeface="Arial" panose="020B0604020202020204" pitchFamily="34" charset="0"/>
-        <a:buChar char="•"/>
-        <a:defRPr sz="1800" kern="1200">
+        <a:spcAft>
+          <a:spcPts val="400"/>
+        </a:spcAft>
+        <a:buClr>
+          <a:schemeClr val="accent1"/>
+        </a:buClr>
+        <a:buFont typeface="Calibri" pitchFamily="34" charset="0"/>
+        <a:buChar char="◦"/>
+        <a:defRPr sz="1400" kern="1200">
           <a:solidFill>
-            <a:schemeClr val="tx1"/>
+            <a:schemeClr val="tx1">
+              <a:lumMod val="75000"/>
+              <a:lumOff val="25000"/>
+            </a:schemeClr>
           </a:solidFill>
           <a:latin typeface="+mn-lt"/>
           <a:ea typeface="+mn-ea"/>
           <a:cs typeface="+mn-cs"/>
         </a:defRPr>
       </a:lvl7pPr>
-      <a:lvl8pPr marL="3429000" indent="-228600" algn="l" defTabSz="914400" rtl="0" eaLnBrk="1" latinLnBrk="0" hangingPunct="1">
+      <a:lvl8pPr marL="1500000" indent="-228600" algn="l" defTabSz="914400" rtl="0" eaLnBrk="1" latinLnBrk="0" hangingPunct="1">
         <a:lnSpc>
           <a:spcPct val="90000"/>
         </a:lnSpc>
         <a:spcBef>
-          <a:spcPts val="500"/>
+          <a:spcPts val="200"/>
         </a:spcBef>
-        <a:buFont typeface="Arial" panose="020B0604020202020204" pitchFamily="34" charset="0"/>
-        <a:buChar char="•"/>
-        <a:defRPr sz="1800" kern="1200">
+        <a:spcAft>
+          <a:spcPts val="400"/>
+        </a:spcAft>
+        <a:buClr>
+          <a:schemeClr val="accent1"/>
+        </a:buClr>
+        <a:buFont typeface="Calibri" pitchFamily="34" charset="0"/>
+        <a:buChar char="◦"/>
+        <a:defRPr sz="1400" kern="1200">
           <a:solidFill>
-            <a:schemeClr val="tx1"/>
+            <a:schemeClr val="tx1">
+              <a:lumMod val="75000"/>
+              <a:lumOff val="25000"/>
+            </a:schemeClr>
           </a:solidFill>
           <a:latin typeface="+mn-lt"/>
           <a:ea typeface="+mn-ea"/>
           <a:cs typeface="+mn-cs"/>
         </a:defRPr>
       </a:lvl8pPr>
-      <a:lvl9pPr marL="3886200" indent="-228600" algn="l" defTabSz="914400" rtl="0" eaLnBrk="1" latinLnBrk="0" hangingPunct="1">
+      <a:lvl9pPr marL="1700000" indent="-228600" algn="l" defTabSz="914400" rtl="0" eaLnBrk="1" latinLnBrk="0" hangingPunct="1">
         <a:lnSpc>
           <a:spcPct val="90000"/>
         </a:lnSpc>
         <a:spcBef>
-          <a:spcPts val="500"/>
+          <a:spcPts val="200"/>
         </a:spcBef>
-        <a:buFont typeface="Arial" panose="020B0604020202020204" pitchFamily="34" charset="0"/>
-        <a:buChar char="•"/>
-        <a:defRPr sz="1800" kern="1200">
+        <a:spcAft>
+          <a:spcPts val="400"/>
+        </a:spcAft>
+        <a:buClr>
+          <a:schemeClr val="accent1"/>
+        </a:buClr>
+        <a:buFont typeface="Calibri" pitchFamily="34" charset="0"/>
+        <a:buChar char="◦"/>
+        <a:defRPr sz="1400" kern="1200">
           <a:solidFill>
-            <a:schemeClr val="tx1"/>
+            <a:schemeClr val="tx1">
+              <a:lumMod val="75000"/>
+              <a:lumOff val="25000"/>
+            </a:schemeClr>
           </a:solidFill>
           <a:latin typeface="+mn-lt"/>
           <a:ea typeface="+mn-ea"/>
@@ -2960,506 +3802,22 @@
 </file>
 
 <file path=ppt/slides/slide1.xml><?xml version="1.0" encoding="utf-8"?>
-<p:sld xmlns:a="http://schemas.openxmlformats.org/drawingml/2006/main" xmlns:r="http://schemas.openxmlformats.org/officeDocument/2006/relationships" xmlns:p="http://schemas.openxmlformats.org/presentationml/2006/main">
+<p:sld xmlns:a="http://schemas.openxmlformats.org/drawingml/2006/main" xmlns:r="http://schemas.openxmlformats.org/officeDocument/2006/relationships" xmlns:p="http://schemas.openxmlformats.org/presentationml/2006/main" showMasterSp="0">
   <p:cSld>
     <p:bg>
       <p:bgPr>
-        <a:blipFill>
-          <a:blip r:embed="rId2"/>
-          <a:tile tx="0" ty="0" sx="100000" sy="100000" flip="none" algn="tl"/>
+        <a:blipFill dpi="0" rotWithShape="1">
+          <a:blip r:embed="rId2">
+            <a:lum/>
+          </a:blip>
+          <a:srcRect/>
+          <a:stretch>
+            <a:fillRect t="-17000" b="-17000"/>
+          </a:stretch>
         </a:blipFill>
         <a:effectLst/>
       </p:bgPr>
     </p:bg>
-    <p:spTree>
-      <p:nvGrpSpPr>
-        <p:cNvPr id="1" name=""/>
-        <p:cNvGrpSpPr/>
-        <p:nvPr/>
-      </p:nvGrpSpPr>
-      <p:grpSpPr>
-        <a:xfrm>
-          <a:off x="0" y="0"/>
-          <a:ext cx="0" cy="0"/>
-          <a:chOff x="0" y="0"/>
-          <a:chExt cx="0" cy="0"/>
-        </a:xfrm>
-      </p:grpSpPr>
-      <p:sp>
-        <p:nvSpPr>
-          <p:cNvPr id="2" name="Title 1"/>
-          <p:cNvSpPr>
-            <a:spLocks noGrp="1"/>
-          </p:cNvSpPr>
-          <p:nvPr>
-            <p:ph type="ctrTitle"/>
-          </p:nvPr>
-        </p:nvSpPr>
-        <p:spPr>
-          <a:xfrm>
-            <a:off x="2973369" y="268791"/>
-            <a:ext cx="6396507" cy="925378"/>
-          </a:xfrm>
-        </p:spPr>
-        <p:txBody>
-          <a:bodyPr/>
-          <a:lstStyle/>
-          <a:p>
-            <a:r>
-              <a:rPr lang="en-US" dirty="0" smtClean="0">
-                <a:solidFill>
-                  <a:srgbClr val="FF0000"/>
-                </a:solidFill>
-                <a:latin typeface="Creepster" panose="02000000000000000000" pitchFamily="2" charset="0"/>
-                <a:ea typeface="Creepster" panose="02000000000000000000" pitchFamily="2" charset="0"/>
-              </a:rPr>
-              <a:t>Zombie Apocalypse</a:t>
-            </a:r>
-            <a:endParaRPr lang="en-US" dirty="0">
-              <a:solidFill>
-                <a:srgbClr val="FF0000"/>
-              </a:solidFill>
-              <a:latin typeface="Creepster" panose="02000000000000000000" pitchFamily="2" charset="0"/>
-              <a:ea typeface="Creepster" panose="02000000000000000000" pitchFamily="2" charset="0"/>
-            </a:endParaRPr>
-          </a:p>
-        </p:txBody>
-      </p:sp>
-      <p:pic>
-        <p:nvPicPr>
-          <p:cNvPr id="5" name="Picture 4"/>
-          <p:cNvPicPr>
-            <a:picLocks noChangeAspect="1"/>
-          </p:cNvPicPr>
-          <p:nvPr/>
-        </p:nvPicPr>
-        <p:blipFill>
-          <a:blip r:embed="rId3">
-            <a:extLst>
-              <a:ext uri="{28A0092B-C50C-407E-A947-70E740481C1C}">
-                <a14:useLocalDpi xmlns:a14="http://schemas.microsoft.com/office/drawing/2010/main" val="0"/>
-              </a:ext>
-            </a:extLst>
-          </a:blip>
-          <a:stretch>
-            <a:fillRect/>
-          </a:stretch>
-        </p:blipFill>
-        <p:spPr>
-          <a:xfrm>
-            <a:off x="9867823" y="3940935"/>
-            <a:ext cx="2218141" cy="2691438"/>
-          </a:xfrm>
-          <a:prstGeom prst="rect">
-            <a:avLst/>
-          </a:prstGeom>
-        </p:spPr>
-      </p:pic>
-    </p:spTree>
-    <p:extLst>
-      <p:ext uri="{BB962C8B-B14F-4D97-AF65-F5344CB8AC3E}">
-        <p14:creationId xmlns:p14="http://schemas.microsoft.com/office/powerpoint/2010/main" val="2778996746"/>
-      </p:ext>
-    </p:extLst>
-  </p:cSld>
-  <p:clrMapOvr>
-    <a:masterClrMapping/>
-  </p:clrMapOvr>
-  <p:timing>
-    <p:tnLst>
-      <p:par>
-        <p:cTn id="1" dur="indefinite" restart="never" nodeType="tmRoot"/>
-      </p:par>
-    </p:tnLst>
-  </p:timing>
-</p:sld>
-</file>
-
-<file path=ppt/slides/slide2.xml><?xml version="1.0" encoding="utf-8"?>
-<p:sld xmlns:a="http://schemas.openxmlformats.org/drawingml/2006/main" xmlns:r="http://schemas.openxmlformats.org/officeDocument/2006/relationships" xmlns:p="http://schemas.openxmlformats.org/presentationml/2006/main">
-  <p:cSld>
-    <p:bg>
-      <p:bgPr>
-        <a:gradFill>
-          <a:gsLst>
-            <a:gs pos="0">
-              <a:schemeClr val="accent1">
-                <a:lumMod val="40000"/>
-                <a:lumOff val="60000"/>
-              </a:schemeClr>
-            </a:gs>
-            <a:gs pos="74000">
-              <a:schemeClr val="accent1">
-                <a:lumMod val="45000"/>
-                <a:lumOff val="55000"/>
-              </a:schemeClr>
-            </a:gs>
-            <a:gs pos="83000">
-              <a:schemeClr val="accent1">
-                <a:lumMod val="45000"/>
-                <a:lumOff val="55000"/>
-              </a:schemeClr>
-            </a:gs>
-            <a:gs pos="100000">
-              <a:schemeClr val="accent1">
-                <a:lumMod val="30000"/>
-                <a:lumOff val="70000"/>
-              </a:schemeClr>
-            </a:gs>
-          </a:gsLst>
-          <a:lin ang="5400000" scaled="1"/>
-        </a:gradFill>
-        <a:effectLst/>
-      </p:bgPr>
-    </p:bg>
-    <p:spTree>
-      <p:nvGrpSpPr>
-        <p:cNvPr id="1" name=""/>
-        <p:cNvGrpSpPr/>
-        <p:nvPr/>
-      </p:nvGrpSpPr>
-      <p:grpSpPr>
-        <a:xfrm>
-          <a:off x="0" y="0"/>
-          <a:ext cx="0" cy="0"/>
-          <a:chOff x="0" y="0"/>
-          <a:chExt cx="0" cy="0"/>
-        </a:xfrm>
-      </p:grpSpPr>
-      <p:sp>
-        <p:nvSpPr>
-          <p:cNvPr id="2" name="Title 1"/>
-          <p:cNvSpPr>
-            <a:spLocks noGrp="1"/>
-          </p:cNvSpPr>
-          <p:nvPr>
-            <p:ph type="ctrTitle"/>
-          </p:nvPr>
-        </p:nvSpPr>
-        <p:spPr>
-          <a:xfrm>
-            <a:off x="1524000" y="1122364"/>
-            <a:ext cx="9144000" cy="925378"/>
-          </a:xfrm>
-        </p:spPr>
-        <p:txBody>
-          <a:bodyPr/>
-          <a:lstStyle/>
-          <a:p>
-            <a:r>
-              <a:rPr lang="en-US" u="sng" dirty="0" smtClean="0">
-                <a:solidFill>
-                  <a:srgbClr val="0070C0"/>
-                </a:solidFill>
-                <a:latin typeface="Franklin Gothic Book" panose="020B0503020102020204" pitchFamily="34" charset="0"/>
-                <a:ea typeface="Creepster" panose="02000000000000000000" pitchFamily="2" charset="0"/>
-              </a:rPr>
-              <a:t>Objects</a:t>
-            </a:r>
-            <a:endParaRPr lang="en-US" u="sng" dirty="0">
-              <a:solidFill>
-                <a:srgbClr val="0070C0"/>
-              </a:solidFill>
-              <a:latin typeface="Franklin Gothic Book" panose="020B0503020102020204" pitchFamily="34" charset="0"/>
-              <a:ea typeface="Creepster" panose="02000000000000000000" pitchFamily="2" charset="0"/>
-            </a:endParaRPr>
-          </a:p>
-        </p:txBody>
-      </p:sp>
-      <p:sp>
-        <p:nvSpPr>
-          <p:cNvPr id="4" name="Title 1"/>
-          <p:cNvSpPr txBox="1">
-            <a:spLocks/>
-          </p:cNvSpPr>
-          <p:nvPr/>
-        </p:nvSpPr>
-        <p:spPr>
-          <a:xfrm>
-            <a:off x="4794161" y="2388542"/>
-            <a:ext cx="1630250" cy="618431"/>
-          </a:xfrm>
-          <a:prstGeom prst="rect">
-            <a:avLst/>
-          </a:prstGeom>
-        </p:spPr>
-        <p:txBody>
-          <a:bodyPr vert="horz" lIns="91440" tIns="45720" rIns="91440" bIns="45720" rtlCol="0" anchor="b">
-            <a:noAutofit/>
-          </a:bodyPr>
-          <a:lstStyle>
-            <a:lvl1pPr algn="ctr" defTabSz="914400" rtl="0" eaLnBrk="1" latinLnBrk="0" hangingPunct="1">
-              <a:lnSpc>
-                <a:spcPct val="90000"/>
-              </a:lnSpc>
-              <a:spcBef>
-                <a:spcPct val="0"/>
-              </a:spcBef>
-              <a:buNone/>
-              <a:defRPr sz="6000" kern="1200">
-                <a:solidFill>
-                  <a:schemeClr val="tx1"/>
-                </a:solidFill>
-                <a:latin typeface="+mj-lt"/>
-                <a:ea typeface="+mj-ea"/>
-                <a:cs typeface="+mj-cs"/>
-              </a:defRPr>
-            </a:lvl1pPr>
-          </a:lstStyle>
-          <a:p>
-            <a:r>
-              <a:rPr lang="en-US" sz="3600" dirty="0" smtClean="0">
-                <a:latin typeface="Franklin Gothic Book" panose="020B0503020102020204" pitchFamily="34" charset="0"/>
-                <a:ea typeface="Creepster" panose="02000000000000000000" pitchFamily="2" charset="0"/>
-              </a:rPr>
-              <a:t>- Player</a:t>
-            </a:r>
-          </a:p>
-        </p:txBody>
-      </p:sp>
-      <p:sp>
-        <p:nvSpPr>
-          <p:cNvPr id="5" name="Title 1"/>
-          <p:cNvSpPr txBox="1">
-            <a:spLocks/>
-          </p:cNvSpPr>
-          <p:nvPr/>
-        </p:nvSpPr>
-        <p:spPr>
-          <a:xfrm>
-            <a:off x="4794161" y="3090807"/>
-            <a:ext cx="1940417" cy="566916"/>
-          </a:xfrm>
-          <a:prstGeom prst="rect">
-            <a:avLst/>
-          </a:prstGeom>
-        </p:spPr>
-        <p:txBody>
-          <a:bodyPr vert="horz" lIns="91440" tIns="45720" rIns="91440" bIns="45720" rtlCol="0" anchor="b">
-            <a:noAutofit/>
-          </a:bodyPr>
-          <a:lstStyle>
-            <a:lvl1pPr algn="ctr" defTabSz="914400" rtl="0" eaLnBrk="1" latinLnBrk="0" hangingPunct="1">
-              <a:lnSpc>
-                <a:spcPct val="90000"/>
-              </a:lnSpc>
-              <a:spcBef>
-                <a:spcPct val="0"/>
-              </a:spcBef>
-              <a:buNone/>
-              <a:defRPr sz="6000" kern="1200">
-                <a:solidFill>
-                  <a:schemeClr val="tx1"/>
-                </a:solidFill>
-                <a:latin typeface="+mj-lt"/>
-                <a:ea typeface="+mj-ea"/>
-                <a:cs typeface="+mj-cs"/>
-              </a:defRPr>
-            </a:lvl1pPr>
-          </a:lstStyle>
-          <a:p>
-            <a:r>
-              <a:rPr lang="en-US" sz="3600" dirty="0" smtClean="0">
-                <a:latin typeface="Franklin Gothic Book" panose="020B0503020102020204" pitchFamily="34" charset="0"/>
-                <a:ea typeface="Creepster" panose="02000000000000000000" pitchFamily="2" charset="0"/>
-              </a:rPr>
-              <a:t>- Zombie</a:t>
-            </a:r>
-            <a:endParaRPr lang="en-US" sz="3600" dirty="0">
-              <a:latin typeface="Franklin Gothic Book" panose="020B0503020102020204" pitchFamily="34" charset="0"/>
-              <a:ea typeface="Creepster" panose="02000000000000000000" pitchFamily="2" charset="0"/>
-            </a:endParaRPr>
-          </a:p>
-        </p:txBody>
-      </p:sp>
-      <p:sp>
-        <p:nvSpPr>
-          <p:cNvPr id="6" name="Title 1"/>
-          <p:cNvSpPr txBox="1">
-            <a:spLocks/>
-          </p:cNvSpPr>
-          <p:nvPr/>
-        </p:nvSpPr>
-        <p:spPr>
-          <a:xfrm>
-            <a:off x="4794161" y="3741557"/>
-            <a:ext cx="2262389" cy="566916"/>
-          </a:xfrm>
-          <a:prstGeom prst="rect">
-            <a:avLst/>
-          </a:prstGeom>
-        </p:spPr>
-        <p:txBody>
-          <a:bodyPr vert="horz" lIns="91440" tIns="45720" rIns="91440" bIns="45720" rtlCol="0" anchor="b">
-            <a:noAutofit/>
-          </a:bodyPr>
-          <a:lstStyle>
-            <a:lvl1pPr algn="ctr" defTabSz="914400" rtl="0" eaLnBrk="1" latinLnBrk="0" hangingPunct="1">
-              <a:lnSpc>
-                <a:spcPct val="90000"/>
-              </a:lnSpc>
-              <a:spcBef>
-                <a:spcPct val="0"/>
-              </a:spcBef>
-              <a:buNone/>
-              <a:defRPr sz="6000" kern="1200">
-                <a:solidFill>
-                  <a:schemeClr val="tx1"/>
-                </a:solidFill>
-                <a:latin typeface="+mj-lt"/>
-                <a:ea typeface="+mj-ea"/>
-                <a:cs typeface="+mj-cs"/>
-              </a:defRPr>
-            </a:lvl1pPr>
-          </a:lstStyle>
-          <a:p>
-            <a:r>
-              <a:rPr lang="en-US" sz="3600" dirty="0" smtClean="0">
-                <a:latin typeface="Franklin Gothic Book" panose="020B0503020102020204" pitchFamily="34" charset="0"/>
-                <a:ea typeface="Creepster" panose="02000000000000000000" pitchFamily="2" charset="0"/>
-              </a:rPr>
-              <a:t>- Weapons</a:t>
-            </a:r>
-            <a:endParaRPr lang="en-US" sz="3600" dirty="0">
-              <a:latin typeface="Franklin Gothic Book" panose="020B0503020102020204" pitchFamily="34" charset="0"/>
-              <a:ea typeface="Creepster" panose="02000000000000000000" pitchFamily="2" charset="0"/>
-            </a:endParaRPr>
-          </a:p>
-        </p:txBody>
-      </p:sp>
-      <p:sp>
-        <p:nvSpPr>
-          <p:cNvPr id="7" name="Title 1"/>
-          <p:cNvSpPr txBox="1">
-            <a:spLocks/>
-          </p:cNvSpPr>
-          <p:nvPr/>
-        </p:nvSpPr>
-        <p:spPr>
-          <a:xfrm>
-            <a:off x="4831724" y="4392307"/>
-            <a:ext cx="1285741" cy="566916"/>
-          </a:xfrm>
-          <a:prstGeom prst="rect">
-            <a:avLst/>
-          </a:prstGeom>
-        </p:spPr>
-        <p:txBody>
-          <a:bodyPr vert="horz" lIns="91440" tIns="45720" rIns="91440" bIns="45720" rtlCol="0" anchor="b">
-            <a:noAutofit/>
-          </a:bodyPr>
-          <a:lstStyle>
-            <a:lvl1pPr algn="ctr" defTabSz="914400" rtl="0" eaLnBrk="1" latinLnBrk="0" hangingPunct="1">
-              <a:lnSpc>
-                <a:spcPct val="90000"/>
-              </a:lnSpc>
-              <a:spcBef>
-                <a:spcPct val="0"/>
-              </a:spcBef>
-              <a:buNone/>
-              <a:defRPr sz="6000" kern="1200">
-                <a:solidFill>
-                  <a:schemeClr val="tx1"/>
-                </a:solidFill>
-                <a:latin typeface="+mj-lt"/>
-                <a:ea typeface="+mj-ea"/>
-                <a:cs typeface="+mj-cs"/>
-              </a:defRPr>
-            </a:lvl1pPr>
-          </a:lstStyle>
-          <a:p>
-            <a:r>
-              <a:rPr lang="en-US" sz="3600" dirty="0" smtClean="0">
-                <a:latin typeface="Franklin Gothic Book" panose="020B0503020102020204" pitchFamily="34" charset="0"/>
-                <a:ea typeface="Creepster" panose="02000000000000000000" pitchFamily="2" charset="0"/>
-              </a:rPr>
-              <a:t>- Map</a:t>
-            </a:r>
-            <a:endParaRPr lang="en-US" sz="3600" dirty="0">
-              <a:latin typeface="Franklin Gothic Book" panose="020B0503020102020204" pitchFamily="34" charset="0"/>
-              <a:ea typeface="Creepster" panose="02000000000000000000" pitchFamily="2" charset="0"/>
-            </a:endParaRPr>
-          </a:p>
-        </p:txBody>
-      </p:sp>
-      <p:sp>
-        <p:nvSpPr>
-          <p:cNvPr id="8" name="Title 1"/>
-          <p:cNvSpPr txBox="1">
-            <a:spLocks/>
-          </p:cNvSpPr>
-          <p:nvPr/>
-        </p:nvSpPr>
-        <p:spPr>
-          <a:xfrm>
-            <a:off x="4794161" y="5043057"/>
-            <a:ext cx="2765737" cy="566916"/>
-          </a:xfrm>
-          <a:prstGeom prst="rect">
-            <a:avLst/>
-          </a:prstGeom>
-        </p:spPr>
-        <p:txBody>
-          <a:bodyPr vert="horz" lIns="91440" tIns="45720" rIns="91440" bIns="45720" rtlCol="0" anchor="b">
-            <a:noAutofit/>
-          </a:bodyPr>
-          <a:lstStyle>
-            <a:lvl1pPr algn="ctr" defTabSz="914400" rtl="0" eaLnBrk="1" latinLnBrk="0" hangingPunct="1">
-              <a:lnSpc>
-                <a:spcPct val="90000"/>
-              </a:lnSpc>
-              <a:spcBef>
-                <a:spcPct val="0"/>
-              </a:spcBef>
-              <a:buNone/>
-              <a:defRPr sz="6000" kern="1200">
-                <a:solidFill>
-                  <a:schemeClr val="tx1"/>
-                </a:solidFill>
-                <a:latin typeface="+mj-lt"/>
-                <a:ea typeface="+mj-ea"/>
-                <a:cs typeface="+mj-cs"/>
-              </a:defRPr>
-            </a:lvl1pPr>
-          </a:lstStyle>
-          <a:p>
-            <a:r>
-              <a:rPr lang="en-US" sz="3600" dirty="0" smtClean="0">
-                <a:latin typeface="Franklin Gothic Book" panose="020B0503020102020204" pitchFamily="34" charset="0"/>
-                <a:ea typeface="Creepster" panose="02000000000000000000" pitchFamily="2" charset="0"/>
-              </a:rPr>
-              <a:t>- Scoreboard</a:t>
-            </a:r>
-            <a:endParaRPr lang="en-US" sz="3600" dirty="0">
-              <a:latin typeface="Franklin Gothic Book" panose="020B0503020102020204" pitchFamily="34" charset="0"/>
-              <a:ea typeface="Creepster" panose="02000000000000000000" pitchFamily="2" charset="0"/>
-            </a:endParaRPr>
-          </a:p>
-        </p:txBody>
-      </p:sp>
-    </p:spTree>
-    <p:extLst>
-      <p:ext uri="{BB962C8B-B14F-4D97-AF65-F5344CB8AC3E}">
-        <p14:creationId xmlns:p14="http://schemas.microsoft.com/office/powerpoint/2010/main" val="3347938495"/>
-      </p:ext>
-    </p:extLst>
-  </p:cSld>
-  <p:clrMapOvr>
-    <a:masterClrMapping/>
-  </p:clrMapOvr>
-  <p:timing>
-    <p:tnLst>
-      <p:par>
-        <p:cTn id="1" dur="indefinite" restart="never" nodeType="tmRoot"/>
-      </p:par>
-    </p:tnLst>
-  </p:timing>
-</p:sld>
-</file>
-
-<file path=ppt/slides/slide3.xml><?xml version="1.0" encoding="utf-8"?>
-<p:sld xmlns:a="http://schemas.openxmlformats.org/drawingml/2006/main" xmlns:r="http://schemas.openxmlformats.org/officeDocument/2006/relationships" xmlns:p="http://schemas.openxmlformats.org/presentationml/2006/main">
-  <p:cSld>
     <p:spTree>
       <p:nvGrpSpPr>
         <p:cNvPr id="1" name=""/>
@@ -3483,7 +3841,7 @@
           <p:nvPr/>
         </p:nvPicPr>
         <p:blipFill>
-          <a:blip r:embed="rId2">
+          <a:blip r:embed="rId3">
             <a:extLst>
               <a:ext uri="{28A0092B-C50C-407E-A947-70E740481C1C}">
                 <a14:useLocalDpi xmlns:a14="http://schemas.microsoft.com/office/drawing/2010/main" val="0"/>
@@ -3496,18 +3854,224 @@
         </p:blipFill>
         <p:spPr>
           <a:xfrm>
-            <a:off x="0" y="0"/>
-            <a:ext cx="12192000" cy="6858000"/>
+            <a:off x="4834013" y="647113"/>
+            <a:ext cx="2940146" cy="2940146"/>
           </a:xfrm>
           <a:prstGeom prst="rect">
             <a:avLst/>
           </a:prstGeom>
+          <a:effectLst>
+            <a:glow rad="38100">
+              <a:schemeClr val="tx1">
+                <a:alpha val="40000"/>
+              </a:schemeClr>
+            </a:glow>
+            <a:outerShdw dist="215900" dir="4260000" sx="30000" sy="30000" algn="ctr" rotWithShape="0">
+              <a:srgbClr val="000000">
+                <a:alpha val="0"/>
+              </a:srgbClr>
+            </a:outerShdw>
+            <a:reflection stA="50000" endPos="22000" dir="5400000" sy="-100000" algn="bl" rotWithShape="0"/>
+            <a:softEdge rad="63500"/>
+          </a:effectLst>
         </p:spPr>
       </p:pic>
+      <p:graphicFrame>
+        <p:nvGraphicFramePr>
+          <p:cNvPr id="5" name="Table 4"/>
+          <p:cNvGraphicFramePr>
+            <a:graphicFrameLocks noGrp="1"/>
+          </p:cNvGraphicFramePr>
+          <p:nvPr>
+            <p:extLst>
+              <p:ext uri="{D42A27DB-BD31-4B8C-83A1-F6EECF244321}">
+                <p14:modId xmlns:p14="http://schemas.microsoft.com/office/powerpoint/2010/main" val="1267192597"/>
+              </p:ext>
+            </p:extLst>
+          </p:nvPr>
+        </p:nvGraphicFramePr>
+        <p:xfrm>
+          <a:off x="2327422" y="4264724"/>
+          <a:ext cx="8128000" cy="1483360"/>
+        </p:xfrm>
+        <a:graphic>
+          <a:graphicData uri="http://schemas.openxmlformats.org/drawingml/2006/table">
+            <a:tbl>
+              <a:tblPr firstRow="1" bandRow="1">
+                <a:tableStyleId>{5C22544A-7EE6-4342-B048-85BDC9FD1C3A}</a:tableStyleId>
+              </a:tblPr>
+              <a:tblGrid>
+                <a:gridCol w="8128000"/>
+              </a:tblGrid>
+              <a:tr h="370840">
+                <a:tc>
+                  <a:txBody>
+                    <a:bodyPr/>
+                    <a:lstStyle/>
+                    <a:p>
+                      <a:r>
+                        <a:rPr lang="en-US" dirty="0" err="1" smtClean="0"/>
+                        <a:t>var</a:t>
+                      </a:r>
+                      <a:r>
+                        <a:rPr lang="en-US" dirty="0" smtClean="0"/>
+                        <a:t> person</a:t>
+                      </a:r>
+                      <a:r>
+                        <a:rPr lang="en-US" baseline="0" dirty="0" smtClean="0"/>
+                        <a:t> = new Person();</a:t>
+                      </a:r>
+                      <a:endParaRPr lang="en-US" dirty="0"/>
+                    </a:p>
+                  </a:txBody>
+                  <a:tcPr>
+                    <a:solidFill>
+                      <a:schemeClr val="bg2">
+                        <a:lumMod val="75000"/>
+                      </a:schemeClr>
+                    </a:solidFill>
+                  </a:tcPr>
+                </a:tc>
+              </a:tr>
+              <a:tr h="370840">
+                <a:tc>
+                  <a:txBody>
+                    <a:bodyPr/>
+                    <a:lstStyle/>
+                    <a:p>
+                      <a:r>
+                        <a:rPr lang="en-US" dirty="0" smtClean="0"/>
+                        <a:t>person.name</a:t>
+                      </a:r>
+                      <a:r>
+                        <a:rPr lang="en-US" baseline="0" dirty="0" smtClean="0"/>
+                        <a:t> = “Elnathan”;</a:t>
+                      </a:r>
+                      <a:endParaRPr lang="en-US" dirty="0"/>
+                    </a:p>
+                  </a:txBody>
+                  <a:tcPr>
+                    <a:gradFill flip="none" rotWithShape="1">
+                      <a:gsLst>
+                        <a:gs pos="0">
+                          <a:schemeClr val="accent6">
+                            <a:lumMod val="67000"/>
+                          </a:schemeClr>
+                        </a:gs>
+                        <a:gs pos="48000">
+                          <a:schemeClr val="accent6">
+                            <a:lumMod val="97000"/>
+                            <a:lumOff val="3000"/>
+                          </a:schemeClr>
+                        </a:gs>
+                        <a:gs pos="100000">
+                          <a:schemeClr val="accent6">
+                            <a:lumMod val="60000"/>
+                            <a:lumOff val="40000"/>
+                          </a:schemeClr>
+                        </a:gs>
+                      </a:gsLst>
+                      <a:lin ang="16200000" scaled="1"/>
+                      <a:tileRect/>
+                    </a:gradFill>
+                  </a:tcPr>
+                </a:tc>
+              </a:tr>
+              <a:tr h="370840">
+                <a:tc>
+                  <a:txBody>
+                    <a:bodyPr/>
+                    <a:lstStyle/>
+                    <a:p>
+                      <a:r>
+                        <a:rPr lang="en-US" dirty="0" err="1" smtClean="0"/>
+                        <a:t>person.occupation</a:t>
+                      </a:r>
+                      <a:r>
+                        <a:rPr lang="en-US" baseline="0" dirty="0" smtClean="0"/>
+                        <a:t> = “Entrepreneur”;</a:t>
+                      </a:r>
+                      <a:endParaRPr lang="en-US" dirty="0"/>
+                    </a:p>
+                  </a:txBody>
+                  <a:tcPr>
+                    <a:gradFill flip="none" rotWithShape="1">
+                      <a:gsLst>
+                        <a:gs pos="0">
+                          <a:schemeClr val="accent6">
+                            <a:lumMod val="67000"/>
+                          </a:schemeClr>
+                        </a:gs>
+                        <a:gs pos="48000">
+                          <a:schemeClr val="accent6">
+                            <a:lumMod val="97000"/>
+                            <a:lumOff val="3000"/>
+                          </a:schemeClr>
+                        </a:gs>
+                        <a:gs pos="100000">
+                          <a:schemeClr val="accent6">
+                            <a:lumMod val="60000"/>
+                            <a:lumOff val="40000"/>
+                          </a:schemeClr>
+                        </a:gs>
+                      </a:gsLst>
+                      <a:lin ang="16200000" scaled="1"/>
+                      <a:tileRect/>
+                    </a:gradFill>
+                  </a:tcPr>
+                </a:tc>
+              </a:tr>
+              <a:tr h="370840">
+                <a:tc>
+                  <a:txBody>
+                    <a:bodyPr/>
+                    <a:lstStyle/>
+                    <a:p>
+                      <a:r>
+                        <a:rPr lang="en-US" dirty="0" err="1" smtClean="0"/>
+                        <a:t>person.hobbies</a:t>
+                      </a:r>
+                      <a:r>
+                        <a:rPr lang="en-US" baseline="0" dirty="0" smtClean="0"/>
+                        <a:t> = [“MMORPGs”, “Billiards”, “Photography”];</a:t>
+                      </a:r>
+                    </a:p>
+                  </a:txBody>
+                  <a:tcPr>
+                    <a:gradFill flip="none" rotWithShape="1">
+                      <a:gsLst>
+                        <a:gs pos="0">
+                          <a:schemeClr val="accent6">
+                            <a:lumMod val="67000"/>
+                          </a:schemeClr>
+                        </a:gs>
+                        <a:gs pos="48000">
+                          <a:schemeClr val="accent6">
+                            <a:lumMod val="97000"/>
+                            <a:lumOff val="3000"/>
+                          </a:schemeClr>
+                        </a:gs>
+                        <a:gs pos="100000">
+                          <a:schemeClr val="accent6">
+                            <a:lumMod val="60000"/>
+                            <a:lumOff val="40000"/>
+                          </a:schemeClr>
+                        </a:gs>
+                      </a:gsLst>
+                      <a:lin ang="16200000" scaled="1"/>
+                      <a:tileRect/>
+                    </a:gradFill>
+                  </a:tcPr>
+                </a:tc>
+              </a:tr>
+            </a:tbl>
+          </a:graphicData>
+        </a:graphic>
+      </p:graphicFrame>
     </p:spTree>
     <p:extLst>
       <p:ext uri="{BB962C8B-B14F-4D97-AF65-F5344CB8AC3E}">
-        <p14:creationId xmlns:p14="http://schemas.microsoft.com/office/powerpoint/2010/main" val="2792189142"/>
+        <p14:creationId xmlns:p14="http://schemas.microsoft.com/office/powerpoint/2010/main" val="3769846429"/>
       </p:ext>
     </p:extLst>
   </p:cSld>
@@ -3524,7 +4088,7 @@
 </p:sld>
 </file>
 
-<file path=ppt/slides/slide4.xml><?xml version="1.0" encoding="utf-8"?>
+<file path=ppt/slides/slide10.xml><?xml version="1.0" encoding="utf-8"?>
 <p:sld xmlns:a="http://schemas.openxmlformats.org/drawingml/2006/main" xmlns:r="http://schemas.openxmlformats.org/officeDocument/2006/relationships" xmlns:p="http://schemas.openxmlformats.org/presentationml/2006/main">
   <p:cSld>
     <p:spTree>
@@ -3543,14 +4107,338 @@
       </p:grpSpPr>
       <p:pic>
         <p:nvPicPr>
-          <p:cNvPr id="4" name="Picture 3"/>
+          <p:cNvPr id="2" name="Picture 1"/>
           <p:cNvPicPr>
             <a:picLocks noChangeAspect="1"/>
           </p:cNvPicPr>
           <p:nvPr/>
         </p:nvPicPr>
         <p:blipFill>
+          <a:blip r:embed="rId2"/>
+          <a:stretch>
+            <a:fillRect/>
+          </a:stretch>
+        </p:blipFill>
+        <p:spPr>
+          <a:xfrm>
+            <a:off x="0" y="0"/>
+            <a:ext cx="12192000" cy="6858000"/>
+          </a:xfrm>
+          <a:prstGeom prst="rect">
+            <a:avLst/>
+          </a:prstGeom>
+        </p:spPr>
+      </p:pic>
+      <p:sp>
+        <p:nvSpPr>
+          <p:cNvPr id="3" name="Title 1">
+            <a:hlinkClick r:id="rId3"/>
+          </p:cNvPr>
+          <p:cNvSpPr txBox="1">
+            <a:spLocks/>
+          </p:cNvSpPr>
+          <p:nvPr/>
+        </p:nvSpPr>
+        <p:spPr>
+          <a:xfrm>
+            <a:off x="2677553" y="1192790"/>
+            <a:ext cx="6325770" cy="1434904"/>
+          </a:xfrm>
+          <a:prstGeom prst="rect">
+            <a:avLst/>
+          </a:prstGeom>
+          <a:gradFill flip="none" rotWithShape="1">
+            <a:gsLst>
+              <a:gs pos="0">
+                <a:schemeClr val="accent2">
+                  <a:lumMod val="0"/>
+                  <a:lumOff val="100000"/>
+                </a:schemeClr>
+              </a:gs>
+              <a:gs pos="35000">
+                <a:schemeClr val="accent2">
+                  <a:lumMod val="0"/>
+                  <a:lumOff val="100000"/>
+                </a:schemeClr>
+              </a:gs>
+              <a:gs pos="100000">
+                <a:schemeClr val="accent2">
+                  <a:lumMod val="100000"/>
+                </a:schemeClr>
+              </a:gs>
+            </a:gsLst>
+            <a:path path="circle">
+              <a:fillToRect l="50000" t="-80000" r="50000" b="180000"/>
+            </a:path>
+            <a:tileRect/>
+          </a:gradFill>
+        </p:spPr>
+        <p:txBody>
+          <a:bodyPr vert="horz" lIns="91440" tIns="45720" rIns="91440" bIns="45720" rtlCol="0" anchor="ctr">
+            <a:noAutofit/>
+          </a:bodyPr>
+          <a:lstStyle>
+            <a:lvl1pPr algn="l" defTabSz="914400" rtl="0" eaLnBrk="1" latinLnBrk="0" hangingPunct="1">
+              <a:lnSpc>
+                <a:spcPct val="90000"/>
+              </a:lnSpc>
+              <a:spcBef>
+                <a:spcPct val="0"/>
+              </a:spcBef>
+              <a:buNone/>
+              <a:defRPr sz="4400" kern="1200">
+                <a:solidFill>
+                  <a:schemeClr val="tx1"/>
+                </a:solidFill>
+                <a:latin typeface="+mj-lt"/>
+                <a:ea typeface="+mj-ea"/>
+                <a:cs typeface="+mj-cs"/>
+              </a:defRPr>
+            </a:lvl1pPr>
+          </a:lstStyle>
+          <a:p>
+            <a:r>
+              <a:rPr lang="en-US" sz="8000" b="1" u="sng" dirty="0" smtClean="0">
+                <a:latin typeface="Copperplate Gothic Bold" panose="020E0705020206020404" pitchFamily="34" charset="0"/>
+                <a:ea typeface="Creepster" panose="02000000000000000000" pitchFamily="2" charset="0"/>
+              </a:rPr>
+              <a:t>Let’s play!</a:t>
+            </a:r>
+            <a:endParaRPr lang="en-US" sz="8000" b="1" u="sng" dirty="0">
+              <a:latin typeface="Copperplate Gothic Bold" panose="020E0705020206020404" pitchFamily="34" charset="0"/>
+              <a:ea typeface="Creepster" panose="02000000000000000000" pitchFamily="2" charset="0"/>
+            </a:endParaRPr>
+          </a:p>
+        </p:txBody>
+      </p:sp>
+    </p:spTree>
+    <p:extLst>
+      <p:ext uri="{BB962C8B-B14F-4D97-AF65-F5344CB8AC3E}">
+        <p14:creationId xmlns:p14="http://schemas.microsoft.com/office/powerpoint/2010/main" val="1793777468"/>
+      </p:ext>
+    </p:extLst>
+  </p:cSld>
+  <p:clrMapOvr>
+    <a:masterClrMapping/>
+  </p:clrMapOvr>
+  <p:timing>
+    <p:tnLst>
+      <p:par>
+        <p:cTn id="1" dur="indefinite" restart="never" nodeType="tmRoot">
+          <p:childTnLst>
+            <p:seq concurrent="1" nextAc="seek">
+              <p:cTn id="2" dur="indefinite" nodeType="mainSeq">
+                <p:childTnLst>
+                  <p:par>
+                    <p:cTn id="3" fill="hold">
+                      <p:stCondLst>
+                        <p:cond delay="indefinite"/>
+                      </p:stCondLst>
+                      <p:childTnLst>
+                        <p:par>
+                          <p:cTn id="4" fill="hold">
+                            <p:stCondLst>
+                              <p:cond delay="0"/>
+                            </p:stCondLst>
+                            <p:childTnLst>
+                              <p:par>
+                                <p:cTn id="5" presetID="42" presetClass="entr" presetSubtype="0" fill="hold" grpId="0" nodeType="clickEffect">
+                                  <p:stCondLst>
+                                    <p:cond delay="0"/>
+                                  </p:stCondLst>
+                                  <p:childTnLst>
+                                    <p:set>
+                                      <p:cBhvr>
+                                        <p:cTn id="6" dur="1" fill="hold">
+                                          <p:stCondLst>
+                                            <p:cond delay="0"/>
+                                          </p:stCondLst>
+                                        </p:cTn>
+                                        <p:tgtEl>
+                                          <p:spTgt spid="3"/>
+                                        </p:tgtEl>
+                                        <p:attrNameLst>
+                                          <p:attrName>style.visibility</p:attrName>
+                                        </p:attrNameLst>
+                                      </p:cBhvr>
+                                      <p:to>
+                                        <p:strVal val="visible"/>
+                                      </p:to>
+                                    </p:set>
+                                    <p:animEffect transition="in" filter="fade">
+                                      <p:cBhvr>
+                                        <p:cTn id="7" dur="1000"/>
+                                        <p:tgtEl>
+                                          <p:spTgt spid="3"/>
+                                        </p:tgtEl>
+                                      </p:cBhvr>
+                                    </p:animEffect>
+                                    <p:anim calcmode="lin" valueType="num">
+                                      <p:cBhvr>
+                                        <p:cTn id="8" dur="1000" fill="hold"/>
+                                        <p:tgtEl>
+                                          <p:spTgt spid="3"/>
+                                        </p:tgtEl>
+                                        <p:attrNameLst>
+                                          <p:attrName>ppt_x</p:attrName>
+                                        </p:attrNameLst>
+                                      </p:cBhvr>
+                                      <p:tavLst>
+                                        <p:tav tm="0">
+                                          <p:val>
+                                            <p:strVal val="#ppt_x"/>
+                                          </p:val>
+                                        </p:tav>
+                                        <p:tav tm="100000">
+                                          <p:val>
+                                            <p:strVal val="#ppt_x"/>
+                                          </p:val>
+                                        </p:tav>
+                                      </p:tavLst>
+                                    </p:anim>
+                                    <p:anim calcmode="lin" valueType="num">
+                                      <p:cBhvr>
+                                        <p:cTn id="9" dur="1000" fill="hold"/>
+                                        <p:tgtEl>
+                                          <p:spTgt spid="3"/>
+                                        </p:tgtEl>
+                                        <p:attrNameLst>
+                                          <p:attrName>ppt_y</p:attrName>
+                                        </p:attrNameLst>
+                                      </p:cBhvr>
+                                      <p:tavLst>
+                                        <p:tav tm="0">
+                                          <p:val>
+                                            <p:strVal val="#ppt_y+.1"/>
+                                          </p:val>
+                                        </p:tav>
+                                        <p:tav tm="100000">
+                                          <p:val>
+                                            <p:strVal val="#ppt_y"/>
+                                          </p:val>
+                                        </p:tav>
+                                      </p:tavLst>
+                                    </p:anim>
+                                  </p:childTnLst>
+                                </p:cTn>
+                              </p:par>
+                            </p:childTnLst>
+                          </p:cTn>
+                        </p:par>
+                      </p:childTnLst>
+                    </p:cTn>
+                  </p:par>
+                </p:childTnLst>
+              </p:cTn>
+              <p:prevCondLst>
+                <p:cond evt="onPrev" delay="0">
+                  <p:tgtEl>
+                    <p:sldTgt/>
+                  </p:tgtEl>
+                </p:cond>
+              </p:prevCondLst>
+              <p:nextCondLst>
+                <p:cond evt="onNext" delay="0">
+                  <p:tgtEl>
+                    <p:sldTgt/>
+                  </p:tgtEl>
+                </p:cond>
+              </p:nextCondLst>
+            </p:seq>
+          </p:childTnLst>
+        </p:cTn>
+      </p:par>
+    </p:tnLst>
+    <p:bldLst>
+      <p:bldP spid="3" grpId="0" animBg="1"/>
+    </p:bldLst>
+  </p:timing>
+</p:sld>
+</file>
+
+<file path=ppt/slides/slide2.xml><?xml version="1.0" encoding="utf-8"?>
+<p:sld xmlns:a="http://schemas.openxmlformats.org/drawingml/2006/main" xmlns:r="http://schemas.openxmlformats.org/officeDocument/2006/relationships" xmlns:p="http://schemas.openxmlformats.org/presentationml/2006/main" showMasterSp="0">
+  <p:cSld>
+    <p:bg>
+      <p:bgPr>
+        <a:blipFill dpi="0" rotWithShape="1">
           <a:blip r:embed="rId2">
+            <a:lum/>
+          </a:blip>
+          <a:srcRect/>
+          <a:stretch>
+            <a:fillRect t="-6000" b="-6000"/>
+          </a:stretch>
+        </a:blipFill>
+        <a:effectLst/>
+      </p:bgPr>
+    </p:bg>
+    <p:spTree>
+      <p:nvGrpSpPr>
+        <p:cNvPr id="1" name=""/>
+        <p:cNvGrpSpPr/>
+        <p:nvPr/>
+      </p:nvGrpSpPr>
+      <p:grpSpPr>
+        <a:xfrm>
+          <a:off x="0" y="0"/>
+          <a:ext cx="0" cy="0"/>
+          <a:chOff x="0" y="0"/>
+          <a:chExt cx="0" cy="0"/>
+        </a:xfrm>
+      </p:grpSpPr>
+      <p:sp>
+        <p:nvSpPr>
+          <p:cNvPr id="2" name="Title 1"/>
+          <p:cNvSpPr>
+            <a:spLocks noGrp="1"/>
+          </p:cNvSpPr>
+          <p:nvPr>
+            <p:ph type="ctrTitle"/>
+          </p:nvPr>
+        </p:nvSpPr>
+        <p:spPr>
+          <a:xfrm>
+            <a:off x="1454056" y="1026942"/>
+            <a:ext cx="9218633" cy="1758461"/>
+          </a:xfrm>
+        </p:spPr>
+        <p:txBody>
+          <a:bodyPr>
+            <a:noAutofit/>
+          </a:bodyPr>
+          <a:lstStyle/>
+          <a:p>
+            <a:r>
+              <a:rPr lang="en-US" sz="11500" b="1" dirty="0" smtClean="0">
+                <a:solidFill>
+                  <a:srgbClr val="FF0000"/>
+                </a:solidFill>
+                <a:latin typeface="Chiller" panose="04020404031007020602" pitchFamily="82" charset="0"/>
+                <a:ea typeface="Creepster" panose="02000000000000000000" pitchFamily="2" charset="0"/>
+              </a:rPr>
+              <a:t>Zombie Apocalypse</a:t>
+            </a:r>
+            <a:endParaRPr lang="en-US" sz="11500" b="1" dirty="0">
+              <a:solidFill>
+                <a:srgbClr val="FF0000"/>
+              </a:solidFill>
+              <a:latin typeface="Chiller" panose="04020404031007020602" pitchFamily="82" charset="0"/>
+              <a:ea typeface="Creepster" panose="02000000000000000000" pitchFamily="2" charset="0"/>
+            </a:endParaRPr>
+          </a:p>
+        </p:txBody>
+      </p:sp>
+      <p:pic>
+        <p:nvPicPr>
+          <p:cNvPr id="5" name="Picture 4"/>
+          <p:cNvPicPr>
+            <a:picLocks noChangeAspect="1"/>
+          </p:cNvPicPr>
+          <p:nvPr/>
+        </p:nvPicPr>
+        <p:blipFill>
+          <a:blip r:embed="rId3">
             <a:extLst>
               <a:ext uri="{28A0092B-C50C-407E-A947-70E740481C1C}">
                 <a14:useLocalDpi xmlns:a14="http://schemas.microsoft.com/office/drawing/2010/main" val="0"/>
@@ -3563,8 +4451,158 @@
         </p:blipFill>
         <p:spPr>
           <a:xfrm>
-            <a:off x="0" y="0"/>
-            <a:ext cx="12182475" cy="6858000"/>
+            <a:off x="8300314" y="4025340"/>
+            <a:ext cx="2218141" cy="2691438"/>
+          </a:xfrm>
+          <a:prstGeom prst="rect">
+            <a:avLst/>
+          </a:prstGeom>
+        </p:spPr>
+      </p:pic>
+      <p:pic>
+        <p:nvPicPr>
+          <p:cNvPr id="10" name="Picture 9"/>
+          <p:cNvPicPr>
+            <a:picLocks noChangeAspect="1"/>
+          </p:cNvPicPr>
+          <p:nvPr/>
+        </p:nvPicPr>
+        <p:blipFill>
+          <a:blip r:embed="rId3">
+            <a:extLst>
+              <a:ext uri="{28A0092B-C50C-407E-A947-70E740481C1C}">
+                <a14:useLocalDpi xmlns:a14="http://schemas.microsoft.com/office/drawing/2010/main" val="0"/>
+              </a:ext>
+            </a:extLst>
+          </a:blip>
+          <a:stretch>
+            <a:fillRect/>
+          </a:stretch>
+        </p:blipFill>
+        <p:spPr>
+          <a:xfrm>
+            <a:off x="6568711" y="4025340"/>
+            <a:ext cx="2218141" cy="2691438"/>
+          </a:xfrm>
+          <a:prstGeom prst="rect">
+            <a:avLst/>
+          </a:prstGeom>
+        </p:spPr>
+      </p:pic>
+      <p:pic>
+        <p:nvPicPr>
+          <p:cNvPr id="11" name="Picture 10"/>
+          <p:cNvPicPr>
+            <a:picLocks noChangeAspect="1"/>
+          </p:cNvPicPr>
+          <p:nvPr/>
+        </p:nvPicPr>
+        <p:blipFill>
+          <a:blip r:embed="rId3">
+            <a:extLst>
+              <a:ext uri="{28A0092B-C50C-407E-A947-70E740481C1C}">
+                <a14:useLocalDpi xmlns:a14="http://schemas.microsoft.com/office/drawing/2010/main" val="0"/>
+              </a:ext>
+            </a:extLst>
+          </a:blip>
+          <a:stretch>
+            <a:fillRect/>
+          </a:stretch>
+        </p:blipFill>
+        <p:spPr>
+          <a:xfrm>
+            <a:off x="2618967" y="4025340"/>
+            <a:ext cx="2218141" cy="2691438"/>
+          </a:xfrm>
+          <a:prstGeom prst="rect">
+            <a:avLst/>
+          </a:prstGeom>
+        </p:spPr>
+      </p:pic>
+      <p:pic>
+        <p:nvPicPr>
+          <p:cNvPr id="12" name="Picture 11"/>
+          <p:cNvPicPr>
+            <a:picLocks noChangeAspect="1"/>
+          </p:cNvPicPr>
+          <p:nvPr/>
+        </p:nvPicPr>
+        <p:blipFill>
+          <a:blip r:embed="rId3">
+            <a:extLst>
+              <a:ext uri="{28A0092B-C50C-407E-A947-70E740481C1C}">
+                <a14:useLocalDpi xmlns:a14="http://schemas.microsoft.com/office/drawing/2010/main" val="0"/>
+              </a:ext>
+            </a:extLst>
+          </a:blip>
+          <a:stretch>
+            <a:fillRect/>
+          </a:stretch>
+        </p:blipFill>
+        <p:spPr>
+          <a:xfrm>
+            <a:off x="4574525" y="4025340"/>
+            <a:ext cx="2218141" cy="2691438"/>
+          </a:xfrm>
+          <a:prstGeom prst="rect">
+            <a:avLst/>
+          </a:prstGeom>
+        </p:spPr>
+      </p:pic>
+      <p:pic>
+        <p:nvPicPr>
+          <p:cNvPr id="13" name="Picture 12"/>
+          <p:cNvPicPr>
+            <a:picLocks noChangeAspect="1"/>
+          </p:cNvPicPr>
+          <p:nvPr/>
+        </p:nvPicPr>
+        <p:blipFill>
+          <a:blip r:embed="rId3">
+            <a:extLst>
+              <a:ext uri="{28A0092B-C50C-407E-A947-70E740481C1C}">
+                <a14:useLocalDpi xmlns:a14="http://schemas.microsoft.com/office/drawing/2010/main" val="0"/>
+              </a:ext>
+            </a:extLst>
+          </a:blip>
+          <a:stretch>
+            <a:fillRect/>
+          </a:stretch>
+        </p:blipFill>
+        <p:spPr>
+          <a:xfrm>
+            <a:off x="10128604" y="4025340"/>
+            <a:ext cx="2218141" cy="2691438"/>
+          </a:xfrm>
+          <a:prstGeom prst="rect">
+            <a:avLst/>
+          </a:prstGeom>
+        </p:spPr>
+      </p:pic>
+      <p:pic>
+        <p:nvPicPr>
+          <p:cNvPr id="14" name="Picture 13"/>
+          <p:cNvPicPr>
+            <a:picLocks noChangeAspect="1"/>
+          </p:cNvPicPr>
+          <p:nvPr/>
+        </p:nvPicPr>
+        <p:blipFill>
+          <a:blip r:embed="rId4" cstate="print">
+            <a:extLst>
+              <a:ext uri="{28A0092B-C50C-407E-A947-70E740481C1C}">
+                <a14:useLocalDpi xmlns:a14="http://schemas.microsoft.com/office/drawing/2010/main" val="0"/>
+              </a:ext>
+            </a:extLst>
+          </a:blip>
+          <a:stretch>
+            <a:fillRect/>
+          </a:stretch>
+        </p:blipFill>
+        <p:spPr>
+          <a:xfrm>
+            <a:off x="0" y="4586492"/>
+            <a:ext cx="1764977" cy="2130286"/>
           </a:xfrm>
           <a:prstGeom prst="rect">
             <a:avLst/>
@@ -3574,7 +4612,7 @@
     </p:spTree>
     <p:extLst>
       <p:ext uri="{BB962C8B-B14F-4D97-AF65-F5344CB8AC3E}">
-        <p14:creationId xmlns:p14="http://schemas.microsoft.com/office/powerpoint/2010/main" val="398652352"/>
+        <p14:creationId xmlns:p14="http://schemas.microsoft.com/office/powerpoint/2010/main" val="2778996746"/>
       </p:ext>
     </p:extLst>
   </p:cSld>
@@ -3591,8 +4629,672 @@
 </p:sld>
 </file>
 
+<file path=ppt/slides/slide3.xml><?xml version="1.0" encoding="utf-8"?>
+<p:sld xmlns:a="http://schemas.openxmlformats.org/drawingml/2006/main" xmlns:r="http://schemas.openxmlformats.org/officeDocument/2006/relationships" xmlns:p="http://schemas.openxmlformats.org/presentationml/2006/main" showMasterSp="0">
+  <p:cSld>
+    <p:bg>
+      <p:bgPr>
+        <a:blipFill dpi="0" rotWithShape="1">
+          <a:blip r:embed="rId2">
+            <a:lum/>
+          </a:blip>
+          <a:srcRect/>
+          <a:stretch>
+            <a:fillRect/>
+          </a:stretch>
+        </a:blipFill>
+        <a:effectLst/>
+      </p:bgPr>
+    </p:bg>
+    <p:spTree>
+      <p:nvGrpSpPr>
+        <p:cNvPr id="1" name=""/>
+        <p:cNvGrpSpPr/>
+        <p:nvPr/>
+      </p:nvGrpSpPr>
+      <p:grpSpPr>
+        <a:xfrm>
+          <a:off x="0" y="0"/>
+          <a:ext cx="0" cy="0"/>
+          <a:chOff x="0" y="0"/>
+          <a:chExt cx="0" cy="0"/>
+        </a:xfrm>
+      </p:grpSpPr>
+      <p:sp>
+        <p:nvSpPr>
+          <p:cNvPr id="2" name="Title 1"/>
+          <p:cNvSpPr>
+            <a:spLocks noGrp="1"/>
+          </p:cNvSpPr>
+          <p:nvPr>
+            <p:ph type="ctrTitle"/>
+          </p:nvPr>
+        </p:nvSpPr>
+        <p:spPr>
+          <a:xfrm>
+            <a:off x="1783347" y="761955"/>
+            <a:ext cx="9175385" cy="1434904"/>
+          </a:xfrm>
+        </p:spPr>
+        <p:txBody>
+          <a:bodyPr>
+            <a:noAutofit/>
+          </a:bodyPr>
+          <a:lstStyle/>
+          <a:p>
+            <a:r>
+              <a:rPr lang="en-US" sz="8000" b="1" u="sng" dirty="0" smtClean="0">
+                <a:solidFill>
+                  <a:schemeClr val="tx1"/>
+                </a:solidFill>
+                <a:latin typeface="Creepster" panose="02000000000000000000" pitchFamily="2" charset="0"/>
+                <a:ea typeface="Creepster" panose="02000000000000000000" pitchFamily="2" charset="0"/>
+              </a:rPr>
+              <a:t>Objective of the game</a:t>
+            </a:r>
+            <a:endParaRPr lang="en-US" sz="8000" b="1" u="sng" dirty="0">
+              <a:solidFill>
+                <a:schemeClr val="tx1"/>
+              </a:solidFill>
+              <a:latin typeface="Creepster" panose="02000000000000000000" pitchFamily="2" charset="0"/>
+              <a:ea typeface="Creepster" panose="02000000000000000000" pitchFamily="2" charset="0"/>
+            </a:endParaRPr>
+          </a:p>
+        </p:txBody>
+      </p:sp>
+      <p:sp>
+        <p:nvSpPr>
+          <p:cNvPr id="4" name="Title 1"/>
+          <p:cNvSpPr txBox="1">
+            <a:spLocks/>
+          </p:cNvSpPr>
+          <p:nvPr/>
+        </p:nvSpPr>
+        <p:spPr>
+          <a:xfrm>
+            <a:off x="4365685" y="5052829"/>
+            <a:ext cx="1630250" cy="618431"/>
+          </a:xfrm>
+          <a:prstGeom prst="rect">
+            <a:avLst/>
+          </a:prstGeom>
+        </p:spPr>
+        <p:txBody>
+          <a:bodyPr vert="horz" lIns="91440" tIns="45720" rIns="91440" bIns="45720" rtlCol="0" anchor="b">
+            <a:noAutofit/>
+          </a:bodyPr>
+          <a:lstStyle>
+            <a:lvl1pPr algn="ctr" defTabSz="914400" rtl="0" eaLnBrk="1" latinLnBrk="0" hangingPunct="1">
+              <a:lnSpc>
+                <a:spcPct val="90000"/>
+              </a:lnSpc>
+              <a:spcBef>
+                <a:spcPct val="0"/>
+              </a:spcBef>
+              <a:buNone/>
+              <a:defRPr sz="6000" kern="1200">
+                <a:solidFill>
+                  <a:schemeClr val="tx1"/>
+                </a:solidFill>
+                <a:latin typeface="+mj-lt"/>
+                <a:ea typeface="+mj-ea"/>
+                <a:cs typeface="+mj-cs"/>
+              </a:defRPr>
+            </a:lvl1pPr>
+          </a:lstStyle>
+          <a:p>
+            <a:endParaRPr lang="en-US" sz="3600" dirty="0" smtClean="0">
+              <a:latin typeface="Franklin Gothic Book" panose="020B0503020102020204" pitchFamily="34" charset="0"/>
+              <a:ea typeface="Creepster" panose="02000000000000000000" pitchFamily="2" charset="0"/>
+            </a:endParaRPr>
+          </a:p>
+        </p:txBody>
+      </p:sp>
+      <p:pic>
+        <p:nvPicPr>
+          <p:cNvPr id="16" name="Picture 15"/>
+          <p:cNvPicPr>
+            <a:picLocks noChangeAspect="1"/>
+          </p:cNvPicPr>
+          <p:nvPr/>
+        </p:nvPicPr>
+        <p:blipFill>
+          <a:blip r:embed="rId3" cstate="print">
+            <a:extLst>
+              <a:ext uri="{28A0092B-C50C-407E-A947-70E740481C1C}">
+                <a14:useLocalDpi xmlns:a14="http://schemas.microsoft.com/office/drawing/2010/main" val="0"/>
+              </a:ext>
+            </a:extLst>
+          </a:blip>
+          <a:stretch>
+            <a:fillRect/>
+          </a:stretch>
+        </p:blipFill>
+        <p:spPr>
+          <a:xfrm>
+            <a:off x="2683817" y="2880910"/>
+            <a:ext cx="1744124" cy="2105117"/>
+          </a:xfrm>
+          <a:prstGeom prst="rect">
+            <a:avLst/>
+          </a:prstGeom>
+        </p:spPr>
+      </p:pic>
+      <p:pic>
+        <p:nvPicPr>
+          <p:cNvPr id="17" name="Picture 16"/>
+          <p:cNvPicPr>
+            <a:picLocks noChangeAspect="1"/>
+          </p:cNvPicPr>
+          <p:nvPr/>
+        </p:nvPicPr>
+        <p:blipFill>
+          <a:blip r:embed="rId4" cstate="print">
+            <a:extLst>
+              <a:ext uri="{28A0092B-C50C-407E-A947-70E740481C1C}">
+                <a14:useLocalDpi xmlns:a14="http://schemas.microsoft.com/office/drawing/2010/main" val="0"/>
+              </a:ext>
+            </a:extLst>
+          </a:blip>
+          <a:stretch>
+            <a:fillRect/>
+          </a:stretch>
+        </p:blipFill>
+        <p:spPr>
+          <a:xfrm>
+            <a:off x="3888545" y="2947712"/>
+            <a:ext cx="1744124" cy="2105117"/>
+          </a:xfrm>
+          <a:prstGeom prst="rect">
+            <a:avLst/>
+          </a:prstGeom>
+        </p:spPr>
+      </p:pic>
+      <p:pic>
+        <p:nvPicPr>
+          <p:cNvPr id="18" name="Picture 17"/>
+          <p:cNvPicPr>
+            <a:picLocks noChangeAspect="1"/>
+          </p:cNvPicPr>
+          <p:nvPr/>
+        </p:nvPicPr>
+        <p:blipFill>
+          <a:blip r:embed="rId5" cstate="print">
+            <a:extLst>
+              <a:ext uri="{28A0092B-C50C-407E-A947-70E740481C1C}">
+                <a14:useLocalDpi xmlns:a14="http://schemas.microsoft.com/office/drawing/2010/main" val="0"/>
+              </a:ext>
+            </a:extLst>
+          </a:blip>
+          <a:stretch>
+            <a:fillRect/>
+          </a:stretch>
+        </p:blipFill>
+        <p:spPr>
+          <a:xfrm>
+            <a:off x="5180810" y="3010431"/>
+            <a:ext cx="1747507" cy="2109200"/>
+          </a:xfrm>
+          <a:prstGeom prst="rect">
+            <a:avLst/>
+          </a:prstGeom>
+        </p:spPr>
+      </p:pic>
+      <p:pic>
+        <p:nvPicPr>
+          <p:cNvPr id="19" name="Picture 18"/>
+          <p:cNvPicPr>
+            <a:picLocks noChangeAspect="1"/>
+          </p:cNvPicPr>
+          <p:nvPr/>
+        </p:nvPicPr>
+        <p:blipFill>
+          <a:blip r:embed="rId6" cstate="print">
+            <a:extLst>
+              <a:ext uri="{28A0092B-C50C-407E-A947-70E740481C1C}">
+                <a14:useLocalDpi xmlns:a14="http://schemas.microsoft.com/office/drawing/2010/main" val="0"/>
+              </a:ext>
+            </a:extLst>
+          </a:blip>
+          <a:stretch>
+            <a:fillRect/>
+          </a:stretch>
+        </p:blipFill>
+        <p:spPr>
+          <a:xfrm>
+            <a:off x="6473075" y="3010431"/>
+            <a:ext cx="1747507" cy="2109200"/>
+          </a:xfrm>
+          <a:prstGeom prst="rect">
+            <a:avLst/>
+          </a:prstGeom>
+        </p:spPr>
+      </p:pic>
+      <p:pic>
+        <p:nvPicPr>
+          <p:cNvPr id="20" name="Picture 19"/>
+          <p:cNvPicPr>
+            <a:picLocks noChangeAspect="1"/>
+          </p:cNvPicPr>
+          <p:nvPr/>
+        </p:nvPicPr>
+        <p:blipFill>
+          <a:blip r:embed="rId7" cstate="print">
+            <a:extLst>
+              <a:ext uri="{28A0092B-C50C-407E-A947-70E740481C1C}">
+                <a14:useLocalDpi xmlns:a14="http://schemas.microsoft.com/office/drawing/2010/main" val="0"/>
+              </a:ext>
+            </a:extLst>
+          </a:blip>
+          <a:stretch>
+            <a:fillRect/>
+          </a:stretch>
+        </p:blipFill>
+        <p:spPr>
+          <a:xfrm>
+            <a:off x="7823968" y="3010431"/>
+            <a:ext cx="1747507" cy="2109200"/>
+          </a:xfrm>
+          <a:prstGeom prst="rect">
+            <a:avLst/>
+          </a:prstGeom>
+        </p:spPr>
+      </p:pic>
+    </p:spTree>
+    <p:extLst>
+      <p:ext uri="{BB962C8B-B14F-4D97-AF65-F5344CB8AC3E}">
+        <p14:creationId xmlns:p14="http://schemas.microsoft.com/office/powerpoint/2010/main" val="3347938495"/>
+      </p:ext>
+    </p:extLst>
+  </p:cSld>
+  <p:clrMapOvr>
+    <a:masterClrMapping/>
+  </p:clrMapOvr>
+  <p:timing>
+    <p:tnLst>
+      <p:par>
+        <p:cTn id="1" dur="indefinite" restart="never" nodeType="tmRoot"/>
+      </p:par>
+    </p:tnLst>
+  </p:timing>
+</p:sld>
+</file>
+
+<file path=ppt/slides/slide4.xml><?xml version="1.0" encoding="utf-8"?>
+<p:sld xmlns:a="http://schemas.openxmlformats.org/drawingml/2006/main" xmlns:r="http://schemas.openxmlformats.org/officeDocument/2006/relationships" xmlns:p="http://schemas.openxmlformats.org/presentationml/2006/main" showMasterSp="0">
+  <p:cSld>
+    <p:bg>
+      <p:bgPr>
+        <a:blipFill dpi="0" rotWithShape="1">
+          <a:blip r:embed="rId2">
+            <a:lum/>
+          </a:blip>
+          <a:srcRect/>
+          <a:stretch>
+            <a:fillRect l="-1000" r="-1000"/>
+          </a:stretch>
+        </a:blipFill>
+        <a:effectLst/>
+      </p:bgPr>
+    </p:bg>
+    <p:spTree>
+      <p:nvGrpSpPr>
+        <p:cNvPr id="1" name=""/>
+        <p:cNvGrpSpPr/>
+        <p:nvPr/>
+      </p:nvGrpSpPr>
+      <p:grpSpPr>
+        <a:xfrm>
+          <a:off x="0" y="0"/>
+          <a:ext cx="0" cy="0"/>
+          <a:chOff x="0" y="0"/>
+          <a:chExt cx="0" cy="0"/>
+        </a:xfrm>
+      </p:grpSpPr>
+      <p:sp>
+        <p:nvSpPr>
+          <p:cNvPr id="4" name="Title 1"/>
+          <p:cNvSpPr txBox="1">
+            <a:spLocks/>
+          </p:cNvSpPr>
+          <p:nvPr/>
+        </p:nvSpPr>
+        <p:spPr>
+          <a:xfrm>
+            <a:off x="4794161" y="2388542"/>
+            <a:ext cx="1630250" cy="618431"/>
+          </a:xfrm>
+          <a:prstGeom prst="rect">
+            <a:avLst/>
+          </a:prstGeom>
+        </p:spPr>
+        <p:txBody>
+          <a:bodyPr vert="horz" lIns="91440" tIns="45720" rIns="91440" bIns="45720" rtlCol="0" anchor="b">
+            <a:noAutofit/>
+          </a:bodyPr>
+          <a:lstStyle>
+            <a:lvl1pPr algn="ctr" defTabSz="914400" rtl="0" eaLnBrk="1" latinLnBrk="0" hangingPunct="1">
+              <a:lnSpc>
+                <a:spcPct val="90000"/>
+              </a:lnSpc>
+              <a:spcBef>
+                <a:spcPct val="0"/>
+              </a:spcBef>
+              <a:buNone/>
+              <a:defRPr sz="6000" kern="1200">
+                <a:solidFill>
+                  <a:schemeClr val="tx1"/>
+                </a:solidFill>
+                <a:latin typeface="+mj-lt"/>
+                <a:ea typeface="+mj-ea"/>
+                <a:cs typeface="+mj-cs"/>
+              </a:defRPr>
+            </a:lvl1pPr>
+          </a:lstStyle>
+          <a:p>
+            <a:endParaRPr lang="en-US" sz="3600" dirty="0" smtClean="0">
+              <a:latin typeface="Franklin Gothic Book" panose="020B0503020102020204" pitchFamily="34" charset="0"/>
+              <a:ea typeface="Creepster" panose="02000000000000000000" pitchFamily="2" charset="0"/>
+            </a:endParaRPr>
+          </a:p>
+        </p:txBody>
+      </p:sp>
+      <p:sp>
+        <p:nvSpPr>
+          <p:cNvPr id="3" name="Oval 2"/>
+          <p:cNvSpPr/>
+          <p:nvPr/>
+        </p:nvSpPr>
+        <p:spPr>
+          <a:xfrm>
+            <a:off x="11549575" y="2050643"/>
+            <a:ext cx="642425" cy="647114"/>
+          </a:xfrm>
+          <a:prstGeom prst="ellipse">
+            <a:avLst/>
+          </a:prstGeom>
+          <a:solidFill>
+            <a:schemeClr val="accent1">
+              <a:alpha val="0"/>
+            </a:schemeClr>
+          </a:solidFill>
+          <a:ln w="44450">
+            <a:solidFill>
+              <a:srgbClr val="FF0000"/>
+            </a:solidFill>
+          </a:ln>
+          <a:effectLst>
+            <a:outerShdw blurRad="50800" dist="50800" dir="5400000" sx="1000" sy="1000" algn="ctr" rotWithShape="0">
+              <a:schemeClr val="tx1">
+                <a:alpha val="43000"/>
+              </a:schemeClr>
+            </a:outerShdw>
+            <a:softEdge rad="0"/>
+          </a:effectLst>
+        </p:spPr>
+        <p:style>
+          <a:lnRef idx="2">
+            <a:schemeClr val="accent1">
+              <a:shade val="50000"/>
+            </a:schemeClr>
+          </a:lnRef>
+          <a:fillRef idx="1">
+            <a:schemeClr val="accent1"/>
+          </a:fillRef>
+          <a:effectRef idx="0">
+            <a:schemeClr val="accent1"/>
+          </a:effectRef>
+          <a:fontRef idx="minor">
+            <a:schemeClr val="lt1"/>
+          </a:fontRef>
+        </p:style>
+        <p:txBody>
+          <a:bodyPr rtlCol="0" anchor="ctr"/>
+          <a:lstStyle/>
+          <a:p>
+            <a:pPr algn="ctr"/>
+            <a:endParaRPr lang="en-US"/>
+          </a:p>
+        </p:txBody>
+      </p:sp>
+      <p:sp>
+        <p:nvSpPr>
+          <p:cNvPr id="7" name="Title 1"/>
+          <p:cNvSpPr>
+            <a:spLocks noGrp="1"/>
+          </p:cNvSpPr>
+          <p:nvPr>
+            <p:ph type="ctrTitle"/>
+          </p:nvPr>
+        </p:nvSpPr>
+        <p:spPr>
+          <a:xfrm>
+            <a:off x="2112499" y="-213980"/>
+            <a:ext cx="8002172" cy="1434904"/>
+          </a:xfrm>
+          <a:noFill/>
+        </p:spPr>
+        <p:txBody>
+          <a:bodyPr>
+            <a:noAutofit/>
+          </a:bodyPr>
+          <a:lstStyle/>
+          <a:p>
+            <a:r>
+              <a:rPr lang="en-US" sz="8000" b="1" u="sng" dirty="0" smtClean="0">
+                <a:latin typeface="Copperplate Gothic Bold" panose="020E0705020206020404" pitchFamily="34" charset="0"/>
+                <a:ea typeface="Creepster" panose="02000000000000000000" pitchFamily="2" charset="0"/>
+              </a:rPr>
+              <a:t>Why zombies?</a:t>
+            </a:r>
+            <a:endParaRPr lang="en-US" sz="8000" b="1" u="sng" dirty="0">
+              <a:latin typeface="Copperplate Gothic Bold" panose="020E0705020206020404" pitchFamily="34" charset="0"/>
+              <a:ea typeface="Creepster" panose="02000000000000000000" pitchFamily="2" charset="0"/>
+            </a:endParaRPr>
+          </a:p>
+        </p:txBody>
+      </p:sp>
+    </p:spTree>
+    <p:extLst>
+      <p:ext uri="{BB962C8B-B14F-4D97-AF65-F5344CB8AC3E}">
+        <p14:creationId xmlns:p14="http://schemas.microsoft.com/office/powerpoint/2010/main" val="3368241952"/>
+      </p:ext>
+    </p:extLst>
+  </p:cSld>
+  <p:clrMapOvr>
+    <a:masterClrMapping/>
+  </p:clrMapOvr>
+  <p:timing>
+    <p:tnLst>
+      <p:par>
+        <p:cTn id="1" dur="indefinite" restart="never" nodeType="tmRoot">
+          <p:childTnLst>
+            <p:seq concurrent="1" nextAc="seek">
+              <p:cTn id="2" dur="indefinite" nodeType="mainSeq">
+                <p:childTnLst>
+                  <p:par>
+                    <p:cTn id="3" fill="hold">
+                      <p:stCondLst>
+                        <p:cond delay="indefinite"/>
+                      </p:stCondLst>
+                      <p:childTnLst>
+                        <p:par>
+                          <p:cTn id="4" fill="hold">
+                            <p:stCondLst>
+                              <p:cond delay="0"/>
+                            </p:stCondLst>
+                            <p:childTnLst>
+                              <p:par>
+                                <p:cTn id="5" presetID="42" presetClass="entr" presetSubtype="0" fill="hold" grpId="0" nodeType="clickEffect">
+                                  <p:stCondLst>
+                                    <p:cond delay="0"/>
+                                  </p:stCondLst>
+                                  <p:childTnLst>
+                                    <p:set>
+                                      <p:cBhvr>
+                                        <p:cTn id="6" dur="1" fill="hold">
+                                          <p:stCondLst>
+                                            <p:cond delay="0"/>
+                                          </p:stCondLst>
+                                        </p:cTn>
+                                        <p:tgtEl>
+                                          <p:spTgt spid="7"/>
+                                        </p:tgtEl>
+                                        <p:attrNameLst>
+                                          <p:attrName>style.visibility</p:attrName>
+                                        </p:attrNameLst>
+                                      </p:cBhvr>
+                                      <p:to>
+                                        <p:strVal val="visible"/>
+                                      </p:to>
+                                    </p:set>
+                                    <p:animEffect transition="in" filter="fade">
+                                      <p:cBhvr>
+                                        <p:cTn id="7" dur="1000"/>
+                                        <p:tgtEl>
+                                          <p:spTgt spid="7"/>
+                                        </p:tgtEl>
+                                      </p:cBhvr>
+                                    </p:animEffect>
+                                    <p:anim calcmode="lin" valueType="num">
+                                      <p:cBhvr>
+                                        <p:cTn id="8" dur="1000" fill="hold"/>
+                                        <p:tgtEl>
+                                          <p:spTgt spid="7"/>
+                                        </p:tgtEl>
+                                        <p:attrNameLst>
+                                          <p:attrName>ppt_x</p:attrName>
+                                        </p:attrNameLst>
+                                      </p:cBhvr>
+                                      <p:tavLst>
+                                        <p:tav tm="0">
+                                          <p:val>
+                                            <p:strVal val="#ppt_x"/>
+                                          </p:val>
+                                        </p:tav>
+                                        <p:tav tm="100000">
+                                          <p:val>
+                                            <p:strVal val="#ppt_x"/>
+                                          </p:val>
+                                        </p:tav>
+                                      </p:tavLst>
+                                    </p:anim>
+                                    <p:anim calcmode="lin" valueType="num">
+                                      <p:cBhvr>
+                                        <p:cTn id="9" dur="1000" fill="hold"/>
+                                        <p:tgtEl>
+                                          <p:spTgt spid="7"/>
+                                        </p:tgtEl>
+                                        <p:attrNameLst>
+                                          <p:attrName>ppt_y</p:attrName>
+                                        </p:attrNameLst>
+                                      </p:cBhvr>
+                                      <p:tavLst>
+                                        <p:tav tm="0">
+                                          <p:val>
+                                            <p:strVal val="#ppt_y+.1"/>
+                                          </p:val>
+                                        </p:tav>
+                                        <p:tav tm="100000">
+                                          <p:val>
+                                            <p:strVal val="#ppt_y"/>
+                                          </p:val>
+                                        </p:tav>
+                                      </p:tavLst>
+                                    </p:anim>
+                                  </p:childTnLst>
+                                </p:cTn>
+                              </p:par>
+                            </p:childTnLst>
+                          </p:cTn>
+                        </p:par>
+                      </p:childTnLst>
+                    </p:cTn>
+                  </p:par>
+                  <p:par>
+                    <p:cTn id="10" fill="hold">
+                      <p:stCondLst>
+                        <p:cond delay="indefinite"/>
+                      </p:stCondLst>
+                      <p:childTnLst>
+                        <p:par>
+                          <p:cTn id="11" fill="hold">
+                            <p:stCondLst>
+                              <p:cond delay="0"/>
+                            </p:stCondLst>
+                            <p:childTnLst>
+                              <p:par>
+                                <p:cTn id="12" presetID="16" presetClass="entr" presetSubtype="21" fill="hold" grpId="0" nodeType="clickEffect">
+                                  <p:stCondLst>
+                                    <p:cond delay="0"/>
+                                  </p:stCondLst>
+                                  <p:childTnLst>
+                                    <p:set>
+                                      <p:cBhvr>
+                                        <p:cTn id="13" dur="1" fill="hold">
+                                          <p:stCondLst>
+                                            <p:cond delay="0"/>
+                                          </p:stCondLst>
+                                        </p:cTn>
+                                        <p:tgtEl>
+                                          <p:spTgt spid="3"/>
+                                        </p:tgtEl>
+                                        <p:attrNameLst>
+                                          <p:attrName>style.visibility</p:attrName>
+                                        </p:attrNameLst>
+                                      </p:cBhvr>
+                                      <p:to>
+                                        <p:strVal val="visible"/>
+                                      </p:to>
+                                    </p:set>
+                                    <p:animEffect transition="in" filter="barn(inVertical)">
+                                      <p:cBhvr>
+                                        <p:cTn id="14" dur="500"/>
+                                        <p:tgtEl>
+                                          <p:spTgt spid="3"/>
+                                        </p:tgtEl>
+                                      </p:cBhvr>
+                                    </p:animEffect>
+                                  </p:childTnLst>
+                                </p:cTn>
+                              </p:par>
+                            </p:childTnLst>
+                          </p:cTn>
+                        </p:par>
+                      </p:childTnLst>
+                    </p:cTn>
+                  </p:par>
+                </p:childTnLst>
+              </p:cTn>
+              <p:prevCondLst>
+                <p:cond evt="onPrev" delay="0">
+                  <p:tgtEl>
+                    <p:sldTgt/>
+                  </p:tgtEl>
+                </p:cond>
+              </p:prevCondLst>
+              <p:nextCondLst>
+                <p:cond evt="onNext" delay="0">
+                  <p:tgtEl>
+                    <p:sldTgt/>
+                  </p:tgtEl>
+                </p:cond>
+              </p:nextCondLst>
+            </p:seq>
+          </p:childTnLst>
+        </p:cTn>
+      </p:par>
+    </p:tnLst>
+    <p:bldLst>
+      <p:bldP spid="3" grpId="0" animBg="1"/>
+      <p:bldP spid="7" grpId="0"/>
+    </p:bldLst>
+  </p:timing>
+</p:sld>
+</file>
+
 <file path=ppt/slides/slide5.xml><?xml version="1.0" encoding="utf-8"?>
-<p:sld xmlns:a="http://schemas.openxmlformats.org/drawingml/2006/main" xmlns:r="http://schemas.openxmlformats.org/officeDocument/2006/relationships" xmlns:p="http://schemas.openxmlformats.org/presentationml/2006/main">
+<p:sld xmlns:a="http://schemas.openxmlformats.org/drawingml/2006/main" xmlns:r="http://schemas.openxmlformats.org/officeDocument/2006/relationships" xmlns:p="http://schemas.openxmlformats.org/presentationml/2006/main" showMasterSp="0">
   <p:cSld>
     <p:spTree>
       <p:nvGrpSpPr>
@@ -3630,18 +5332,110 @@
         </p:blipFill>
         <p:spPr>
           <a:xfrm>
-            <a:off x="9525" y="0"/>
-            <a:ext cx="12172950" cy="6858000"/>
+            <a:off x="0" y="-17585"/>
+            <a:ext cx="12192000" cy="6875585"/>
           </a:xfrm>
           <a:prstGeom prst="rect">
             <a:avLst/>
           </a:prstGeom>
         </p:spPr>
       </p:pic>
+      <p:sp>
+        <p:nvSpPr>
+          <p:cNvPr id="3" name="Oval 2"/>
+          <p:cNvSpPr/>
+          <p:nvPr/>
+        </p:nvSpPr>
+        <p:spPr>
+          <a:xfrm>
+            <a:off x="2433711" y="2700997"/>
+            <a:ext cx="1899138" cy="1871003"/>
+          </a:xfrm>
+          <a:prstGeom prst="ellipse">
+            <a:avLst/>
+          </a:prstGeom>
+          <a:noFill/>
+          <a:ln w="50800">
+            <a:solidFill>
+              <a:srgbClr val="FFFF00"/>
+            </a:solidFill>
+          </a:ln>
+        </p:spPr>
+        <p:style>
+          <a:lnRef idx="2">
+            <a:schemeClr val="accent1">
+              <a:shade val="50000"/>
+            </a:schemeClr>
+          </a:lnRef>
+          <a:fillRef idx="1">
+            <a:schemeClr val="accent1"/>
+          </a:fillRef>
+          <a:effectRef idx="0">
+            <a:schemeClr val="accent1"/>
+          </a:effectRef>
+          <a:fontRef idx="minor">
+            <a:schemeClr val="lt1"/>
+          </a:fontRef>
+        </p:style>
+        <p:txBody>
+          <a:bodyPr rtlCol="0" anchor="ctr"/>
+          <a:lstStyle/>
+          <a:p>
+            <a:pPr algn="ctr"/>
+            <a:endParaRPr lang="en-US"/>
+          </a:p>
+        </p:txBody>
+      </p:sp>
+      <p:sp>
+        <p:nvSpPr>
+          <p:cNvPr id="5" name="Oval 4"/>
+          <p:cNvSpPr/>
+          <p:nvPr/>
+        </p:nvSpPr>
+        <p:spPr>
+          <a:xfrm>
+            <a:off x="3628292" y="5542671"/>
+            <a:ext cx="1409114" cy="1491176"/>
+          </a:xfrm>
+          <a:prstGeom prst="ellipse">
+            <a:avLst/>
+          </a:prstGeom>
+          <a:noFill/>
+          <a:ln w="50800">
+            <a:solidFill>
+              <a:srgbClr val="FFFF00"/>
+            </a:solidFill>
+          </a:ln>
+        </p:spPr>
+        <p:style>
+          <a:lnRef idx="2">
+            <a:schemeClr val="accent1">
+              <a:shade val="50000"/>
+            </a:schemeClr>
+          </a:lnRef>
+          <a:fillRef idx="1">
+            <a:schemeClr val="accent1"/>
+          </a:fillRef>
+          <a:effectRef idx="0">
+            <a:schemeClr val="accent1"/>
+          </a:effectRef>
+          <a:fontRef idx="minor">
+            <a:schemeClr val="lt1"/>
+          </a:fontRef>
+        </p:style>
+        <p:txBody>
+          <a:bodyPr rtlCol="0" anchor="ctr"/>
+          <a:lstStyle/>
+          <a:p>
+            <a:pPr algn="ctr"/>
+            <a:endParaRPr lang="en-US"/>
+          </a:p>
+        </p:txBody>
+      </p:sp>
     </p:spTree>
     <p:extLst>
       <p:ext uri="{BB962C8B-B14F-4D97-AF65-F5344CB8AC3E}">
-        <p14:creationId xmlns:p14="http://schemas.microsoft.com/office/powerpoint/2010/main" val="1938699827"/>
+        <p14:creationId xmlns:p14="http://schemas.microsoft.com/office/powerpoint/2010/main" val="398652352"/>
       </p:ext>
     </p:extLst>
   </p:cSld>
@@ -3651,9 +5445,142 @@
   <p:timing>
     <p:tnLst>
       <p:par>
-        <p:cTn id="1" dur="indefinite" restart="never" nodeType="tmRoot"/>
+        <p:cTn id="1" dur="indefinite" restart="never" nodeType="tmRoot">
+          <p:childTnLst>
+            <p:seq concurrent="1" nextAc="seek">
+              <p:cTn id="2" dur="indefinite" nodeType="mainSeq">
+                <p:childTnLst>
+                  <p:par>
+                    <p:cTn id="3" fill="hold">
+                      <p:stCondLst>
+                        <p:cond delay="indefinite"/>
+                      </p:stCondLst>
+                      <p:childTnLst>
+                        <p:par>
+                          <p:cTn id="4" fill="hold">
+                            <p:stCondLst>
+                              <p:cond delay="0"/>
+                            </p:stCondLst>
+                            <p:childTnLst>
+                              <p:par>
+                                <p:cTn id="5" presetID="21" presetClass="entr" presetSubtype="1" fill="hold" grpId="0" nodeType="clickEffect">
+                                  <p:stCondLst>
+                                    <p:cond delay="0"/>
+                                  </p:stCondLst>
+                                  <p:childTnLst>
+                                    <p:set>
+                                      <p:cBhvr>
+                                        <p:cTn id="6" dur="1" fill="hold">
+                                          <p:stCondLst>
+                                            <p:cond delay="0"/>
+                                          </p:stCondLst>
+                                        </p:cTn>
+                                        <p:tgtEl>
+                                          <p:spTgt spid="3"/>
+                                        </p:tgtEl>
+                                        <p:attrNameLst>
+                                          <p:attrName>style.visibility</p:attrName>
+                                        </p:attrNameLst>
+                                      </p:cBhvr>
+                                      <p:to>
+                                        <p:strVal val="visible"/>
+                                      </p:to>
+                                    </p:set>
+                                    <p:animEffect transition="in" filter="wheel(1)">
+                                      <p:cBhvr>
+                                        <p:cTn id="7" dur="2000"/>
+                                        <p:tgtEl>
+                                          <p:spTgt spid="3"/>
+                                        </p:tgtEl>
+                                      </p:cBhvr>
+                                    </p:animEffect>
+                                  </p:childTnLst>
+                                </p:cTn>
+                              </p:par>
+                            </p:childTnLst>
+                          </p:cTn>
+                        </p:par>
+                      </p:childTnLst>
+                    </p:cTn>
+                  </p:par>
+                  <p:par>
+                    <p:cTn id="8" fill="hold">
+                      <p:stCondLst>
+                        <p:cond delay="indefinite"/>
+                      </p:stCondLst>
+                      <p:childTnLst>
+                        <p:par>
+                          <p:cTn id="9" fill="hold">
+                            <p:stCondLst>
+                              <p:cond delay="0"/>
+                            </p:stCondLst>
+                            <p:childTnLst>
+                              <p:par>
+                                <p:cTn id="10" presetID="21" presetClass="entr" presetSubtype="1" fill="hold" grpId="0" nodeType="clickEffect">
+                                  <p:stCondLst>
+                                    <p:cond delay="0"/>
+                                  </p:stCondLst>
+                                  <p:childTnLst>
+                                    <p:set>
+                                      <p:cBhvr>
+                                        <p:cTn id="11" dur="1" fill="hold">
+                                          <p:stCondLst>
+                                            <p:cond delay="0"/>
+                                          </p:stCondLst>
+                                        </p:cTn>
+                                        <p:tgtEl>
+                                          <p:spTgt spid="5"/>
+                                        </p:tgtEl>
+                                        <p:attrNameLst>
+                                          <p:attrName>style.visibility</p:attrName>
+                                        </p:attrNameLst>
+                                      </p:cBhvr>
+                                      <p:to>
+                                        <p:strVal val="visible"/>
+                                      </p:to>
+                                    </p:set>
+                                    <p:animEffect transition="in" filter="wheel(1)">
+                                      <p:cBhvr>
+                                        <p:cTn id="12" dur="2000"/>
+                                        <p:tgtEl>
+                                          <p:spTgt spid="5"/>
+                                        </p:tgtEl>
+                                      </p:cBhvr>
+                                    </p:animEffect>
+                                  </p:childTnLst>
+                                </p:cTn>
+                              </p:par>
+                            </p:childTnLst>
+                          </p:cTn>
+                        </p:par>
+                      </p:childTnLst>
+                    </p:cTn>
+                  </p:par>
+                </p:childTnLst>
+              </p:cTn>
+              <p:prevCondLst>
+                <p:cond evt="onPrev" delay="0">
+                  <p:tgtEl>
+                    <p:sldTgt/>
+                  </p:tgtEl>
+                </p:cond>
+              </p:prevCondLst>
+              <p:nextCondLst>
+                <p:cond evt="onNext" delay="0">
+                  <p:tgtEl>
+                    <p:sldTgt/>
+                  </p:tgtEl>
+                </p:cond>
+              </p:nextCondLst>
+            </p:seq>
+          </p:childTnLst>
+        </p:cTn>
       </p:par>
     </p:tnLst>
+    <p:bldLst>
+      <p:bldP spid="3" grpId="0" animBg="1"/>
+      <p:bldP spid="5" grpId="0" animBg="1"/>
+    </p:bldLst>
   </p:timing>
 </p:sld>
 </file>
@@ -3661,6 +5588,36 @@
 <file path=ppt/slides/slide6.xml><?xml version="1.0" encoding="utf-8"?>
 <p:sld xmlns:a="http://schemas.openxmlformats.org/drawingml/2006/main" xmlns:r="http://schemas.openxmlformats.org/officeDocument/2006/relationships" xmlns:p="http://schemas.openxmlformats.org/presentationml/2006/main">
   <p:cSld>
+    <p:bg>
+      <p:bgPr>
+        <a:gradFill flip="none" rotWithShape="1">
+          <a:gsLst>
+            <a:gs pos="0">
+              <a:schemeClr val="accent5">
+                <a:lumMod val="0"/>
+                <a:lumOff val="100000"/>
+              </a:schemeClr>
+            </a:gs>
+            <a:gs pos="35000">
+              <a:schemeClr val="accent5">
+                <a:lumMod val="0"/>
+                <a:lumOff val="100000"/>
+              </a:schemeClr>
+            </a:gs>
+            <a:gs pos="100000">
+              <a:schemeClr val="accent5">
+                <a:lumMod val="100000"/>
+              </a:schemeClr>
+            </a:gs>
+          </a:gsLst>
+          <a:path path="circle">
+            <a:fillToRect l="50000" t="-80000" r="50000" b="180000"/>
+          </a:path>
+          <a:tileRect/>
+        </a:gradFill>
+        <a:effectLst/>
+      </p:bgPr>
+    </p:bg>
     <p:spTree>
       <p:nvGrpSpPr>
         <p:cNvPr id="1" name=""/>
@@ -3675,40 +5632,226 @@
           <a:chExt cx="0" cy="0"/>
         </a:xfrm>
       </p:grpSpPr>
-      <p:pic>
-        <p:nvPicPr>
-          <p:cNvPr id="2" name="Picture 1"/>
-          <p:cNvPicPr>
-            <a:picLocks noChangeAspect="1"/>
-          </p:cNvPicPr>
+      <p:sp>
+        <p:nvSpPr>
+          <p:cNvPr id="2" name="Title 1"/>
+          <p:cNvSpPr txBox="1">
+            <a:spLocks/>
+          </p:cNvSpPr>
           <p:nvPr/>
-        </p:nvPicPr>
-        <p:blipFill>
-          <a:blip r:embed="rId2">
-            <a:extLst>
-              <a:ext uri="{28A0092B-C50C-407E-A947-70E740481C1C}">
-                <a14:useLocalDpi xmlns:a14="http://schemas.microsoft.com/office/drawing/2010/main" val="0"/>
-              </a:ext>
-            </a:extLst>
-          </a:blip>
-          <a:stretch>
-            <a:fillRect/>
-          </a:stretch>
-        </p:blipFill>
-        <p:spPr>
-          <a:xfrm>
-            <a:off x="9525" y="0"/>
-            <a:ext cx="12172950" cy="6858000"/>
+        </p:nvSpPr>
+        <p:spPr>
+          <a:xfrm>
+            <a:off x="1012874" y="559742"/>
+            <a:ext cx="10396025" cy="1434904"/>
           </a:xfrm>
           <a:prstGeom prst="rect">
             <a:avLst/>
           </a:prstGeom>
-        </p:spPr>
-      </p:pic>
+          <a:noFill/>
+        </p:spPr>
+        <p:txBody>
+          <a:bodyPr vert="horz" lIns="91440" tIns="45720" rIns="91440" bIns="45720" rtlCol="0" anchor="ctr">
+            <a:noAutofit/>
+          </a:bodyPr>
+          <a:lstStyle>
+            <a:lvl1pPr algn="l" defTabSz="914400" rtl="0" eaLnBrk="1" latinLnBrk="0" hangingPunct="1">
+              <a:lnSpc>
+                <a:spcPct val="90000"/>
+              </a:lnSpc>
+              <a:spcBef>
+                <a:spcPct val="0"/>
+              </a:spcBef>
+              <a:buNone/>
+              <a:defRPr sz="4400" kern="1200">
+                <a:solidFill>
+                  <a:schemeClr val="tx1"/>
+                </a:solidFill>
+                <a:latin typeface="+mj-lt"/>
+                <a:ea typeface="+mj-ea"/>
+                <a:cs typeface="+mj-cs"/>
+              </a:defRPr>
+            </a:lvl1pPr>
+          </a:lstStyle>
+          <a:p>
+            <a:r>
+              <a:rPr lang="en-US" sz="6000" b="1" u="sng" dirty="0" smtClean="0">
+                <a:latin typeface="Copperplate Gothic Bold" panose="020E0705020206020404" pitchFamily="34" charset="0"/>
+                <a:ea typeface="Creepster" panose="02000000000000000000" pitchFamily="2" charset="0"/>
+              </a:rPr>
+              <a:t>Problems Encountered</a:t>
+            </a:r>
+            <a:endParaRPr lang="en-US" sz="6000" b="1" u="sng" dirty="0">
+              <a:latin typeface="Copperplate Gothic Bold" panose="020E0705020206020404" pitchFamily="34" charset="0"/>
+              <a:ea typeface="Creepster" panose="02000000000000000000" pitchFamily="2" charset="0"/>
+            </a:endParaRPr>
+          </a:p>
+        </p:txBody>
+      </p:sp>
+      <p:graphicFrame>
+        <p:nvGraphicFramePr>
+          <p:cNvPr id="3" name="Table 2"/>
+          <p:cNvGraphicFramePr>
+            <a:graphicFrameLocks noGrp="1"/>
+          </p:cNvGraphicFramePr>
+          <p:nvPr>
+            <p:extLst>
+              <p:ext uri="{D42A27DB-BD31-4B8C-83A1-F6EECF244321}">
+                <p14:modId xmlns:p14="http://schemas.microsoft.com/office/powerpoint/2010/main" val="2961426690"/>
+              </p:ext>
+            </p:extLst>
+          </p:nvPr>
+        </p:nvGraphicFramePr>
+        <p:xfrm>
+          <a:off x="1989797" y="1994645"/>
+          <a:ext cx="8128000" cy="2465736"/>
+        </p:xfrm>
+        <a:graphic>
+          <a:graphicData uri="http://schemas.openxmlformats.org/drawingml/2006/table">
+            <a:tbl>
+              <a:tblPr firstRow="1" bandRow="1">
+                <a:tableStyleId>{5C22544A-7EE6-4342-B048-85BDC9FD1C3A}</a:tableStyleId>
+              </a:tblPr>
+              <a:tblGrid>
+                <a:gridCol w="8128000"/>
+              </a:tblGrid>
+              <a:tr h="742664">
+                <a:tc>
+                  <a:txBody>
+                    <a:bodyPr/>
+                    <a:lstStyle/>
+                    <a:p>
+                      <a:pPr marL="571500" indent="-571500" algn="ctr">
+                        <a:buFont typeface="Arial" panose="020B0604020202020204" pitchFamily="34" charset="0"/>
+                        <a:buChar char="•"/>
+                      </a:pPr>
+                      <a:r>
+                        <a:rPr lang="en-US" sz="3600" dirty="0" smtClean="0">
+                          <a:solidFill>
+                            <a:schemeClr val="tx1"/>
+                          </a:solidFill>
+                          <a:latin typeface="Copperplate Gothic Bold" panose="020E0705020206020404" pitchFamily="34" charset="0"/>
+                        </a:rPr>
+                        <a:t>Game</a:t>
+                      </a:r>
+                      <a:r>
+                        <a:rPr lang="en-US" sz="3600" baseline="0" dirty="0" smtClean="0">
+                          <a:solidFill>
+                            <a:schemeClr val="tx1"/>
+                          </a:solidFill>
+                          <a:latin typeface="Copperplate Gothic Bold" panose="020E0705020206020404" pitchFamily="34" charset="0"/>
+                        </a:rPr>
+                        <a:t> loop (scope)</a:t>
+                      </a:r>
+                      <a:endParaRPr lang="en-US" sz="3600" dirty="0">
+                        <a:solidFill>
+                          <a:schemeClr val="tx1"/>
+                        </a:solidFill>
+                        <a:latin typeface="Copperplate Gothic Bold" panose="020E0705020206020404" pitchFamily="34" charset="0"/>
+                      </a:endParaRPr>
+                    </a:p>
+                  </a:txBody>
+                  <a:tcPr/>
+                </a:tc>
+              </a:tr>
+              <a:tr h="980408">
+                <a:tc>
+                  <a:txBody>
+                    <a:bodyPr/>
+                    <a:lstStyle/>
+                    <a:p>
+                      <a:pPr marL="571500" marR="0" indent="-571500" algn="ctr" defTabSz="914400" rtl="0" eaLnBrk="1" fontAlgn="auto" latinLnBrk="0" hangingPunct="1">
+                        <a:lnSpc>
+                          <a:spcPct val="100000"/>
+                        </a:lnSpc>
+                        <a:spcBef>
+                          <a:spcPts val="0"/>
+                        </a:spcBef>
+                        <a:spcAft>
+                          <a:spcPts val="0"/>
+                        </a:spcAft>
+                        <a:buClrTx/>
+                        <a:buSzTx/>
+                        <a:buFont typeface="Arial" panose="020B0604020202020204" pitchFamily="34" charset="0"/>
+                        <a:buChar char="•"/>
+                        <a:tabLst/>
+                        <a:defRPr/>
+                      </a:pPr>
+                      <a:r>
+                        <a:rPr lang="en-US" sz="3600" b="1" dirty="0" smtClean="0">
+                          <a:solidFill>
+                            <a:schemeClr val="tx1"/>
+                          </a:solidFill>
+                          <a:latin typeface="Copperplate Gothic Bold" panose="020E0705020206020404" pitchFamily="34" charset="0"/>
+                        </a:rPr>
+                        <a:t>Collision Detection</a:t>
+                      </a:r>
+                    </a:p>
+                  </a:txBody>
+                  <a:tcPr>
+                    <a:solidFill>
+                      <a:srgbClr val="C00000"/>
+                    </a:solidFill>
+                  </a:tcPr>
+                </a:tc>
+              </a:tr>
+              <a:tr h="742664">
+                <a:tc>
+                  <a:txBody>
+                    <a:bodyPr/>
+                    <a:lstStyle/>
+                    <a:p>
+                      <a:pPr marL="571500" marR="0" indent="-571500" algn="ctr" defTabSz="914400" rtl="0" eaLnBrk="1" fontAlgn="auto" latinLnBrk="0" hangingPunct="1">
+                        <a:lnSpc>
+                          <a:spcPct val="100000"/>
+                        </a:lnSpc>
+                        <a:spcBef>
+                          <a:spcPts val="0"/>
+                        </a:spcBef>
+                        <a:spcAft>
+                          <a:spcPts val="0"/>
+                        </a:spcAft>
+                        <a:buClrTx/>
+                        <a:buSzTx/>
+                        <a:buFont typeface="Arial" panose="020B0604020202020204" pitchFamily="34" charset="0"/>
+                        <a:buChar char="•"/>
+                        <a:tabLst/>
+                        <a:defRPr/>
+                      </a:pPr>
+                      <a:r>
+                        <a:rPr lang="en-US" sz="3600" b="1" baseline="0" dirty="0" smtClean="0">
+                          <a:solidFill>
+                            <a:schemeClr val="tx1"/>
+                          </a:solidFill>
+                          <a:latin typeface="Copperplate Gothic Bold" panose="020E0705020206020404" pitchFamily="34" charset="0"/>
+                        </a:rPr>
+                        <a:t>weapon aim</a:t>
+                      </a:r>
+                      <a:endParaRPr lang="en-US" sz="3600" b="1" dirty="0" smtClean="0">
+                        <a:solidFill>
+                          <a:schemeClr val="tx1"/>
+                        </a:solidFill>
+                        <a:latin typeface="Copperplate Gothic Bold" panose="020E0705020206020404" pitchFamily="34" charset="0"/>
+                      </a:endParaRPr>
+                    </a:p>
+                  </a:txBody>
+                  <a:tcPr>
+                    <a:solidFill>
+                      <a:schemeClr val="bg2">
+                        <a:lumMod val="50000"/>
+                      </a:schemeClr>
+                    </a:solidFill>
+                  </a:tcPr>
+                </a:tc>
+              </a:tr>
+            </a:tbl>
+          </a:graphicData>
+        </a:graphic>
+      </p:graphicFrame>
     </p:spTree>
     <p:extLst>
       <p:ext uri="{BB962C8B-B14F-4D97-AF65-F5344CB8AC3E}">
-        <p14:creationId xmlns:p14="http://schemas.microsoft.com/office/powerpoint/2010/main" val="184187432"/>
+        <p14:creationId xmlns:p14="http://schemas.microsoft.com/office/powerpoint/2010/main" val="489603832"/>
       </p:ext>
     </p:extLst>
   </p:cSld>
@@ -3718,9 +5861,134 @@
   <p:timing>
     <p:tnLst>
       <p:par>
-        <p:cTn id="1" dur="indefinite" restart="never" nodeType="tmRoot"/>
+        <p:cTn id="1" dur="indefinite" restart="never" nodeType="tmRoot">
+          <p:childTnLst>
+            <p:seq concurrent="1" nextAc="seek">
+              <p:cTn id="2" dur="indefinite" nodeType="mainSeq">
+                <p:childTnLst>
+                  <p:par>
+                    <p:cTn id="3" fill="hold">
+                      <p:stCondLst>
+                        <p:cond delay="indefinite"/>
+                      </p:stCondLst>
+                      <p:childTnLst>
+                        <p:par>
+                          <p:cTn id="4" fill="hold">
+                            <p:stCondLst>
+                              <p:cond delay="0"/>
+                            </p:stCondLst>
+                            <p:childTnLst>
+                              <p:par>
+                                <p:cTn id="5" presetID="42" presetClass="entr" presetSubtype="0" fill="hold" grpId="0" nodeType="clickEffect">
+                                  <p:stCondLst>
+                                    <p:cond delay="0"/>
+                                  </p:stCondLst>
+                                  <p:childTnLst>
+                                    <p:set>
+                                      <p:cBhvr>
+                                        <p:cTn id="6" dur="1" fill="hold">
+                                          <p:stCondLst>
+                                            <p:cond delay="0"/>
+                                          </p:stCondLst>
+                                        </p:cTn>
+                                        <p:tgtEl>
+                                          <p:spTgt spid="2"/>
+                                        </p:tgtEl>
+                                        <p:attrNameLst>
+                                          <p:attrName>style.visibility</p:attrName>
+                                        </p:attrNameLst>
+                                      </p:cBhvr>
+                                      <p:to>
+                                        <p:strVal val="visible"/>
+                                      </p:to>
+                                    </p:set>
+                                    <p:animEffect transition="in" filter="fade">
+                                      <p:cBhvr>
+                                        <p:cTn id="7" dur="1000"/>
+                                        <p:tgtEl>
+                                          <p:spTgt spid="2"/>
+                                        </p:tgtEl>
+                                      </p:cBhvr>
+                                    </p:animEffect>
+                                    <p:anim calcmode="lin" valueType="num">
+                                      <p:cBhvr>
+                                        <p:cTn id="8" dur="1000" fill="hold"/>
+                                        <p:tgtEl>
+                                          <p:spTgt spid="2"/>
+                                        </p:tgtEl>
+                                        <p:attrNameLst>
+                                          <p:attrName>ppt_x</p:attrName>
+                                        </p:attrNameLst>
+                                      </p:cBhvr>
+                                      <p:tavLst>
+                                        <p:tav tm="0">
+                                          <p:val>
+                                            <p:strVal val="#ppt_x"/>
+                                          </p:val>
+                                        </p:tav>
+                                        <p:tav tm="100000">
+                                          <p:val>
+                                            <p:strVal val="#ppt_x"/>
+                                          </p:val>
+                                        </p:tav>
+                                      </p:tavLst>
+                                    </p:anim>
+                                    <p:anim calcmode="lin" valueType="num">
+                                      <p:cBhvr>
+                                        <p:cTn id="9" dur="1000" fill="hold"/>
+                                        <p:tgtEl>
+                                          <p:spTgt spid="2"/>
+                                        </p:tgtEl>
+                                        <p:attrNameLst>
+                                          <p:attrName>ppt_y</p:attrName>
+                                        </p:attrNameLst>
+                                      </p:cBhvr>
+                                      <p:tavLst>
+                                        <p:tav tm="0">
+                                          <p:val>
+                                            <p:strVal val="#ppt_y+.1"/>
+                                          </p:val>
+                                        </p:tav>
+                                        <p:tav tm="100000">
+                                          <p:val>
+                                            <p:strVal val="#ppt_y"/>
+                                          </p:val>
+                                        </p:tav>
+                                      </p:tavLst>
+                                    </p:anim>
+                                  </p:childTnLst>
+                                </p:cTn>
+                              </p:par>
+                            </p:childTnLst>
+                          </p:cTn>
+                        </p:par>
+                      </p:childTnLst>
+                    </p:cTn>
+                  </p:par>
+                </p:childTnLst>
+              </p:cTn>
+              <p:prevCondLst>
+                <p:cond evt="onPrev" delay="0">
+                  <p:tgtEl>
+                    <p:sldTgt/>
+                  </p:tgtEl>
+                </p:cond>
+              </p:prevCondLst>
+              <p:nextCondLst>
+                <p:cond evt="onNext" delay="0">
+                  <p:tgtEl>
+                    <p:sldTgt/>
+                  </p:tgtEl>
+                </p:cond>
+              </p:nextCondLst>
+            </p:seq>
+          </p:childTnLst>
+        </p:cTn>
       </p:par>
     </p:tnLst>
+    <p:bldLst>
+      <p:bldP spid="2" grpId="0"/>
+    </p:bldLst>
   </p:timing>
 </p:sld>
 </file>
@@ -3751,21 +6019,15 @@
           <p:nvPr/>
         </p:nvPicPr>
         <p:blipFill>
-          <a:blip r:embed="rId2">
-            <a:extLst>
-              <a:ext uri="{28A0092B-C50C-407E-A947-70E740481C1C}">
-                <a14:useLocalDpi xmlns:a14="http://schemas.microsoft.com/office/drawing/2010/main" val="0"/>
-              </a:ext>
-            </a:extLst>
-          </a:blip>
+          <a:blip r:embed="rId2"/>
           <a:stretch>
             <a:fillRect/>
           </a:stretch>
         </p:blipFill>
         <p:spPr>
           <a:xfrm>
-            <a:off x="9525" y="0"/>
-            <a:ext cx="12172950" cy="6858000"/>
+            <a:off x="20800" y="0"/>
+            <a:ext cx="12171199" cy="6857999"/>
           </a:xfrm>
           <a:prstGeom prst="rect">
             <a:avLst/>
@@ -3775,7 +6037,7 @@
     </p:spTree>
     <p:extLst>
       <p:ext uri="{BB962C8B-B14F-4D97-AF65-F5344CB8AC3E}">
-        <p14:creationId xmlns:p14="http://schemas.microsoft.com/office/powerpoint/2010/main" val="430100220"/>
+        <p14:creationId xmlns:p14="http://schemas.microsoft.com/office/powerpoint/2010/main" val="3218278781"/>
       </p:ext>
     </p:extLst>
   </p:cSld>
@@ -3793,7 +6055,7 @@
 </file>
 
 <file path=ppt/slides/slide8.xml><?xml version="1.0" encoding="utf-8"?>
-<p:sld xmlns:a="http://schemas.openxmlformats.org/drawingml/2006/main" xmlns:r="http://schemas.openxmlformats.org/officeDocument/2006/relationships" xmlns:p="http://schemas.openxmlformats.org/presentationml/2006/main">
+<p:sld xmlns:a="http://schemas.openxmlformats.org/drawingml/2006/main" xmlns:r="http://schemas.openxmlformats.org/officeDocument/2006/relationships" xmlns:p="http://schemas.openxmlformats.org/presentationml/2006/main" showMasterSp="0">
   <p:cSld>
     <p:spTree>
       <p:nvGrpSpPr>
@@ -3811,28 +6073,271 @@
       </p:grpSpPr>
       <p:pic>
         <p:nvPicPr>
-          <p:cNvPr id="4" name="Picture 3"/>
+          <p:cNvPr id="5" name="Picture 4"/>
           <p:cNvPicPr>
             <a:picLocks noChangeAspect="1"/>
           </p:cNvPicPr>
           <p:nvPr/>
         </p:nvPicPr>
         <p:blipFill>
-          <a:blip r:embed="rId2">
-            <a:extLst>
-              <a:ext uri="{28A0092B-C50C-407E-A947-70E740481C1C}">
-                <a14:useLocalDpi xmlns:a14="http://schemas.microsoft.com/office/drawing/2010/main" val="0"/>
-              </a:ext>
-            </a:extLst>
-          </a:blip>
+          <a:blip r:embed="rId2"/>
           <a:stretch>
             <a:fillRect/>
           </a:stretch>
         </p:blipFill>
         <p:spPr>
           <a:xfrm>
-            <a:off x="9525" y="0"/>
-            <a:ext cx="12172950" cy="6858000"/>
+            <a:off x="0" y="0"/>
+            <a:ext cx="5978769" cy="6858000"/>
+          </a:xfrm>
+          <a:prstGeom prst="rect">
+            <a:avLst/>
+          </a:prstGeom>
+        </p:spPr>
+      </p:pic>
+      <p:pic>
+        <p:nvPicPr>
+          <p:cNvPr id="6" name="Picture 5"/>
+          <p:cNvPicPr>
+            <a:picLocks noChangeAspect="1"/>
+          </p:cNvPicPr>
+          <p:nvPr/>
+        </p:nvPicPr>
+        <p:blipFill>
+          <a:blip r:embed="rId3"/>
+          <a:stretch>
+            <a:fillRect/>
+          </a:stretch>
+        </p:blipFill>
+        <p:spPr>
+          <a:xfrm>
+            <a:off x="5978769" y="0"/>
+            <a:ext cx="6213231" cy="6858000"/>
+          </a:xfrm>
+          <a:prstGeom prst="rect">
+            <a:avLst/>
+          </a:prstGeom>
+        </p:spPr>
+      </p:pic>
+      <p:cxnSp>
+        <p:nvCxnSpPr>
+          <p:cNvPr id="16" name="Curved Connector 15"/>
+          <p:cNvCxnSpPr/>
+          <p:nvPr/>
+        </p:nvCxnSpPr>
+        <p:spPr>
+          <a:xfrm rot="5400000" flipH="1" flipV="1">
+            <a:off x="1561514" y="1420838"/>
+            <a:ext cx="5584873" cy="4065563"/>
+          </a:xfrm>
+          <a:prstGeom prst="curvedConnector3">
+            <a:avLst>
+              <a:gd name="adj1" fmla="val 19019"/>
+            </a:avLst>
+          </a:prstGeom>
+          <a:ln>
+            <a:solidFill>
+              <a:schemeClr val="bg1">
+                <a:lumMod val="85000"/>
+              </a:schemeClr>
+            </a:solidFill>
+            <a:tailEnd type="triangle"/>
+          </a:ln>
+        </p:spPr>
+        <p:style>
+          <a:lnRef idx="1">
+            <a:schemeClr val="accent1"/>
+          </a:lnRef>
+          <a:fillRef idx="0">
+            <a:schemeClr val="accent1"/>
+          </a:fillRef>
+          <a:effectRef idx="0">
+            <a:schemeClr val="accent1"/>
+          </a:effectRef>
+          <a:fontRef idx="minor">
+            <a:schemeClr val="tx1"/>
+          </a:fontRef>
+        </p:style>
+      </p:cxnSp>
+    </p:spTree>
+    <p:extLst>
+      <p:ext uri="{BB962C8B-B14F-4D97-AF65-F5344CB8AC3E}">
+        <p14:creationId xmlns:p14="http://schemas.microsoft.com/office/powerpoint/2010/main" val="3649295256"/>
+      </p:ext>
+    </p:extLst>
+  </p:cSld>
+  <p:clrMapOvr>
+    <a:masterClrMapping/>
+  </p:clrMapOvr>
+  <p:timing>
+    <p:tnLst>
+      <p:par>
+        <p:cTn id="1" dur="indefinite" restart="never" nodeType="tmRoot">
+          <p:childTnLst>
+            <p:seq concurrent="1" nextAc="seek">
+              <p:cTn id="2" dur="indefinite" nodeType="mainSeq">
+                <p:childTnLst>
+                  <p:par>
+                    <p:cTn id="3" fill="hold">
+                      <p:stCondLst>
+                        <p:cond delay="indefinite"/>
+                      </p:stCondLst>
+                      <p:childTnLst>
+                        <p:par>
+                          <p:cTn id="4" fill="hold">
+                            <p:stCondLst>
+                              <p:cond delay="0"/>
+                            </p:stCondLst>
+                            <p:childTnLst>
+                              <p:par>
+                                <p:cTn id="5" presetID="21" presetClass="entr" presetSubtype="8" fill="hold" nodeType="clickEffect">
+                                  <p:stCondLst>
+                                    <p:cond delay="0"/>
+                                  </p:stCondLst>
+                                  <p:childTnLst>
+                                    <p:set>
+                                      <p:cBhvr>
+                                        <p:cTn id="6" dur="1" fill="hold">
+                                          <p:stCondLst>
+                                            <p:cond delay="0"/>
+                                          </p:stCondLst>
+                                        </p:cTn>
+                                        <p:tgtEl>
+                                          <p:spTgt spid="16"/>
+                                        </p:tgtEl>
+                                        <p:attrNameLst>
+                                          <p:attrName>style.visibility</p:attrName>
+                                        </p:attrNameLst>
+                                      </p:cBhvr>
+                                      <p:to>
+                                        <p:strVal val="visible"/>
+                                      </p:to>
+                                    </p:set>
+                                    <p:animEffect transition="in" filter="wheel(8)">
+                                      <p:cBhvr>
+                                        <p:cTn id="7" dur="2000"/>
+                                        <p:tgtEl>
+                                          <p:spTgt spid="16"/>
+                                        </p:tgtEl>
+                                      </p:cBhvr>
+                                    </p:animEffect>
+                                  </p:childTnLst>
+                                </p:cTn>
+                              </p:par>
+                            </p:childTnLst>
+                          </p:cTn>
+                        </p:par>
+                      </p:childTnLst>
+                    </p:cTn>
+                  </p:par>
+                </p:childTnLst>
+              </p:cTn>
+              <p:prevCondLst>
+                <p:cond evt="onPrev" delay="0">
+                  <p:tgtEl>
+                    <p:sldTgt/>
+                  </p:tgtEl>
+                </p:cond>
+              </p:prevCondLst>
+              <p:nextCondLst>
+                <p:cond evt="onNext" delay="0">
+                  <p:tgtEl>
+                    <p:sldTgt/>
+                  </p:tgtEl>
+                </p:cond>
+              </p:nextCondLst>
+            </p:seq>
+          </p:childTnLst>
+        </p:cTn>
+      </p:par>
+    </p:tnLst>
+  </p:timing>
+</p:sld>
+</file>
+
+<file path=ppt/slides/slide9.xml><?xml version="1.0" encoding="utf-8"?>
+<p:sld xmlns:a="http://schemas.openxmlformats.org/drawingml/2006/main" xmlns:r="http://schemas.openxmlformats.org/officeDocument/2006/relationships" xmlns:p="http://schemas.openxmlformats.org/presentationml/2006/main">
+  <p:cSld>
+    <p:spTree>
+      <p:nvGrpSpPr>
+        <p:cNvPr id="1" name=""/>
+        <p:cNvGrpSpPr/>
+        <p:nvPr/>
+      </p:nvGrpSpPr>
+      <p:grpSpPr>
+        <a:xfrm>
+          <a:off x="0" y="0"/>
+          <a:ext cx="0" cy="0"/>
+          <a:chOff x="0" y="0"/>
+          <a:chExt cx="0" cy="0"/>
+        </a:xfrm>
+      </p:grpSpPr>
+      <p:sp>
+        <p:nvSpPr>
+          <p:cNvPr id="4" name="Title 1"/>
+          <p:cNvSpPr txBox="1">
+            <a:spLocks/>
+          </p:cNvSpPr>
+          <p:nvPr/>
+        </p:nvSpPr>
+        <p:spPr>
+          <a:xfrm>
+            <a:off x="4794161" y="2388542"/>
+            <a:ext cx="1630250" cy="618431"/>
+          </a:xfrm>
+          <a:prstGeom prst="rect">
+            <a:avLst/>
+          </a:prstGeom>
+        </p:spPr>
+        <p:txBody>
+          <a:bodyPr vert="horz" lIns="91440" tIns="45720" rIns="91440" bIns="45720" rtlCol="0" anchor="b">
+            <a:noAutofit/>
+          </a:bodyPr>
+          <a:lstStyle>
+            <a:lvl1pPr algn="ctr" defTabSz="914400" rtl="0" eaLnBrk="1" latinLnBrk="0" hangingPunct="1">
+              <a:lnSpc>
+                <a:spcPct val="90000"/>
+              </a:lnSpc>
+              <a:spcBef>
+                <a:spcPct val="0"/>
+              </a:spcBef>
+              <a:buNone/>
+              <a:defRPr sz="6000" kern="1200">
+                <a:solidFill>
+                  <a:schemeClr val="tx1"/>
+                </a:solidFill>
+                <a:latin typeface="+mj-lt"/>
+                <a:ea typeface="+mj-ea"/>
+                <a:cs typeface="+mj-cs"/>
+              </a:defRPr>
+            </a:lvl1pPr>
+          </a:lstStyle>
+          <a:p>
+            <a:endParaRPr lang="en-US" sz="3600" dirty="0" smtClean="0">
+              <a:latin typeface="Franklin Gothic Book" panose="020B0503020102020204" pitchFamily="34" charset="0"/>
+              <a:ea typeface="Creepster" panose="02000000000000000000" pitchFamily="2" charset="0"/>
+            </a:endParaRPr>
+          </a:p>
+        </p:txBody>
+      </p:sp>
+      <p:pic>
+        <p:nvPicPr>
+          <p:cNvPr id="6" name="Picture 5"/>
+          <p:cNvPicPr>
+            <a:picLocks noChangeAspect="1"/>
+          </p:cNvPicPr>
+          <p:nvPr/>
+        </p:nvPicPr>
+        <p:blipFill>
+          <a:blip r:embed="rId2"/>
+          <a:stretch>
+            <a:fillRect/>
+          </a:stretch>
+        </p:blipFill>
+        <p:spPr>
+          <a:xfrm>
+            <a:off x="0" y="0"/>
+            <a:ext cx="12192000" cy="6858000"/>
           </a:xfrm>
           <a:prstGeom prst="rect">
             <a:avLst/>
@@ -3842,7 +6347,7 @@
     </p:spTree>
     <p:extLst>
       <p:ext uri="{BB962C8B-B14F-4D97-AF65-F5344CB8AC3E}">
-        <p14:creationId xmlns:p14="http://schemas.microsoft.com/office/powerpoint/2010/main" val="3938919865"/>
+        <p14:creationId xmlns:p14="http://schemas.microsoft.com/office/powerpoint/2010/main" val="1812456686"/>
       </p:ext>
     </p:extLst>
   </p:cSld>
@@ -3860,47 +6365,47 @@
 </file>
 
 <file path=ppt/theme/theme1.xml><?xml version="1.0" encoding="utf-8"?>
-<a:theme xmlns:a="http://schemas.openxmlformats.org/drawingml/2006/main" name="Office Theme">
+<a:theme xmlns:a="http://schemas.openxmlformats.org/drawingml/2006/main" name="Retrospect">
   <a:themeElements>
-    <a:clrScheme name="Office">
+    <a:clrScheme name="Retrospect">
       <a:dk1>
-        <a:sysClr val="windowText" lastClr="000000"/>
+        <a:srgbClr val="000000"/>
       </a:dk1>
       <a:lt1>
         <a:sysClr val="window" lastClr="FFFFFF"/>
       </a:lt1>
       <a:dk2>
-        <a:srgbClr val="44546A"/>
+        <a:srgbClr val="637052"/>
       </a:dk2>
       <a:lt2>
-        <a:srgbClr val="E7E6E6"/>
+        <a:srgbClr val="CCDDEA"/>
       </a:lt2>
       <a:accent1>
-        <a:srgbClr val="5B9BD5"/>
+        <a:srgbClr val="E48312"/>
       </a:accent1>
       <a:accent2>
-        <a:srgbClr val="ED7D31"/>
+        <a:srgbClr val="BD582C"/>
       </a:accent2>
       <a:accent3>
-        <a:srgbClr val="A5A5A5"/>
+        <a:srgbClr val="865640"/>
       </a:accent3>
       <a:accent4>
-        <a:srgbClr val="FFC000"/>
+        <a:srgbClr val="9B8357"/>
       </a:accent4>
       <a:accent5>
-        <a:srgbClr val="4472C4"/>
+        <a:srgbClr val="C2BC80"/>
       </a:accent5>
       <a:accent6>
-        <a:srgbClr val="70AD47"/>
+        <a:srgbClr val="94A088"/>
       </a:accent6>
       <a:hlink>
-        <a:srgbClr val="0563C1"/>
+        <a:srgbClr val="2998E3"/>
       </a:hlink>
       <a:folHlink>
-        <a:srgbClr val="954F72"/>
+        <a:srgbClr val="8C8C8C"/>
       </a:folHlink>
     </a:clrScheme>
-    <a:fontScheme name="Office">
+    <a:fontScheme name="Retrospect">
       <a:majorFont>
         <a:latin typeface="Calibri Light" panose="020F0302020204030204"/>
         <a:ea typeface=""/>
@@ -3972,7 +6477,7 @@
         <a:font script="Geor" typeface="Sylfaen"/>
       </a:minorFont>
     </a:fontScheme>
-    <a:fmtScheme name="Office">
+    <a:fmtScheme name="Retrospect">
       <a:fillStyleLst>
         <a:solidFill>
           <a:schemeClr val="phClr"/>
@@ -3981,76 +6486,81 @@
           <a:gsLst>
             <a:gs pos="0">
               <a:schemeClr val="phClr">
-                <a:lumMod val="110000"/>
-                <a:satMod val="105000"/>
-                <a:tint val="67000"/>
+                <a:tint val="65000"/>
+                <a:shade val="92000"/>
+                <a:satMod val="130000"/>
               </a:schemeClr>
             </a:gs>
-            <a:gs pos="50000">
+            <a:gs pos="45000">
               <a:schemeClr val="phClr">
-                <a:lumMod val="105000"/>
-                <a:satMod val="103000"/>
-                <a:tint val="73000"/>
+                <a:tint val="60000"/>
+                <a:shade val="99000"/>
+                <a:satMod val="120000"/>
               </a:schemeClr>
             </a:gs>
             <a:gs pos="100000">
               <a:schemeClr val="phClr">
-                <a:lumMod val="105000"/>
-                <a:satMod val="109000"/>
-                <a:tint val="81000"/>
+                <a:tint val="55000"/>
+                <a:satMod val="140000"/>
               </a:schemeClr>
             </a:gs>
           </a:gsLst>
-          <a:lin ang="5400000" scaled="0"/>
+          <a:path path="circle">
+            <a:fillToRect l="100000" t="100000" r="100000" b="100000"/>
+          </a:path>
         </a:gradFill>
         <a:gradFill rotWithShape="1">
           <a:gsLst>
             <a:gs pos="0">
               <a:schemeClr val="phClr">
-                <a:satMod val="103000"/>
-                <a:lumMod val="102000"/>
-                <a:tint val="94000"/>
+                <a:shade val="85000"/>
+                <a:satMod val="130000"/>
               </a:schemeClr>
             </a:gs>
-            <a:gs pos="50000">
+            <a:gs pos="34000">
               <a:schemeClr val="phClr">
-                <a:satMod val="110000"/>
-                <a:lumMod val="100000"/>
-                <a:shade val="100000"/>
+                <a:shade val="87000"/>
+                <a:satMod val="125000"/>
+              </a:schemeClr>
+            </a:gs>
+            <a:gs pos="70000">
+              <a:schemeClr val="phClr">
+                <a:tint val="100000"/>
+                <a:shade val="90000"/>
+                <a:satMod val="130000"/>
               </a:schemeClr>
             </a:gs>
             <a:gs pos="100000">
               <a:schemeClr val="phClr">
-                <a:lumMod val="99000"/>
-                <a:satMod val="120000"/>
-                <a:shade val="78000"/>
+                <a:tint val="100000"/>
+                <a:shade val="100000"/>
+                <a:satMod val="110000"/>
               </a:schemeClr>
             </a:gs>
           </a:gsLst>
-          <a:lin ang="5400000" scaled="0"/>
+          <a:path path="circle">
+            <a:fillToRect l="100000" t="100000" r="100000" b="100000"/>
+          </a:path>
         </a:gradFill>
       </a:fillStyleLst>
       <a:lnStyleLst>
-        <a:ln w="6350" cap="flat" cmpd="sng" algn="ctr">
-          <a:solidFill>
-            <a:schemeClr val="phClr"/>
-          </a:solidFill>
-          <a:prstDash val="solid"/>
-          <a:miter lim="800000"/>
-        </a:ln>
         <a:ln w="12700" cap="flat" cmpd="sng" algn="ctr">
           <a:solidFill>
             <a:schemeClr val="phClr"/>
           </a:solidFill>
           <a:prstDash val="solid"/>
-          <a:miter lim="800000"/>
         </a:ln>
-        <a:ln w="19050" cap="flat" cmpd="sng" algn="ctr">
+        <a:ln w="15875" cap="flat" cmpd="sng" algn="ctr">
           <a:solidFill>
             <a:schemeClr val="phClr"/>
           </a:solidFill>
           <a:prstDash val="solid"/>
-          <a:miter lim="800000"/>
+        </a:ln>
+        <a:ln w="25400" cap="flat" cmpd="sng" algn="ctr">
+          <a:solidFill>
+            <a:schemeClr val="phClr"/>
+          </a:solidFill>
+          <a:prstDash val="solid"/>
         </a:ln>
       </a:lnStyleLst>
       <a:effectStyleLst>
@@ -4058,16 +6568,33 @@
           <a:effectLst/>
         </a:effectStyle>
         <a:effectStyle>
-          <a:effectLst/>
+          <a:effectLst>
+            <a:outerShdw blurRad="38100" dist="25400" dir="2700000" algn="br" rotWithShape="0">
+              <a:srgbClr val="000000">
+                <a:alpha val="60000"/>
+              </a:srgbClr>
+            </a:outerShdw>
+          </a:effectLst>
         </a:effectStyle>
         <a:effectStyle>
           <a:effectLst>
-            <a:outerShdw blurRad="57150" dist="19050" dir="5400000" algn="ctr" rotWithShape="0">
+            <a:outerShdw blurRad="44450" dist="25400" dir="2700000" algn="br" rotWithShape="0">
               <a:srgbClr val="000000">
-                <a:alpha val="63000"/>
+                <a:alpha val="60000"/>
               </a:srgbClr>
             </a:outerShdw>
           </a:effectLst>
+          <a:scene3d>
+            <a:camera prst="orthographicFront">
+              <a:rot lat="0" lon="0" rev="0"/>
+            </a:camera>
+            <a:lightRig rig="threePt" dir="t">
+              <a:rot lat="0" lon="0" rev="19800000"/>
+            </a:lightRig>
+          </a:scene3d>
+          <a:sp3d prstMaterial="flat">
+            <a:bevelT w="25400" h="31750"/>
+          </a:sp3d>
         </a:effectStyle>
       </a:effectStyleLst>
       <a:bgFillStyleLst>
@@ -4076,36 +6603,36 @@
         </a:solidFill>
         <a:solidFill>
           <a:schemeClr val="phClr">
-            <a:tint val="95000"/>
-            <a:satMod val="170000"/>
+            <a:tint val="90000"/>
+            <a:shade val="97000"/>
+            <a:satMod val="130000"/>
           </a:schemeClr>
         </a:solidFill>
         <a:gradFill rotWithShape="1">
           <a:gsLst>
             <a:gs pos="0">
               <a:schemeClr val="phClr">
-                <a:tint val="93000"/>
-                <a:satMod val="150000"/>
-                <a:shade val="98000"/>
-                <a:lumMod val="102000"/>
+                <a:tint val="96000"/>
+                <a:shade val="99000"/>
+                <a:satMod val="140000"/>
               </a:schemeClr>
             </a:gs>
-            <a:gs pos="50000">
+            <a:gs pos="65000">
               <a:schemeClr val="phClr">
-                <a:tint val="98000"/>
+                <a:tint val="100000"/>
+                <a:shade val="80000"/>
                 <a:satMod val="130000"/>
-                <a:shade val="90000"/>
-                <a:lumMod val="103000"/>
               </a:schemeClr>
             </a:gs>
             <a:gs pos="100000">
               <a:schemeClr val="phClr">
-                <a:shade val="63000"/>
+                <a:tint val="100000"/>
+                <a:shade val="48000"/>
                 <a:satMod val="120000"/>
               </a:schemeClr>
             </a:gs>
           </a:gsLst>
-          <a:lin ang="5400000" scaled="0"/>
+          <a:lin ang="16200000" scaled="0"/>
         </a:gradFill>
       </a:bgFillStyleLst>
     </a:fmtScheme>
@@ -4114,7 +6641,7 @@
   <a:extraClrSchemeLst/>
   <a:extLst>
     <a:ext uri="{05A4C25C-085E-4340-85A3-A5531E510DB2}">
-      <thm15:themeFamily xmlns:thm15="http://schemas.microsoft.com/office/thememl/2012/main" name="Office Theme" id="{62F939B6-93AF-4DB8-9C6B-D6C7DFDC589F}" vid="{4A3C46E8-61CC-4603-A589-7422A47A8E4A}"/>
+      <thm15:themeFamily xmlns:thm15="http://schemas.microsoft.com/office/thememl/2012/main" name="Retrospect" id="{5F128B03-DCCA-4EEB-AB3B-CF2899314A46}" vid="{3F1AAB62-24C6-49D2-8E01-B56FAC9A3DCD}"/>
     </a:ext>
   </a:extLst>
 </a:theme>
